--- a/Agile Firestarter Winter 2011 Agile Estimation.pptx
+++ b/Agile Firestarter Winter 2011 Agile Estimation.pptx
@@ -5394,8 +5394,13 @@
                   <a:schemeClr val="bg1"/>
                 </a:solidFill>
               </a:rPr>
-              <a:t>Dan Berlin</a:t>
-            </a:r>
+              <a:t>Ben Dewey</a:t>
+            </a:r>
+            <a:endParaRPr lang="en-US" sz="2400" kern="0" dirty="0" smtClean="0">
+              <a:solidFill>
+                <a:schemeClr val="bg1"/>
+              </a:solidFill>
+            </a:endParaRPr>
           </a:p>
           <a:p>
             <a:pPr lvl="0" defTabSz="914400" fontAlgn="base">
@@ -5413,7 +5418,15 @@
                   <a:schemeClr val="bg1"/>
                 </a:solidFill>
               </a:rPr>
-              <a:t>Twitter: @</a:t>
+              <a:t>Twitter: </a:t>
+            </a:r>
+            <a:r>
+              <a:rPr lang="en-US" sz="2400" kern="0" dirty="0" smtClean="0">
+                <a:solidFill>
+                  <a:schemeClr val="bg1"/>
+                </a:solidFill>
+              </a:rPr>
+              <a:t>@</a:t>
             </a:r>
             <a:r>
               <a:rPr lang="en-US" sz="2400" kern="0" dirty="0" err="1" smtClean="0">
@@ -5421,7 +5434,7 @@
                   <a:schemeClr val="bg1"/>
                 </a:solidFill>
               </a:rPr>
-              <a:t>DanBerlin</a:t>
+              <a:t>BenDewey</a:t>
             </a:r>
             <a:endParaRPr lang="en-US" sz="2400" kern="0" dirty="0" smtClean="0">
               <a:solidFill>
@@ -5448,12 +5461,12 @@
               <a:t>Email: </a:t>
             </a:r>
             <a:r>
-              <a:rPr lang="en-US" sz="2000" kern="0" dirty="0" err="1" smtClean="0">
+              <a:rPr lang="en-US" sz="2000" kern="0" dirty="0" smtClean="0">
                 <a:solidFill>
                   <a:schemeClr val="bg1"/>
                 </a:solidFill>
               </a:rPr>
-              <a:t>daniel.l.berlin@gmail.com</a:t>
+              <a:t>ben @bendewey.com</a:t>
             </a:r>
             <a:endParaRPr lang="en-US" sz="2000" kern="0" dirty="0" smtClean="0">
               <a:solidFill>

--- a/Agile Firestarter Winter 2011 Agile Estimation.pptx
+++ b/Agile Firestarter Winter 2011 Agile Estimation.pptx
@@ -3,32 +3,36 @@
 <p:presentation xmlns:a="http://schemas.openxmlformats.org/drawingml/2006/main" xmlns:r="http://schemas.openxmlformats.org/officeDocument/2006/relationships" xmlns:p="http://schemas.openxmlformats.org/presentationml/2006/main" strictFirstAndLastChars="0" saveSubsetFonts="1">
   <p:sldMasterIdLst>
     <p:sldMasterId id="2147483936" r:id="rId1"/>
+    <p:sldMasterId id="2147483950" r:id="rId2"/>
   </p:sldMasterIdLst>
   <p:notesMasterIdLst>
-    <p:notesMasterId r:id="rId23"/>
+    <p:notesMasterId r:id="rId27"/>
   </p:notesMasterIdLst>
   <p:sldIdLst>
-    <p:sldId id="499" r:id="rId2"/>
-    <p:sldId id="524" r:id="rId3"/>
-    <p:sldId id="546" r:id="rId4"/>
-    <p:sldId id="547" r:id="rId5"/>
-    <p:sldId id="523" r:id="rId6"/>
-    <p:sldId id="540" r:id="rId7"/>
-    <p:sldId id="541" r:id="rId8"/>
-    <p:sldId id="543" r:id="rId9"/>
-    <p:sldId id="525" r:id="rId10"/>
-    <p:sldId id="526" r:id="rId11"/>
-    <p:sldId id="518" r:id="rId12"/>
-    <p:sldId id="544" r:id="rId13"/>
-    <p:sldId id="545" r:id="rId14"/>
-    <p:sldId id="519" r:id="rId15"/>
-    <p:sldId id="517" r:id="rId16"/>
-    <p:sldId id="548" r:id="rId17"/>
-    <p:sldId id="528" r:id="rId18"/>
-    <p:sldId id="521" r:id="rId19"/>
-    <p:sldId id="520" r:id="rId20"/>
-    <p:sldId id="522" r:id="rId21"/>
-    <p:sldId id="538" r:id="rId22"/>
+    <p:sldId id="499" r:id="rId3"/>
+    <p:sldId id="549" r:id="rId4"/>
+    <p:sldId id="524" r:id="rId5"/>
+    <p:sldId id="546" r:id="rId6"/>
+    <p:sldId id="547" r:id="rId7"/>
+    <p:sldId id="523" r:id="rId8"/>
+    <p:sldId id="540" r:id="rId9"/>
+    <p:sldId id="541" r:id="rId10"/>
+    <p:sldId id="543" r:id="rId11"/>
+    <p:sldId id="550" r:id="rId12"/>
+    <p:sldId id="525" r:id="rId13"/>
+    <p:sldId id="526" r:id="rId14"/>
+    <p:sldId id="518" r:id="rId15"/>
+    <p:sldId id="544" r:id="rId16"/>
+    <p:sldId id="545" r:id="rId17"/>
+    <p:sldId id="519" r:id="rId18"/>
+    <p:sldId id="517" r:id="rId19"/>
+    <p:sldId id="548" r:id="rId20"/>
+    <p:sldId id="528" r:id="rId21"/>
+    <p:sldId id="521" r:id="rId22"/>
+    <p:sldId id="551" r:id="rId23"/>
+    <p:sldId id="520" r:id="rId24"/>
+    <p:sldId id="522" r:id="rId25"/>
+    <p:sldId id="538" r:id="rId26"/>
   </p:sldIdLst>
   <p:sldSz cx="10160000" cy="7620000"/>
   <p:notesSz cx="6858000" cy="9144000"/>
@@ -795,7 +799,7 @@
               <a:pPr>
                 <a:defRPr/>
               </a:pPr>
-              <a:t>10</a:t>
+              <a:t>12</a:t>
             </a:fld>
             <a:endParaRPr lang="en-US"/>
           </a:p>
@@ -898,7 +902,7 @@
               <a:pPr>
                 <a:defRPr/>
               </a:pPr>
-              <a:t>11</a:t>
+              <a:t>13</a:t>
             </a:fld>
             <a:endParaRPr lang="en-US"/>
           </a:p>
@@ -1023,7 +1027,7 @@
               <a:pPr>
                 <a:defRPr/>
               </a:pPr>
-              <a:t>12</a:t>
+              <a:t>14</a:t>
             </a:fld>
             <a:endParaRPr lang="en-US"/>
           </a:p>
@@ -1145,7 +1149,7 @@
               <a:pPr>
                 <a:defRPr/>
               </a:pPr>
-              <a:t>13</a:t>
+              <a:t>15</a:t>
             </a:fld>
             <a:endParaRPr lang="en-US"/>
           </a:p>
@@ -1240,7 +1244,7 @@
               <a:pPr>
                 <a:defRPr/>
               </a:pPr>
-              <a:t>14</a:t>
+              <a:t>16</a:t>
             </a:fld>
             <a:endParaRPr lang="en-US"/>
           </a:p>
@@ -1335,7 +1339,7 @@
               <a:pPr>
                 <a:defRPr/>
               </a:pPr>
-              <a:t>15</a:t>
+              <a:t>17</a:t>
             </a:fld>
             <a:endParaRPr lang="en-US"/>
           </a:p>
@@ -1458,7 +1462,7 @@
               <a:pPr>
                 <a:defRPr/>
               </a:pPr>
-              <a:t>16</a:t>
+              <a:t>18</a:t>
             </a:fld>
             <a:endParaRPr lang="en-US"/>
           </a:p>
@@ -1569,7 +1573,7 @@
               <a:pPr>
                 <a:defRPr/>
               </a:pPr>
-              <a:t>17</a:t>
+              <a:t>19</a:t>
             </a:fld>
             <a:endParaRPr lang="en-US"/>
           </a:p>
@@ -1660,7 +1664,7 @@
               <a:pPr>
                 <a:defRPr/>
               </a:pPr>
-              <a:t>18</a:t>
+              <a:t>20</a:t>
             </a:fld>
             <a:endParaRPr lang="en-US"/>
           </a:p>
@@ -1783,7 +1787,7 @@
               <a:pPr>
                 <a:defRPr/>
               </a:pPr>
-              <a:t>19</a:t>
+              <a:t>22</a:t>
             </a:fld>
             <a:endParaRPr lang="en-US"/>
           </a:p>
@@ -1882,7 +1886,7 @@
               <a:pPr>
                 <a:defRPr/>
               </a:pPr>
-              <a:t>2</a:t>
+              <a:t>3</a:t>
             </a:fld>
             <a:endParaRPr lang="en-US"/>
           </a:p>
@@ -2023,7 +2027,7 @@
               <a:pPr>
                 <a:defRPr/>
               </a:pPr>
-              <a:t>20</a:t>
+              <a:t>23</a:t>
             </a:fld>
             <a:endParaRPr lang="en-US"/>
           </a:p>
@@ -2110,7 +2114,7 @@
               <a:pPr>
                 <a:defRPr/>
               </a:pPr>
-              <a:t>21</a:t>
+              <a:t>24</a:t>
             </a:fld>
             <a:endParaRPr lang="en-US"/>
           </a:p>
@@ -2215,7 +2219,7 @@
               <a:pPr>
                 <a:defRPr/>
               </a:pPr>
-              <a:t>3</a:t>
+              <a:t>4</a:t>
             </a:fld>
             <a:endParaRPr lang="en-US"/>
           </a:p>
@@ -2312,7 +2316,7 @@
               <a:pPr>
                 <a:defRPr/>
               </a:pPr>
-              <a:t>4</a:t>
+              <a:t>5</a:t>
             </a:fld>
             <a:endParaRPr lang="en-US"/>
           </a:p>
@@ -2399,7 +2403,7 @@
               <a:pPr>
                 <a:defRPr/>
               </a:pPr>
-              <a:t>5</a:t>
+              <a:t>6</a:t>
             </a:fld>
             <a:endParaRPr lang="en-US"/>
           </a:p>
@@ -2486,7 +2490,7 @@
               <a:pPr>
                 <a:defRPr/>
               </a:pPr>
-              <a:t>6</a:t>
+              <a:t>7</a:t>
             </a:fld>
             <a:endParaRPr lang="en-US"/>
           </a:p>
@@ -2573,7 +2577,7 @@
               <a:pPr>
                 <a:defRPr/>
               </a:pPr>
-              <a:t>7</a:t>
+              <a:t>8</a:t>
             </a:fld>
             <a:endParaRPr lang="en-US"/>
           </a:p>
@@ -2660,7 +2664,7 @@
               <a:pPr>
                 <a:defRPr/>
               </a:pPr>
-              <a:t>8</a:t>
+              <a:t>9</a:t>
             </a:fld>
             <a:endParaRPr lang="en-US"/>
           </a:p>
@@ -2757,7 +2761,7 @@
               <a:pPr>
                 <a:defRPr/>
               </a:pPr>
-              <a:t>9</a:t>
+              <a:t>11</a:t>
             </a:fld>
             <a:endParaRPr lang="en-US"/>
           </a:p>
@@ -3502,6 +3506,1594 @@
   <p:clrMapOvr>
     <a:masterClrMapping/>
   </p:clrMapOvr>
+  <p:timing>
+    <p:tnLst>
+      <p:par>
+        <p:cTn id="1" dur="indefinite" restart="never" nodeType="tmRoot"/>
+      </p:par>
+    </p:tnLst>
+  </p:timing>
+</p:sldLayout>
+</file>
+
+<file path=ppt/slideLayouts/slideLayout13.xml><?xml version="1.0" encoding="utf-8"?>
+<p:sldLayout xmlns:a="http://schemas.openxmlformats.org/drawingml/2006/main" xmlns:r="http://schemas.openxmlformats.org/officeDocument/2006/relationships" xmlns:p="http://schemas.openxmlformats.org/presentationml/2006/main" type="title" preserve="1">
+  <p:cSld name="Title Slide">
+    <p:spTree>
+      <p:nvGrpSpPr>
+        <p:cNvPr id="1" name=""/>
+        <p:cNvGrpSpPr/>
+        <p:nvPr/>
+      </p:nvGrpSpPr>
+      <p:grpSpPr>
+        <a:xfrm>
+          <a:off x="0" y="0"/>
+          <a:ext cx="0" cy="0"/>
+          <a:chOff x="0" y="0"/>
+          <a:chExt cx="0" cy="0"/>
+        </a:xfrm>
+      </p:grpSpPr>
+      <p:sp>
+        <p:nvSpPr>
+          <p:cNvPr id="2" name="Title 1"/>
+          <p:cNvSpPr>
+            <a:spLocks noGrp="1"/>
+          </p:cNvSpPr>
+          <p:nvPr>
+            <p:ph type="ctrTitle"/>
+          </p:nvPr>
+        </p:nvSpPr>
+        <p:spPr>
+          <a:xfrm>
+            <a:off x="762000" y="2366963"/>
+            <a:ext cx="8636000" cy="1633537"/>
+          </a:xfrm>
+        </p:spPr>
+        <p:txBody>
+          <a:bodyPr/>
+          <a:lstStyle/>
+          <a:p>
+            <a:r>
+              <a:rPr lang="en-US" smtClean="0"/>
+              <a:t>Click to edit Master title style</a:t>
+            </a:r>
+            <a:endParaRPr lang="en-US"/>
+          </a:p>
+        </p:txBody>
+      </p:sp>
+      <p:sp>
+        <p:nvSpPr>
+          <p:cNvPr id="3" name="Subtitle 2"/>
+          <p:cNvSpPr>
+            <a:spLocks noGrp="1"/>
+          </p:cNvSpPr>
+          <p:nvPr>
+            <p:ph type="subTitle" idx="1"/>
+          </p:nvPr>
+        </p:nvSpPr>
+        <p:spPr>
+          <a:xfrm>
+            <a:off x="1524000" y="4318000"/>
+            <a:ext cx="7112000" cy="1947863"/>
+          </a:xfrm>
+        </p:spPr>
+        <p:txBody>
+          <a:bodyPr/>
+          <a:lstStyle>
+            <a:lvl1pPr marL="0" indent="0" algn="ctr">
+              <a:buNone/>
+              <a:defRPr>
+                <a:solidFill>
+                  <a:schemeClr val="tx1">
+                    <a:tint val="75000"/>
+                  </a:schemeClr>
+                </a:solidFill>
+              </a:defRPr>
+            </a:lvl1pPr>
+            <a:lvl2pPr marL="457200" indent="0" algn="ctr">
+              <a:buNone/>
+              <a:defRPr>
+                <a:solidFill>
+                  <a:schemeClr val="tx1">
+                    <a:tint val="75000"/>
+                  </a:schemeClr>
+                </a:solidFill>
+              </a:defRPr>
+            </a:lvl2pPr>
+            <a:lvl3pPr marL="914400" indent="0" algn="ctr">
+              <a:buNone/>
+              <a:defRPr>
+                <a:solidFill>
+                  <a:schemeClr val="tx1">
+                    <a:tint val="75000"/>
+                  </a:schemeClr>
+                </a:solidFill>
+              </a:defRPr>
+            </a:lvl3pPr>
+            <a:lvl4pPr marL="1371600" indent="0" algn="ctr">
+              <a:buNone/>
+              <a:defRPr>
+                <a:solidFill>
+                  <a:schemeClr val="tx1">
+                    <a:tint val="75000"/>
+                  </a:schemeClr>
+                </a:solidFill>
+              </a:defRPr>
+            </a:lvl4pPr>
+            <a:lvl5pPr marL="1828800" indent="0" algn="ctr">
+              <a:buNone/>
+              <a:defRPr>
+                <a:solidFill>
+                  <a:schemeClr val="tx1">
+                    <a:tint val="75000"/>
+                  </a:schemeClr>
+                </a:solidFill>
+              </a:defRPr>
+            </a:lvl5pPr>
+            <a:lvl6pPr marL="2286000" indent="0" algn="ctr">
+              <a:buNone/>
+              <a:defRPr>
+                <a:solidFill>
+                  <a:schemeClr val="tx1">
+                    <a:tint val="75000"/>
+                  </a:schemeClr>
+                </a:solidFill>
+              </a:defRPr>
+            </a:lvl6pPr>
+            <a:lvl7pPr marL="2743200" indent="0" algn="ctr">
+              <a:buNone/>
+              <a:defRPr>
+                <a:solidFill>
+                  <a:schemeClr val="tx1">
+                    <a:tint val="75000"/>
+                  </a:schemeClr>
+                </a:solidFill>
+              </a:defRPr>
+            </a:lvl7pPr>
+            <a:lvl8pPr marL="3200400" indent="0" algn="ctr">
+              <a:buNone/>
+              <a:defRPr>
+                <a:solidFill>
+                  <a:schemeClr val="tx1">
+                    <a:tint val="75000"/>
+                  </a:schemeClr>
+                </a:solidFill>
+              </a:defRPr>
+            </a:lvl8pPr>
+            <a:lvl9pPr marL="3657600" indent="0" algn="ctr">
+              <a:buNone/>
+              <a:defRPr>
+                <a:solidFill>
+                  <a:schemeClr val="tx1">
+                    <a:tint val="75000"/>
+                  </a:schemeClr>
+                </a:solidFill>
+              </a:defRPr>
+            </a:lvl9pPr>
+          </a:lstStyle>
+          <a:p>
+            <a:r>
+              <a:rPr lang="en-US" smtClean="0"/>
+              <a:t>Click to edit Master subtitle style</a:t>
+            </a:r>
+            <a:endParaRPr lang="en-US"/>
+          </a:p>
+        </p:txBody>
+      </p:sp>
+      <p:sp>
+        <p:nvSpPr>
+          <p:cNvPr id="4" name="Date Placeholder 3"/>
+          <p:cNvSpPr>
+            <a:spLocks noGrp="1"/>
+          </p:cNvSpPr>
+          <p:nvPr>
+            <p:ph type="dt" sz="half" idx="10"/>
+          </p:nvPr>
+        </p:nvSpPr>
+        <p:spPr/>
+        <p:txBody>
+          <a:bodyPr/>
+          <a:lstStyle/>
+          <a:p>
+            <a:fld id="{4573CFDB-05E0-46C9-BA0A-C72AA8C3A001}" type="datetimeFigureOut">
+              <a:rPr lang="en-US" smtClean="0"/>
+              <a:t>1/18/2011</a:t>
+            </a:fld>
+            <a:endParaRPr lang="en-US"/>
+          </a:p>
+        </p:txBody>
+      </p:sp>
+      <p:sp>
+        <p:nvSpPr>
+          <p:cNvPr id="5" name="Footer Placeholder 4"/>
+          <p:cNvSpPr>
+            <a:spLocks noGrp="1"/>
+          </p:cNvSpPr>
+          <p:nvPr>
+            <p:ph type="ftr" sz="quarter" idx="11"/>
+          </p:nvPr>
+        </p:nvSpPr>
+        <p:spPr/>
+        <p:txBody>
+          <a:bodyPr/>
+          <a:lstStyle/>
+          <a:p>
+            <a:endParaRPr lang="en-US"/>
+          </a:p>
+        </p:txBody>
+      </p:sp>
+      <p:sp>
+        <p:nvSpPr>
+          <p:cNvPr id="6" name="Slide Number Placeholder 5"/>
+          <p:cNvSpPr>
+            <a:spLocks noGrp="1"/>
+          </p:cNvSpPr>
+          <p:nvPr>
+            <p:ph type="sldNum" sz="quarter" idx="12"/>
+          </p:nvPr>
+        </p:nvSpPr>
+        <p:spPr/>
+        <p:txBody>
+          <a:bodyPr/>
+          <a:lstStyle/>
+          <a:p>
+            <a:fld id="{05191629-A4FC-4772-B851-BD56BF85B7C6}" type="slidenum">
+              <a:rPr lang="en-US" smtClean="0"/>
+              <a:t>‹#›</a:t>
+            </a:fld>
+            <a:endParaRPr lang="en-US"/>
+          </a:p>
+        </p:txBody>
+      </p:sp>
+    </p:spTree>
+    <p:extLst>
+      <p:ext uri="{BB962C8B-B14F-4D97-AF65-F5344CB8AC3E}">
+        <p14:creationId xmlns:p14="http://schemas.microsoft.com/office/powerpoint/2010/main" val="3984463687"/>
+      </p:ext>
+    </p:extLst>
+  </p:cSld>
+  <p:clrMapOvr>
+    <a:masterClrMapping/>
+  </p:clrMapOvr>
+</p:sldLayout>
+</file>
+
+<file path=ppt/slideLayouts/slideLayout14.xml><?xml version="1.0" encoding="utf-8"?>
+<p:sldLayout xmlns:a="http://schemas.openxmlformats.org/drawingml/2006/main" xmlns:r="http://schemas.openxmlformats.org/officeDocument/2006/relationships" xmlns:p="http://schemas.openxmlformats.org/presentationml/2006/main" type="obj" preserve="1">
+  <p:cSld name="Title and Content">
+    <p:spTree>
+      <p:nvGrpSpPr>
+        <p:cNvPr id="1" name=""/>
+        <p:cNvGrpSpPr/>
+        <p:nvPr/>
+      </p:nvGrpSpPr>
+      <p:grpSpPr>
+        <a:xfrm>
+          <a:off x="0" y="0"/>
+          <a:ext cx="0" cy="0"/>
+          <a:chOff x="0" y="0"/>
+          <a:chExt cx="0" cy="0"/>
+        </a:xfrm>
+      </p:grpSpPr>
+      <p:sp>
+        <p:nvSpPr>
+          <p:cNvPr id="2" name="Title 1"/>
+          <p:cNvSpPr>
+            <a:spLocks noGrp="1"/>
+          </p:cNvSpPr>
+          <p:nvPr>
+            <p:ph type="title"/>
+          </p:nvPr>
+        </p:nvSpPr>
+        <p:spPr/>
+        <p:txBody>
+          <a:bodyPr/>
+          <a:lstStyle/>
+          <a:p>
+            <a:r>
+              <a:rPr lang="en-US" smtClean="0"/>
+              <a:t>Click to edit Master title style</a:t>
+            </a:r>
+            <a:endParaRPr lang="en-US"/>
+          </a:p>
+        </p:txBody>
+      </p:sp>
+      <p:sp>
+        <p:nvSpPr>
+          <p:cNvPr id="3" name="Content Placeholder 2"/>
+          <p:cNvSpPr>
+            <a:spLocks noGrp="1"/>
+          </p:cNvSpPr>
+          <p:nvPr>
+            <p:ph idx="1"/>
+          </p:nvPr>
+        </p:nvSpPr>
+        <p:spPr/>
+        <p:txBody>
+          <a:bodyPr/>
+          <a:lstStyle/>
+          <a:p>
+            <a:pPr lvl="0"/>
+            <a:r>
+              <a:rPr lang="en-US" smtClean="0"/>
+              <a:t>Click to edit Master text styles</a:t>
+            </a:r>
+          </a:p>
+          <a:p>
+            <a:pPr lvl="1"/>
+            <a:r>
+              <a:rPr lang="en-US" smtClean="0"/>
+              <a:t>Second level</a:t>
+            </a:r>
+          </a:p>
+          <a:p>
+            <a:pPr lvl="2"/>
+            <a:r>
+              <a:rPr lang="en-US" smtClean="0"/>
+              <a:t>Third level</a:t>
+            </a:r>
+          </a:p>
+          <a:p>
+            <a:pPr lvl="3"/>
+            <a:r>
+              <a:rPr lang="en-US" smtClean="0"/>
+              <a:t>Fourth level</a:t>
+            </a:r>
+          </a:p>
+          <a:p>
+            <a:pPr lvl="4"/>
+            <a:r>
+              <a:rPr lang="en-US" smtClean="0"/>
+              <a:t>Fifth level</a:t>
+            </a:r>
+            <a:endParaRPr lang="en-US"/>
+          </a:p>
+        </p:txBody>
+      </p:sp>
+      <p:sp>
+        <p:nvSpPr>
+          <p:cNvPr id="4" name="Date Placeholder 3"/>
+          <p:cNvSpPr>
+            <a:spLocks noGrp="1"/>
+          </p:cNvSpPr>
+          <p:nvPr>
+            <p:ph type="dt" sz="half" idx="10"/>
+          </p:nvPr>
+        </p:nvSpPr>
+        <p:spPr/>
+        <p:txBody>
+          <a:bodyPr/>
+          <a:lstStyle/>
+          <a:p>
+            <a:fld id="{4573CFDB-05E0-46C9-BA0A-C72AA8C3A001}" type="datetimeFigureOut">
+              <a:rPr lang="en-US" smtClean="0"/>
+              <a:t>1/18/2011</a:t>
+            </a:fld>
+            <a:endParaRPr lang="en-US"/>
+          </a:p>
+        </p:txBody>
+      </p:sp>
+      <p:sp>
+        <p:nvSpPr>
+          <p:cNvPr id="5" name="Footer Placeholder 4"/>
+          <p:cNvSpPr>
+            <a:spLocks noGrp="1"/>
+          </p:cNvSpPr>
+          <p:nvPr>
+            <p:ph type="ftr" sz="quarter" idx="11"/>
+          </p:nvPr>
+        </p:nvSpPr>
+        <p:spPr/>
+        <p:txBody>
+          <a:bodyPr/>
+          <a:lstStyle/>
+          <a:p>
+            <a:endParaRPr lang="en-US"/>
+          </a:p>
+        </p:txBody>
+      </p:sp>
+      <p:sp>
+        <p:nvSpPr>
+          <p:cNvPr id="6" name="Slide Number Placeholder 5"/>
+          <p:cNvSpPr>
+            <a:spLocks noGrp="1"/>
+          </p:cNvSpPr>
+          <p:nvPr>
+            <p:ph type="sldNum" sz="quarter" idx="12"/>
+          </p:nvPr>
+        </p:nvSpPr>
+        <p:spPr/>
+        <p:txBody>
+          <a:bodyPr/>
+          <a:lstStyle/>
+          <a:p>
+            <a:fld id="{05191629-A4FC-4772-B851-BD56BF85B7C6}" type="slidenum">
+              <a:rPr lang="en-US" smtClean="0"/>
+              <a:t>‹#›</a:t>
+            </a:fld>
+            <a:endParaRPr lang="en-US"/>
+          </a:p>
+        </p:txBody>
+      </p:sp>
+    </p:spTree>
+    <p:extLst>
+      <p:ext uri="{BB962C8B-B14F-4D97-AF65-F5344CB8AC3E}">
+        <p14:creationId xmlns:p14="http://schemas.microsoft.com/office/powerpoint/2010/main" val="2987290767"/>
+      </p:ext>
+    </p:extLst>
+  </p:cSld>
+  <p:clrMapOvr>
+    <a:masterClrMapping/>
+  </p:clrMapOvr>
+</p:sldLayout>
+</file>
+
+<file path=ppt/slideLayouts/slideLayout15.xml><?xml version="1.0" encoding="utf-8"?>
+<p:sldLayout xmlns:a="http://schemas.openxmlformats.org/drawingml/2006/main" xmlns:r="http://schemas.openxmlformats.org/officeDocument/2006/relationships" xmlns:p="http://schemas.openxmlformats.org/presentationml/2006/main" type="secHead" preserve="1">
+  <p:cSld name="Section Header">
+    <p:spTree>
+      <p:nvGrpSpPr>
+        <p:cNvPr id="1" name=""/>
+        <p:cNvGrpSpPr/>
+        <p:nvPr/>
+      </p:nvGrpSpPr>
+      <p:grpSpPr>
+        <a:xfrm>
+          <a:off x="0" y="0"/>
+          <a:ext cx="0" cy="0"/>
+          <a:chOff x="0" y="0"/>
+          <a:chExt cx="0" cy="0"/>
+        </a:xfrm>
+      </p:grpSpPr>
+      <p:sp>
+        <p:nvSpPr>
+          <p:cNvPr id="2" name="Title 1"/>
+          <p:cNvSpPr>
+            <a:spLocks noGrp="1"/>
+          </p:cNvSpPr>
+          <p:nvPr>
+            <p:ph type="title"/>
+          </p:nvPr>
+        </p:nvSpPr>
+        <p:spPr>
+          <a:xfrm>
+            <a:off x="803275" y="4895850"/>
+            <a:ext cx="8636000" cy="1514475"/>
+          </a:xfrm>
+        </p:spPr>
+        <p:txBody>
+          <a:bodyPr anchor="t"/>
+          <a:lstStyle>
+            <a:lvl1pPr algn="l">
+              <a:defRPr sz="4000" b="1" cap="all"/>
+            </a:lvl1pPr>
+          </a:lstStyle>
+          <a:p>
+            <a:r>
+              <a:rPr lang="en-US" smtClean="0"/>
+              <a:t>Click to edit Master title style</a:t>
+            </a:r>
+            <a:endParaRPr lang="en-US"/>
+          </a:p>
+        </p:txBody>
+      </p:sp>
+      <p:sp>
+        <p:nvSpPr>
+          <p:cNvPr id="3" name="Text Placeholder 2"/>
+          <p:cNvSpPr>
+            <a:spLocks noGrp="1"/>
+          </p:cNvSpPr>
+          <p:nvPr>
+            <p:ph type="body" idx="1"/>
+          </p:nvPr>
+        </p:nvSpPr>
+        <p:spPr>
+          <a:xfrm>
+            <a:off x="803275" y="3228975"/>
+            <a:ext cx="8636000" cy="1666875"/>
+          </a:xfrm>
+        </p:spPr>
+        <p:txBody>
+          <a:bodyPr anchor="b"/>
+          <a:lstStyle>
+            <a:lvl1pPr marL="0" indent="0">
+              <a:buNone/>
+              <a:defRPr sz="2000">
+                <a:solidFill>
+                  <a:schemeClr val="tx1">
+                    <a:tint val="75000"/>
+                  </a:schemeClr>
+                </a:solidFill>
+              </a:defRPr>
+            </a:lvl1pPr>
+            <a:lvl2pPr marL="457200" indent="0">
+              <a:buNone/>
+              <a:defRPr sz="1800">
+                <a:solidFill>
+                  <a:schemeClr val="tx1">
+                    <a:tint val="75000"/>
+                  </a:schemeClr>
+                </a:solidFill>
+              </a:defRPr>
+            </a:lvl2pPr>
+            <a:lvl3pPr marL="914400" indent="0">
+              <a:buNone/>
+              <a:defRPr sz="1600">
+                <a:solidFill>
+                  <a:schemeClr val="tx1">
+                    <a:tint val="75000"/>
+                  </a:schemeClr>
+                </a:solidFill>
+              </a:defRPr>
+            </a:lvl3pPr>
+            <a:lvl4pPr marL="1371600" indent="0">
+              <a:buNone/>
+              <a:defRPr sz="1400">
+                <a:solidFill>
+                  <a:schemeClr val="tx1">
+                    <a:tint val="75000"/>
+                  </a:schemeClr>
+                </a:solidFill>
+              </a:defRPr>
+            </a:lvl4pPr>
+            <a:lvl5pPr marL="1828800" indent="0">
+              <a:buNone/>
+              <a:defRPr sz="1400">
+                <a:solidFill>
+                  <a:schemeClr val="tx1">
+                    <a:tint val="75000"/>
+                  </a:schemeClr>
+                </a:solidFill>
+              </a:defRPr>
+            </a:lvl5pPr>
+            <a:lvl6pPr marL="2286000" indent="0">
+              <a:buNone/>
+              <a:defRPr sz="1400">
+                <a:solidFill>
+                  <a:schemeClr val="tx1">
+                    <a:tint val="75000"/>
+                  </a:schemeClr>
+                </a:solidFill>
+              </a:defRPr>
+            </a:lvl6pPr>
+            <a:lvl7pPr marL="2743200" indent="0">
+              <a:buNone/>
+              <a:defRPr sz="1400">
+                <a:solidFill>
+                  <a:schemeClr val="tx1">
+                    <a:tint val="75000"/>
+                  </a:schemeClr>
+                </a:solidFill>
+              </a:defRPr>
+            </a:lvl7pPr>
+            <a:lvl8pPr marL="3200400" indent="0">
+              <a:buNone/>
+              <a:defRPr sz="1400">
+                <a:solidFill>
+                  <a:schemeClr val="tx1">
+                    <a:tint val="75000"/>
+                  </a:schemeClr>
+                </a:solidFill>
+              </a:defRPr>
+            </a:lvl8pPr>
+            <a:lvl9pPr marL="3657600" indent="0">
+              <a:buNone/>
+              <a:defRPr sz="1400">
+                <a:solidFill>
+                  <a:schemeClr val="tx1">
+                    <a:tint val="75000"/>
+                  </a:schemeClr>
+                </a:solidFill>
+              </a:defRPr>
+            </a:lvl9pPr>
+          </a:lstStyle>
+          <a:p>
+            <a:pPr lvl="0"/>
+            <a:r>
+              <a:rPr lang="en-US" smtClean="0"/>
+              <a:t>Click to edit Master text styles</a:t>
+            </a:r>
+          </a:p>
+        </p:txBody>
+      </p:sp>
+      <p:sp>
+        <p:nvSpPr>
+          <p:cNvPr id="4" name="Date Placeholder 3"/>
+          <p:cNvSpPr>
+            <a:spLocks noGrp="1"/>
+          </p:cNvSpPr>
+          <p:nvPr>
+            <p:ph type="dt" sz="half" idx="10"/>
+          </p:nvPr>
+        </p:nvSpPr>
+        <p:spPr/>
+        <p:txBody>
+          <a:bodyPr/>
+          <a:lstStyle/>
+          <a:p>
+            <a:fld id="{4573CFDB-05E0-46C9-BA0A-C72AA8C3A001}" type="datetimeFigureOut">
+              <a:rPr lang="en-US" smtClean="0"/>
+              <a:t>1/18/2011</a:t>
+            </a:fld>
+            <a:endParaRPr lang="en-US"/>
+          </a:p>
+        </p:txBody>
+      </p:sp>
+      <p:sp>
+        <p:nvSpPr>
+          <p:cNvPr id="5" name="Footer Placeholder 4"/>
+          <p:cNvSpPr>
+            <a:spLocks noGrp="1"/>
+          </p:cNvSpPr>
+          <p:nvPr>
+            <p:ph type="ftr" sz="quarter" idx="11"/>
+          </p:nvPr>
+        </p:nvSpPr>
+        <p:spPr/>
+        <p:txBody>
+          <a:bodyPr/>
+          <a:lstStyle/>
+          <a:p>
+            <a:endParaRPr lang="en-US"/>
+          </a:p>
+        </p:txBody>
+      </p:sp>
+      <p:sp>
+        <p:nvSpPr>
+          <p:cNvPr id="6" name="Slide Number Placeholder 5"/>
+          <p:cNvSpPr>
+            <a:spLocks noGrp="1"/>
+          </p:cNvSpPr>
+          <p:nvPr>
+            <p:ph type="sldNum" sz="quarter" idx="12"/>
+          </p:nvPr>
+        </p:nvSpPr>
+        <p:spPr/>
+        <p:txBody>
+          <a:bodyPr/>
+          <a:lstStyle/>
+          <a:p>
+            <a:fld id="{05191629-A4FC-4772-B851-BD56BF85B7C6}" type="slidenum">
+              <a:rPr lang="en-US" smtClean="0"/>
+              <a:t>‹#›</a:t>
+            </a:fld>
+            <a:endParaRPr lang="en-US"/>
+          </a:p>
+        </p:txBody>
+      </p:sp>
+    </p:spTree>
+    <p:extLst>
+      <p:ext uri="{BB962C8B-B14F-4D97-AF65-F5344CB8AC3E}">
+        <p14:creationId xmlns:p14="http://schemas.microsoft.com/office/powerpoint/2010/main" val="1614621238"/>
+      </p:ext>
+    </p:extLst>
+  </p:cSld>
+  <p:clrMapOvr>
+    <a:masterClrMapping/>
+  </p:clrMapOvr>
+</p:sldLayout>
+</file>
+
+<file path=ppt/slideLayouts/slideLayout16.xml><?xml version="1.0" encoding="utf-8"?>
+<p:sldLayout xmlns:a="http://schemas.openxmlformats.org/drawingml/2006/main" xmlns:r="http://schemas.openxmlformats.org/officeDocument/2006/relationships" xmlns:p="http://schemas.openxmlformats.org/presentationml/2006/main" type="twoObj" preserve="1">
+  <p:cSld name="Two Content">
+    <p:spTree>
+      <p:nvGrpSpPr>
+        <p:cNvPr id="1" name=""/>
+        <p:cNvGrpSpPr/>
+        <p:nvPr/>
+      </p:nvGrpSpPr>
+      <p:grpSpPr>
+        <a:xfrm>
+          <a:off x="0" y="0"/>
+          <a:ext cx="0" cy="0"/>
+          <a:chOff x="0" y="0"/>
+          <a:chExt cx="0" cy="0"/>
+        </a:xfrm>
+      </p:grpSpPr>
+      <p:sp>
+        <p:nvSpPr>
+          <p:cNvPr id="2" name="Title 1"/>
+          <p:cNvSpPr>
+            <a:spLocks noGrp="1"/>
+          </p:cNvSpPr>
+          <p:nvPr>
+            <p:ph type="title"/>
+          </p:nvPr>
+        </p:nvSpPr>
+        <p:spPr/>
+        <p:txBody>
+          <a:bodyPr/>
+          <a:lstStyle/>
+          <a:p>
+            <a:r>
+              <a:rPr lang="en-US" smtClean="0"/>
+              <a:t>Click to edit Master title style</a:t>
+            </a:r>
+            <a:endParaRPr lang="en-US"/>
+          </a:p>
+        </p:txBody>
+      </p:sp>
+      <p:sp>
+        <p:nvSpPr>
+          <p:cNvPr id="3" name="Content Placeholder 2"/>
+          <p:cNvSpPr>
+            <a:spLocks noGrp="1"/>
+          </p:cNvSpPr>
+          <p:nvPr>
+            <p:ph sz="half" idx="1"/>
+          </p:nvPr>
+        </p:nvSpPr>
+        <p:spPr>
+          <a:xfrm>
+            <a:off x="508000" y="1778000"/>
+            <a:ext cx="4495800" cy="5029200"/>
+          </a:xfrm>
+        </p:spPr>
+        <p:txBody>
+          <a:bodyPr/>
+          <a:lstStyle>
+            <a:lvl1pPr>
+              <a:defRPr sz="2800"/>
+            </a:lvl1pPr>
+            <a:lvl2pPr>
+              <a:defRPr sz="2400"/>
+            </a:lvl2pPr>
+            <a:lvl3pPr>
+              <a:defRPr sz="2000"/>
+            </a:lvl3pPr>
+            <a:lvl4pPr>
+              <a:defRPr sz="1800"/>
+            </a:lvl4pPr>
+            <a:lvl5pPr>
+              <a:defRPr sz="1800"/>
+            </a:lvl5pPr>
+            <a:lvl6pPr>
+              <a:defRPr sz="1800"/>
+            </a:lvl6pPr>
+            <a:lvl7pPr>
+              <a:defRPr sz="1800"/>
+            </a:lvl7pPr>
+            <a:lvl8pPr>
+              <a:defRPr sz="1800"/>
+            </a:lvl8pPr>
+            <a:lvl9pPr>
+              <a:defRPr sz="1800"/>
+            </a:lvl9pPr>
+          </a:lstStyle>
+          <a:p>
+            <a:pPr lvl="0"/>
+            <a:r>
+              <a:rPr lang="en-US" smtClean="0"/>
+              <a:t>Click to edit Master text styles</a:t>
+            </a:r>
+          </a:p>
+          <a:p>
+            <a:pPr lvl="1"/>
+            <a:r>
+              <a:rPr lang="en-US" smtClean="0"/>
+              <a:t>Second level</a:t>
+            </a:r>
+          </a:p>
+          <a:p>
+            <a:pPr lvl="2"/>
+            <a:r>
+              <a:rPr lang="en-US" smtClean="0"/>
+              <a:t>Third level</a:t>
+            </a:r>
+          </a:p>
+          <a:p>
+            <a:pPr lvl="3"/>
+            <a:r>
+              <a:rPr lang="en-US" smtClean="0"/>
+              <a:t>Fourth level</a:t>
+            </a:r>
+          </a:p>
+          <a:p>
+            <a:pPr lvl="4"/>
+            <a:r>
+              <a:rPr lang="en-US" smtClean="0"/>
+              <a:t>Fifth level</a:t>
+            </a:r>
+            <a:endParaRPr lang="en-US"/>
+          </a:p>
+        </p:txBody>
+      </p:sp>
+      <p:sp>
+        <p:nvSpPr>
+          <p:cNvPr id="4" name="Content Placeholder 3"/>
+          <p:cNvSpPr>
+            <a:spLocks noGrp="1"/>
+          </p:cNvSpPr>
+          <p:nvPr>
+            <p:ph sz="half" idx="2"/>
+          </p:nvPr>
+        </p:nvSpPr>
+        <p:spPr>
+          <a:xfrm>
+            <a:off x="5156200" y="1778000"/>
+            <a:ext cx="4495800" cy="5029200"/>
+          </a:xfrm>
+        </p:spPr>
+        <p:txBody>
+          <a:bodyPr/>
+          <a:lstStyle>
+            <a:lvl1pPr>
+              <a:defRPr sz="2800"/>
+            </a:lvl1pPr>
+            <a:lvl2pPr>
+              <a:defRPr sz="2400"/>
+            </a:lvl2pPr>
+            <a:lvl3pPr>
+              <a:defRPr sz="2000"/>
+            </a:lvl3pPr>
+            <a:lvl4pPr>
+              <a:defRPr sz="1800"/>
+            </a:lvl4pPr>
+            <a:lvl5pPr>
+              <a:defRPr sz="1800"/>
+            </a:lvl5pPr>
+            <a:lvl6pPr>
+              <a:defRPr sz="1800"/>
+            </a:lvl6pPr>
+            <a:lvl7pPr>
+              <a:defRPr sz="1800"/>
+            </a:lvl7pPr>
+            <a:lvl8pPr>
+              <a:defRPr sz="1800"/>
+            </a:lvl8pPr>
+            <a:lvl9pPr>
+              <a:defRPr sz="1800"/>
+            </a:lvl9pPr>
+          </a:lstStyle>
+          <a:p>
+            <a:pPr lvl="0"/>
+            <a:r>
+              <a:rPr lang="en-US" smtClean="0"/>
+              <a:t>Click to edit Master text styles</a:t>
+            </a:r>
+          </a:p>
+          <a:p>
+            <a:pPr lvl="1"/>
+            <a:r>
+              <a:rPr lang="en-US" smtClean="0"/>
+              <a:t>Second level</a:t>
+            </a:r>
+          </a:p>
+          <a:p>
+            <a:pPr lvl="2"/>
+            <a:r>
+              <a:rPr lang="en-US" smtClean="0"/>
+              <a:t>Third level</a:t>
+            </a:r>
+          </a:p>
+          <a:p>
+            <a:pPr lvl="3"/>
+            <a:r>
+              <a:rPr lang="en-US" smtClean="0"/>
+              <a:t>Fourth level</a:t>
+            </a:r>
+          </a:p>
+          <a:p>
+            <a:pPr lvl="4"/>
+            <a:r>
+              <a:rPr lang="en-US" smtClean="0"/>
+              <a:t>Fifth level</a:t>
+            </a:r>
+            <a:endParaRPr lang="en-US"/>
+          </a:p>
+        </p:txBody>
+      </p:sp>
+      <p:sp>
+        <p:nvSpPr>
+          <p:cNvPr id="5" name="Date Placeholder 4"/>
+          <p:cNvSpPr>
+            <a:spLocks noGrp="1"/>
+          </p:cNvSpPr>
+          <p:nvPr>
+            <p:ph type="dt" sz="half" idx="10"/>
+          </p:nvPr>
+        </p:nvSpPr>
+        <p:spPr/>
+        <p:txBody>
+          <a:bodyPr/>
+          <a:lstStyle/>
+          <a:p>
+            <a:fld id="{4573CFDB-05E0-46C9-BA0A-C72AA8C3A001}" type="datetimeFigureOut">
+              <a:rPr lang="en-US" smtClean="0"/>
+              <a:t>1/18/2011</a:t>
+            </a:fld>
+            <a:endParaRPr lang="en-US"/>
+          </a:p>
+        </p:txBody>
+      </p:sp>
+      <p:sp>
+        <p:nvSpPr>
+          <p:cNvPr id="6" name="Footer Placeholder 5"/>
+          <p:cNvSpPr>
+            <a:spLocks noGrp="1"/>
+          </p:cNvSpPr>
+          <p:nvPr>
+            <p:ph type="ftr" sz="quarter" idx="11"/>
+          </p:nvPr>
+        </p:nvSpPr>
+        <p:spPr/>
+        <p:txBody>
+          <a:bodyPr/>
+          <a:lstStyle/>
+          <a:p>
+            <a:endParaRPr lang="en-US"/>
+          </a:p>
+        </p:txBody>
+      </p:sp>
+      <p:sp>
+        <p:nvSpPr>
+          <p:cNvPr id="7" name="Slide Number Placeholder 6"/>
+          <p:cNvSpPr>
+            <a:spLocks noGrp="1"/>
+          </p:cNvSpPr>
+          <p:nvPr>
+            <p:ph type="sldNum" sz="quarter" idx="12"/>
+          </p:nvPr>
+        </p:nvSpPr>
+        <p:spPr/>
+        <p:txBody>
+          <a:bodyPr/>
+          <a:lstStyle/>
+          <a:p>
+            <a:fld id="{05191629-A4FC-4772-B851-BD56BF85B7C6}" type="slidenum">
+              <a:rPr lang="en-US" smtClean="0"/>
+              <a:t>‹#›</a:t>
+            </a:fld>
+            <a:endParaRPr lang="en-US"/>
+          </a:p>
+        </p:txBody>
+      </p:sp>
+    </p:spTree>
+    <p:extLst>
+      <p:ext uri="{BB962C8B-B14F-4D97-AF65-F5344CB8AC3E}">
+        <p14:creationId xmlns:p14="http://schemas.microsoft.com/office/powerpoint/2010/main" val="433756948"/>
+      </p:ext>
+    </p:extLst>
+  </p:cSld>
+  <p:clrMapOvr>
+    <a:masterClrMapping/>
+  </p:clrMapOvr>
+</p:sldLayout>
+</file>
+
+<file path=ppt/slideLayouts/slideLayout17.xml><?xml version="1.0" encoding="utf-8"?>
+<p:sldLayout xmlns:a="http://schemas.openxmlformats.org/drawingml/2006/main" xmlns:r="http://schemas.openxmlformats.org/officeDocument/2006/relationships" xmlns:p="http://schemas.openxmlformats.org/presentationml/2006/main" type="twoTxTwoObj" preserve="1">
+  <p:cSld name="Comparison">
+    <p:spTree>
+      <p:nvGrpSpPr>
+        <p:cNvPr id="1" name=""/>
+        <p:cNvGrpSpPr/>
+        <p:nvPr/>
+      </p:nvGrpSpPr>
+      <p:grpSpPr>
+        <a:xfrm>
+          <a:off x="0" y="0"/>
+          <a:ext cx="0" cy="0"/>
+          <a:chOff x="0" y="0"/>
+          <a:chExt cx="0" cy="0"/>
+        </a:xfrm>
+      </p:grpSpPr>
+      <p:sp>
+        <p:nvSpPr>
+          <p:cNvPr id="2" name="Title 1"/>
+          <p:cNvSpPr>
+            <a:spLocks noGrp="1"/>
+          </p:cNvSpPr>
+          <p:nvPr>
+            <p:ph type="title"/>
+          </p:nvPr>
+        </p:nvSpPr>
+        <p:spPr/>
+        <p:txBody>
+          <a:bodyPr/>
+          <a:lstStyle>
+            <a:lvl1pPr>
+              <a:defRPr/>
+            </a:lvl1pPr>
+          </a:lstStyle>
+          <a:p>
+            <a:r>
+              <a:rPr lang="en-US" smtClean="0"/>
+              <a:t>Click to edit Master title style</a:t>
+            </a:r>
+            <a:endParaRPr lang="en-US"/>
+          </a:p>
+        </p:txBody>
+      </p:sp>
+      <p:sp>
+        <p:nvSpPr>
+          <p:cNvPr id="3" name="Text Placeholder 2"/>
+          <p:cNvSpPr>
+            <a:spLocks noGrp="1"/>
+          </p:cNvSpPr>
+          <p:nvPr>
+            <p:ph type="body" idx="1"/>
+          </p:nvPr>
+        </p:nvSpPr>
+        <p:spPr>
+          <a:xfrm>
+            <a:off x="508000" y="1704975"/>
+            <a:ext cx="4489450" cy="711200"/>
+          </a:xfrm>
+        </p:spPr>
+        <p:txBody>
+          <a:bodyPr anchor="b"/>
+          <a:lstStyle>
+            <a:lvl1pPr marL="0" indent="0">
+              <a:buNone/>
+              <a:defRPr sz="2400" b="1"/>
+            </a:lvl1pPr>
+            <a:lvl2pPr marL="457200" indent="0">
+              <a:buNone/>
+              <a:defRPr sz="2000" b="1"/>
+            </a:lvl2pPr>
+            <a:lvl3pPr marL="914400" indent="0">
+              <a:buNone/>
+              <a:defRPr sz="1800" b="1"/>
+            </a:lvl3pPr>
+            <a:lvl4pPr marL="1371600" indent="0">
+              <a:buNone/>
+              <a:defRPr sz="1600" b="1"/>
+            </a:lvl4pPr>
+            <a:lvl5pPr marL="1828800" indent="0">
+              <a:buNone/>
+              <a:defRPr sz="1600" b="1"/>
+            </a:lvl5pPr>
+            <a:lvl6pPr marL="2286000" indent="0">
+              <a:buNone/>
+              <a:defRPr sz="1600" b="1"/>
+            </a:lvl6pPr>
+            <a:lvl7pPr marL="2743200" indent="0">
+              <a:buNone/>
+              <a:defRPr sz="1600" b="1"/>
+            </a:lvl7pPr>
+            <a:lvl8pPr marL="3200400" indent="0">
+              <a:buNone/>
+              <a:defRPr sz="1600" b="1"/>
+            </a:lvl8pPr>
+            <a:lvl9pPr marL="3657600" indent="0">
+              <a:buNone/>
+              <a:defRPr sz="1600" b="1"/>
+            </a:lvl9pPr>
+          </a:lstStyle>
+          <a:p>
+            <a:pPr lvl="0"/>
+            <a:r>
+              <a:rPr lang="en-US" smtClean="0"/>
+              <a:t>Click to edit Master text styles</a:t>
+            </a:r>
+          </a:p>
+        </p:txBody>
+      </p:sp>
+      <p:sp>
+        <p:nvSpPr>
+          <p:cNvPr id="4" name="Content Placeholder 3"/>
+          <p:cNvSpPr>
+            <a:spLocks noGrp="1"/>
+          </p:cNvSpPr>
+          <p:nvPr>
+            <p:ph sz="half" idx="2"/>
+          </p:nvPr>
+        </p:nvSpPr>
+        <p:spPr>
+          <a:xfrm>
+            <a:off x="508000" y="2416175"/>
+            <a:ext cx="4489450" cy="4391025"/>
+          </a:xfrm>
+        </p:spPr>
+        <p:txBody>
+          <a:bodyPr/>
+          <a:lstStyle>
+            <a:lvl1pPr>
+              <a:defRPr sz="2400"/>
+            </a:lvl1pPr>
+            <a:lvl2pPr>
+              <a:defRPr sz="2000"/>
+            </a:lvl2pPr>
+            <a:lvl3pPr>
+              <a:defRPr sz="1800"/>
+            </a:lvl3pPr>
+            <a:lvl4pPr>
+              <a:defRPr sz="1600"/>
+            </a:lvl4pPr>
+            <a:lvl5pPr>
+              <a:defRPr sz="1600"/>
+            </a:lvl5pPr>
+            <a:lvl6pPr>
+              <a:defRPr sz="1600"/>
+            </a:lvl6pPr>
+            <a:lvl7pPr>
+              <a:defRPr sz="1600"/>
+            </a:lvl7pPr>
+            <a:lvl8pPr>
+              <a:defRPr sz="1600"/>
+            </a:lvl8pPr>
+            <a:lvl9pPr>
+              <a:defRPr sz="1600"/>
+            </a:lvl9pPr>
+          </a:lstStyle>
+          <a:p>
+            <a:pPr lvl="0"/>
+            <a:r>
+              <a:rPr lang="en-US" smtClean="0"/>
+              <a:t>Click to edit Master text styles</a:t>
+            </a:r>
+          </a:p>
+          <a:p>
+            <a:pPr lvl="1"/>
+            <a:r>
+              <a:rPr lang="en-US" smtClean="0"/>
+              <a:t>Second level</a:t>
+            </a:r>
+          </a:p>
+          <a:p>
+            <a:pPr lvl="2"/>
+            <a:r>
+              <a:rPr lang="en-US" smtClean="0"/>
+              <a:t>Third level</a:t>
+            </a:r>
+          </a:p>
+          <a:p>
+            <a:pPr lvl="3"/>
+            <a:r>
+              <a:rPr lang="en-US" smtClean="0"/>
+              <a:t>Fourth level</a:t>
+            </a:r>
+          </a:p>
+          <a:p>
+            <a:pPr lvl="4"/>
+            <a:r>
+              <a:rPr lang="en-US" smtClean="0"/>
+              <a:t>Fifth level</a:t>
+            </a:r>
+            <a:endParaRPr lang="en-US"/>
+          </a:p>
+        </p:txBody>
+      </p:sp>
+      <p:sp>
+        <p:nvSpPr>
+          <p:cNvPr id="5" name="Text Placeholder 4"/>
+          <p:cNvSpPr>
+            <a:spLocks noGrp="1"/>
+          </p:cNvSpPr>
+          <p:nvPr>
+            <p:ph type="body" sz="quarter" idx="3"/>
+          </p:nvPr>
+        </p:nvSpPr>
+        <p:spPr>
+          <a:xfrm>
+            <a:off x="5160963" y="1704975"/>
+            <a:ext cx="4491037" cy="711200"/>
+          </a:xfrm>
+        </p:spPr>
+        <p:txBody>
+          <a:bodyPr anchor="b"/>
+          <a:lstStyle>
+            <a:lvl1pPr marL="0" indent="0">
+              <a:buNone/>
+              <a:defRPr sz="2400" b="1"/>
+            </a:lvl1pPr>
+            <a:lvl2pPr marL="457200" indent="0">
+              <a:buNone/>
+              <a:defRPr sz="2000" b="1"/>
+            </a:lvl2pPr>
+            <a:lvl3pPr marL="914400" indent="0">
+              <a:buNone/>
+              <a:defRPr sz="1800" b="1"/>
+            </a:lvl3pPr>
+            <a:lvl4pPr marL="1371600" indent="0">
+              <a:buNone/>
+              <a:defRPr sz="1600" b="1"/>
+            </a:lvl4pPr>
+            <a:lvl5pPr marL="1828800" indent="0">
+              <a:buNone/>
+              <a:defRPr sz="1600" b="1"/>
+            </a:lvl5pPr>
+            <a:lvl6pPr marL="2286000" indent="0">
+              <a:buNone/>
+              <a:defRPr sz="1600" b="1"/>
+            </a:lvl6pPr>
+            <a:lvl7pPr marL="2743200" indent="0">
+              <a:buNone/>
+              <a:defRPr sz="1600" b="1"/>
+            </a:lvl7pPr>
+            <a:lvl8pPr marL="3200400" indent="0">
+              <a:buNone/>
+              <a:defRPr sz="1600" b="1"/>
+            </a:lvl8pPr>
+            <a:lvl9pPr marL="3657600" indent="0">
+              <a:buNone/>
+              <a:defRPr sz="1600" b="1"/>
+            </a:lvl9pPr>
+          </a:lstStyle>
+          <a:p>
+            <a:pPr lvl="0"/>
+            <a:r>
+              <a:rPr lang="en-US" smtClean="0"/>
+              <a:t>Click to edit Master text styles</a:t>
+            </a:r>
+          </a:p>
+        </p:txBody>
+      </p:sp>
+      <p:sp>
+        <p:nvSpPr>
+          <p:cNvPr id="6" name="Content Placeholder 5"/>
+          <p:cNvSpPr>
+            <a:spLocks noGrp="1"/>
+          </p:cNvSpPr>
+          <p:nvPr>
+            <p:ph sz="quarter" idx="4"/>
+          </p:nvPr>
+        </p:nvSpPr>
+        <p:spPr>
+          <a:xfrm>
+            <a:off x="5160963" y="2416175"/>
+            <a:ext cx="4491037" cy="4391025"/>
+          </a:xfrm>
+        </p:spPr>
+        <p:txBody>
+          <a:bodyPr/>
+          <a:lstStyle>
+            <a:lvl1pPr>
+              <a:defRPr sz="2400"/>
+            </a:lvl1pPr>
+            <a:lvl2pPr>
+              <a:defRPr sz="2000"/>
+            </a:lvl2pPr>
+            <a:lvl3pPr>
+              <a:defRPr sz="1800"/>
+            </a:lvl3pPr>
+            <a:lvl4pPr>
+              <a:defRPr sz="1600"/>
+            </a:lvl4pPr>
+            <a:lvl5pPr>
+              <a:defRPr sz="1600"/>
+            </a:lvl5pPr>
+            <a:lvl6pPr>
+              <a:defRPr sz="1600"/>
+            </a:lvl6pPr>
+            <a:lvl7pPr>
+              <a:defRPr sz="1600"/>
+            </a:lvl7pPr>
+            <a:lvl8pPr>
+              <a:defRPr sz="1600"/>
+            </a:lvl8pPr>
+            <a:lvl9pPr>
+              <a:defRPr sz="1600"/>
+            </a:lvl9pPr>
+          </a:lstStyle>
+          <a:p>
+            <a:pPr lvl="0"/>
+            <a:r>
+              <a:rPr lang="en-US" smtClean="0"/>
+              <a:t>Click to edit Master text styles</a:t>
+            </a:r>
+          </a:p>
+          <a:p>
+            <a:pPr lvl="1"/>
+            <a:r>
+              <a:rPr lang="en-US" smtClean="0"/>
+              <a:t>Second level</a:t>
+            </a:r>
+          </a:p>
+          <a:p>
+            <a:pPr lvl="2"/>
+            <a:r>
+              <a:rPr lang="en-US" smtClean="0"/>
+              <a:t>Third level</a:t>
+            </a:r>
+          </a:p>
+          <a:p>
+            <a:pPr lvl="3"/>
+            <a:r>
+              <a:rPr lang="en-US" smtClean="0"/>
+              <a:t>Fourth level</a:t>
+            </a:r>
+          </a:p>
+          <a:p>
+            <a:pPr lvl="4"/>
+            <a:r>
+              <a:rPr lang="en-US" smtClean="0"/>
+              <a:t>Fifth level</a:t>
+            </a:r>
+            <a:endParaRPr lang="en-US"/>
+          </a:p>
+        </p:txBody>
+      </p:sp>
+      <p:sp>
+        <p:nvSpPr>
+          <p:cNvPr id="7" name="Date Placeholder 6"/>
+          <p:cNvSpPr>
+            <a:spLocks noGrp="1"/>
+          </p:cNvSpPr>
+          <p:nvPr>
+            <p:ph type="dt" sz="half" idx="10"/>
+          </p:nvPr>
+        </p:nvSpPr>
+        <p:spPr/>
+        <p:txBody>
+          <a:bodyPr/>
+          <a:lstStyle/>
+          <a:p>
+            <a:fld id="{4573CFDB-05E0-46C9-BA0A-C72AA8C3A001}" type="datetimeFigureOut">
+              <a:rPr lang="en-US" smtClean="0"/>
+              <a:t>1/18/2011</a:t>
+            </a:fld>
+            <a:endParaRPr lang="en-US"/>
+          </a:p>
+        </p:txBody>
+      </p:sp>
+      <p:sp>
+        <p:nvSpPr>
+          <p:cNvPr id="8" name="Footer Placeholder 7"/>
+          <p:cNvSpPr>
+            <a:spLocks noGrp="1"/>
+          </p:cNvSpPr>
+          <p:nvPr>
+            <p:ph type="ftr" sz="quarter" idx="11"/>
+          </p:nvPr>
+        </p:nvSpPr>
+        <p:spPr/>
+        <p:txBody>
+          <a:bodyPr/>
+          <a:lstStyle/>
+          <a:p>
+            <a:endParaRPr lang="en-US"/>
+          </a:p>
+        </p:txBody>
+      </p:sp>
+      <p:sp>
+        <p:nvSpPr>
+          <p:cNvPr id="9" name="Slide Number Placeholder 8"/>
+          <p:cNvSpPr>
+            <a:spLocks noGrp="1"/>
+          </p:cNvSpPr>
+          <p:nvPr>
+            <p:ph type="sldNum" sz="quarter" idx="12"/>
+          </p:nvPr>
+        </p:nvSpPr>
+        <p:spPr/>
+        <p:txBody>
+          <a:bodyPr/>
+          <a:lstStyle/>
+          <a:p>
+            <a:fld id="{05191629-A4FC-4772-B851-BD56BF85B7C6}" type="slidenum">
+              <a:rPr lang="en-US" smtClean="0"/>
+              <a:t>‹#›</a:t>
+            </a:fld>
+            <a:endParaRPr lang="en-US"/>
+          </a:p>
+        </p:txBody>
+      </p:sp>
+    </p:spTree>
+    <p:extLst>
+      <p:ext uri="{BB962C8B-B14F-4D97-AF65-F5344CB8AC3E}">
+        <p14:creationId xmlns:p14="http://schemas.microsoft.com/office/powerpoint/2010/main" val="3464282702"/>
+      </p:ext>
+    </p:extLst>
+  </p:cSld>
+  <p:clrMapOvr>
+    <a:masterClrMapping/>
+  </p:clrMapOvr>
+</p:sldLayout>
+</file>
+
+<file path=ppt/slideLayouts/slideLayout18.xml><?xml version="1.0" encoding="utf-8"?>
+<p:sldLayout xmlns:a="http://schemas.openxmlformats.org/drawingml/2006/main" xmlns:r="http://schemas.openxmlformats.org/officeDocument/2006/relationships" xmlns:p="http://schemas.openxmlformats.org/presentationml/2006/main" type="titleOnly" preserve="1">
+  <p:cSld name="Title Only">
+    <p:spTree>
+      <p:nvGrpSpPr>
+        <p:cNvPr id="1" name=""/>
+        <p:cNvGrpSpPr/>
+        <p:nvPr/>
+      </p:nvGrpSpPr>
+      <p:grpSpPr>
+        <a:xfrm>
+          <a:off x="0" y="0"/>
+          <a:ext cx="0" cy="0"/>
+          <a:chOff x="0" y="0"/>
+          <a:chExt cx="0" cy="0"/>
+        </a:xfrm>
+      </p:grpSpPr>
+      <p:sp>
+        <p:nvSpPr>
+          <p:cNvPr id="2" name="Title 1"/>
+          <p:cNvSpPr>
+            <a:spLocks noGrp="1"/>
+          </p:cNvSpPr>
+          <p:nvPr>
+            <p:ph type="title"/>
+          </p:nvPr>
+        </p:nvSpPr>
+        <p:spPr/>
+        <p:txBody>
+          <a:bodyPr/>
+          <a:lstStyle/>
+          <a:p>
+            <a:r>
+              <a:rPr lang="en-US" smtClean="0"/>
+              <a:t>Click to edit Master title style</a:t>
+            </a:r>
+            <a:endParaRPr lang="en-US"/>
+          </a:p>
+        </p:txBody>
+      </p:sp>
+      <p:sp>
+        <p:nvSpPr>
+          <p:cNvPr id="3" name="Date Placeholder 2"/>
+          <p:cNvSpPr>
+            <a:spLocks noGrp="1"/>
+          </p:cNvSpPr>
+          <p:nvPr>
+            <p:ph type="dt" sz="half" idx="10"/>
+          </p:nvPr>
+        </p:nvSpPr>
+        <p:spPr/>
+        <p:txBody>
+          <a:bodyPr/>
+          <a:lstStyle/>
+          <a:p>
+            <a:fld id="{4573CFDB-05E0-46C9-BA0A-C72AA8C3A001}" type="datetimeFigureOut">
+              <a:rPr lang="en-US" smtClean="0"/>
+              <a:t>1/18/2011</a:t>
+            </a:fld>
+            <a:endParaRPr lang="en-US"/>
+          </a:p>
+        </p:txBody>
+      </p:sp>
+      <p:sp>
+        <p:nvSpPr>
+          <p:cNvPr id="4" name="Footer Placeholder 3"/>
+          <p:cNvSpPr>
+            <a:spLocks noGrp="1"/>
+          </p:cNvSpPr>
+          <p:nvPr>
+            <p:ph type="ftr" sz="quarter" idx="11"/>
+          </p:nvPr>
+        </p:nvSpPr>
+        <p:spPr/>
+        <p:txBody>
+          <a:bodyPr/>
+          <a:lstStyle/>
+          <a:p>
+            <a:endParaRPr lang="en-US"/>
+          </a:p>
+        </p:txBody>
+      </p:sp>
+      <p:sp>
+        <p:nvSpPr>
+          <p:cNvPr id="5" name="Slide Number Placeholder 4"/>
+          <p:cNvSpPr>
+            <a:spLocks noGrp="1"/>
+          </p:cNvSpPr>
+          <p:nvPr>
+            <p:ph type="sldNum" sz="quarter" idx="12"/>
+          </p:nvPr>
+        </p:nvSpPr>
+        <p:spPr/>
+        <p:txBody>
+          <a:bodyPr/>
+          <a:lstStyle/>
+          <a:p>
+            <a:fld id="{05191629-A4FC-4772-B851-BD56BF85B7C6}" type="slidenum">
+              <a:rPr lang="en-US" smtClean="0"/>
+              <a:t>‹#›</a:t>
+            </a:fld>
+            <a:endParaRPr lang="en-US"/>
+          </a:p>
+        </p:txBody>
+      </p:sp>
+    </p:spTree>
+    <p:extLst>
+      <p:ext uri="{BB962C8B-B14F-4D97-AF65-F5344CB8AC3E}">
+        <p14:creationId xmlns:p14="http://schemas.microsoft.com/office/powerpoint/2010/main" val="1651279097"/>
+      </p:ext>
+    </p:extLst>
+  </p:cSld>
+  <p:clrMapOvr>
+    <a:masterClrMapping/>
+  </p:clrMapOvr>
+</p:sldLayout>
+</file>
+
+<file path=ppt/slideLayouts/slideLayout19.xml><?xml version="1.0" encoding="utf-8"?>
+<p:sldLayout xmlns:a="http://schemas.openxmlformats.org/drawingml/2006/main" xmlns:r="http://schemas.openxmlformats.org/officeDocument/2006/relationships" xmlns:p="http://schemas.openxmlformats.org/presentationml/2006/main" type="blank" preserve="1">
+  <p:cSld name="Blank">
+    <p:spTree>
+      <p:nvGrpSpPr>
+        <p:cNvPr id="1" name=""/>
+        <p:cNvGrpSpPr/>
+        <p:nvPr/>
+      </p:nvGrpSpPr>
+      <p:grpSpPr>
+        <a:xfrm>
+          <a:off x="0" y="0"/>
+          <a:ext cx="0" cy="0"/>
+          <a:chOff x="0" y="0"/>
+          <a:chExt cx="0" cy="0"/>
+        </a:xfrm>
+      </p:grpSpPr>
+      <p:sp>
+        <p:nvSpPr>
+          <p:cNvPr id="2" name="Date Placeholder 1"/>
+          <p:cNvSpPr>
+            <a:spLocks noGrp="1"/>
+          </p:cNvSpPr>
+          <p:nvPr>
+            <p:ph type="dt" sz="half" idx="10"/>
+          </p:nvPr>
+        </p:nvSpPr>
+        <p:spPr/>
+        <p:txBody>
+          <a:bodyPr/>
+          <a:lstStyle/>
+          <a:p>
+            <a:fld id="{4573CFDB-05E0-46C9-BA0A-C72AA8C3A001}" type="datetimeFigureOut">
+              <a:rPr lang="en-US" smtClean="0"/>
+              <a:t>1/18/2011</a:t>
+            </a:fld>
+            <a:endParaRPr lang="en-US"/>
+          </a:p>
+        </p:txBody>
+      </p:sp>
+      <p:sp>
+        <p:nvSpPr>
+          <p:cNvPr id="3" name="Footer Placeholder 2"/>
+          <p:cNvSpPr>
+            <a:spLocks noGrp="1"/>
+          </p:cNvSpPr>
+          <p:nvPr>
+            <p:ph type="ftr" sz="quarter" idx="11"/>
+          </p:nvPr>
+        </p:nvSpPr>
+        <p:spPr/>
+        <p:txBody>
+          <a:bodyPr/>
+          <a:lstStyle/>
+          <a:p>
+            <a:endParaRPr lang="en-US"/>
+          </a:p>
+        </p:txBody>
+      </p:sp>
+      <p:sp>
+        <p:nvSpPr>
+          <p:cNvPr id="4" name="Slide Number Placeholder 3"/>
+          <p:cNvSpPr>
+            <a:spLocks noGrp="1"/>
+          </p:cNvSpPr>
+          <p:nvPr>
+            <p:ph type="sldNum" sz="quarter" idx="12"/>
+          </p:nvPr>
+        </p:nvSpPr>
+        <p:spPr/>
+        <p:txBody>
+          <a:bodyPr/>
+          <a:lstStyle/>
+          <a:p>
+            <a:fld id="{05191629-A4FC-4772-B851-BD56BF85B7C6}" type="slidenum">
+              <a:rPr lang="en-US" smtClean="0"/>
+              <a:t>‹#›</a:t>
+            </a:fld>
+            <a:endParaRPr lang="en-US"/>
+          </a:p>
+        </p:txBody>
+      </p:sp>
+    </p:spTree>
+    <p:extLst>
+      <p:ext uri="{BB962C8B-B14F-4D97-AF65-F5344CB8AC3E}">
+        <p14:creationId xmlns:p14="http://schemas.microsoft.com/office/powerpoint/2010/main" val="3870051853"/>
+      </p:ext>
+    </p:extLst>
+  </p:cSld>
+  <p:clrMapOvr>
+    <a:masterClrMapping/>
+  </p:clrMapOvr>
 </p:sldLayout>
 </file>
 
@@ -3617,6 +5209,886 @@
       </p:par>
     </p:tnLst>
   </p:timing>
+</p:sldLayout>
+</file>
+
+<file path=ppt/slideLayouts/slideLayout20.xml><?xml version="1.0" encoding="utf-8"?>
+<p:sldLayout xmlns:a="http://schemas.openxmlformats.org/drawingml/2006/main" xmlns:r="http://schemas.openxmlformats.org/officeDocument/2006/relationships" xmlns:p="http://schemas.openxmlformats.org/presentationml/2006/main" type="objTx" preserve="1">
+  <p:cSld name="Content with Caption">
+    <p:spTree>
+      <p:nvGrpSpPr>
+        <p:cNvPr id="1" name=""/>
+        <p:cNvGrpSpPr/>
+        <p:nvPr/>
+      </p:nvGrpSpPr>
+      <p:grpSpPr>
+        <a:xfrm>
+          <a:off x="0" y="0"/>
+          <a:ext cx="0" cy="0"/>
+          <a:chOff x="0" y="0"/>
+          <a:chExt cx="0" cy="0"/>
+        </a:xfrm>
+      </p:grpSpPr>
+      <p:sp>
+        <p:nvSpPr>
+          <p:cNvPr id="2" name="Title 1"/>
+          <p:cNvSpPr>
+            <a:spLocks noGrp="1"/>
+          </p:cNvSpPr>
+          <p:nvPr>
+            <p:ph type="title"/>
+          </p:nvPr>
+        </p:nvSpPr>
+        <p:spPr>
+          <a:xfrm>
+            <a:off x="508000" y="303213"/>
+            <a:ext cx="3343275" cy="1290637"/>
+          </a:xfrm>
+        </p:spPr>
+        <p:txBody>
+          <a:bodyPr anchor="b"/>
+          <a:lstStyle>
+            <a:lvl1pPr algn="l">
+              <a:defRPr sz="2000" b="1"/>
+            </a:lvl1pPr>
+          </a:lstStyle>
+          <a:p>
+            <a:r>
+              <a:rPr lang="en-US" smtClean="0"/>
+              <a:t>Click to edit Master title style</a:t>
+            </a:r>
+            <a:endParaRPr lang="en-US"/>
+          </a:p>
+        </p:txBody>
+      </p:sp>
+      <p:sp>
+        <p:nvSpPr>
+          <p:cNvPr id="3" name="Content Placeholder 2"/>
+          <p:cNvSpPr>
+            <a:spLocks noGrp="1"/>
+          </p:cNvSpPr>
+          <p:nvPr>
+            <p:ph idx="1"/>
+          </p:nvPr>
+        </p:nvSpPr>
+        <p:spPr>
+          <a:xfrm>
+            <a:off x="3971925" y="303213"/>
+            <a:ext cx="5680075" cy="6503987"/>
+          </a:xfrm>
+        </p:spPr>
+        <p:txBody>
+          <a:bodyPr/>
+          <a:lstStyle>
+            <a:lvl1pPr>
+              <a:defRPr sz="3200"/>
+            </a:lvl1pPr>
+            <a:lvl2pPr>
+              <a:defRPr sz="2800"/>
+            </a:lvl2pPr>
+            <a:lvl3pPr>
+              <a:defRPr sz="2400"/>
+            </a:lvl3pPr>
+            <a:lvl4pPr>
+              <a:defRPr sz="2000"/>
+            </a:lvl4pPr>
+            <a:lvl5pPr>
+              <a:defRPr sz="2000"/>
+            </a:lvl5pPr>
+            <a:lvl6pPr>
+              <a:defRPr sz="2000"/>
+            </a:lvl6pPr>
+            <a:lvl7pPr>
+              <a:defRPr sz="2000"/>
+            </a:lvl7pPr>
+            <a:lvl8pPr>
+              <a:defRPr sz="2000"/>
+            </a:lvl8pPr>
+            <a:lvl9pPr>
+              <a:defRPr sz="2000"/>
+            </a:lvl9pPr>
+          </a:lstStyle>
+          <a:p>
+            <a:pPr lvl="0"/>
+            <a:r>
+              <a:rPr lang="en-US" smtClean="0"/>
+              <a:t>Click to edit Master text styles</a:t>
+            </a:r>
+          </a:p>
+          <a:p>
+            <a:pPr lvl="1"/>
+            <a:r>
+              <a:rPr lang="en-US" smtClean="0"/>
+              <a:t>Second level</a:t>
+            </a:r>
+          </a:p>
+          <a:p>
+            <a:pPr lvl="2"/>
+            <a:r>
+              <a:rPr lang="en-US" smtClean="0"/>
+              <a:t>Third level</a:t>
+            </a:r>
+          </a:p>
+          <a:p>
+            <a:pPr lvl="3"/>
+            <a:r>
+              <a:rPr lang="en-US" smtClean="0"/>
+              <a:t>Fourth level</a:t>
+            </a:r>
+          </a:p>
+          <a:p>
+            <a:pPr lvl="4"/>
+            <a:r>
+              <a:rPr lang="en-US" smtClean="0"/>
+              <a:t>Fifth level</a:t>
+            </a:r>
+            <a:endParaRPr lang="en-US"/>
+          </a:p>
+        </p:txBody>
+      </p:sp>
+      <p:sp>
+        <p:nvSpPr>
+          <p:cNvPr id="4" name="Text Placeholder 3"/>
+          <p:cNvSpPr>
+            <a:spLocks noGrp="1"/>
+          </p:cNvSpPr>
+          <p:nvPr>
+            <p:ph type="body" sz="half" idx="2"/>
+          </p:nvPr>
+        </p:nvSpPr>
+        <p:spPr>
+          <a:xfrm>
+            <a:off x="508000" y="1593850"/>
+            <a:ext cx="3343275" cy="5213350"/>
+          </a:xfrm>
+        </p:spPr>
+        <p:txBody>
+          <a:bodyPr/>
+          <a:lstStyle>
+            <a:lvl1pPr marL="0" indent="0">
+              <a:buNone/>
+              <a:defRPr sz="1400"/>
+            </a:lvl1pPr>
+            <a:lvl2pPr marL="457200" indent="0">
+              <a:buNone/>
+              <a:defRPr sz="1200"/>
+            </a:lvl2pPr>
+            <a:lvl3pPr marL="914400" indent="0">
+              <a:buNone/>
+              <a:defRPr sz="1000"/>
+            </a:lvl3pPr>
+            <a:lvl4pPr marL="1371600" indent="0">
+              <a:buNone/>
+              <a:defRPr sz="900"/>
+            </a:lvl4pPr>
+            <a:lvl5pPr marL="1828800" indent="0">
+              <a:buNone/>
+              <a:defRPr sz="900"/>
+            </a:lvl5pPr>
+            <a:lvl6pPr marL="2286000" indent="0">
+              <a:buNone/>
+              <a:defRPr sz="900"/>
+            </a:lvl6pPr>
+            <a:lvl7pPr marL="2743200" indent="0">
+              <a:buNone/>
+              <a:defRPr sz="900"/>
+            </a:lvl7pPr>
+            <a:lvl8pPr marL="3200400" indent="0">
+              <a:buNone/>
+              <a:defRPr sz="900"/>
+            </a:lvl8pPr>
+            <a:lvl9pPr marL="3657600" indent="0">
+              <a:buNone/>
+              <a:defRPr sz="900"/>
+            </a:lvl9pPr>
+          </a:lstStyle>
+          <a:p>
+            <a:pPr lvl="0"/>
+            <a:r>
+              <a:rPr lang="en-US" smtClean="0"/>
+              <a:t>Click to edit Master text styles</a:t>
+            </a:r>
+          </a:p>
+        </p:txBody>
+      </p:sp>
+      <p:sp>
+        <p:nvSpPr>
+          <p:cNvPr id="5" name="Date Placeholder 4"/>
+          <p:cNvSpPr>
+            <a:spLocks noGrp="1"/>
+          </p:cNvSpPr>
+          <p:nvPr>
+            <p:ph type="dt" sz="half" idx="10"/>
+          </p:nvPr>
+        </p:nvSpPr>
+        <p:spPr/>
+        <p:txBody>
+          <a:bodyPr/>
+          <a:lstStyle/>
+          <a:p>
+            <a:fld id="{4573CFDB-05E0-46C9-BA0A-C72AA8C3A001}" type="datetimeFigureOut">
+              <a:rPr lang="en-US" smtClean="0"/>
+              <a:t>1/18/2011</a:t>
+            </a:fld>
+            <a:endParaRPr lang="en-US"/>
+          </a:p>
+        </p:txBody>
+      </p:sp>
+      <p:sp>
+        <p:nvSpPr>
+          <p:cNvPr id="6" name="Footer Placeholder 5"/>
+          <p:cNvSpPr>
+            <a:spLocks noGrp="1"/>
+          </p:cNvSpPr>
+          <p:nvPr>
+            <p:ph type="ftr" sz="quarter" idx="11"/>
+          </p:nvPr>
+        </p:nvSpPr>
+        <p:spPr/>
+        <p:txBody>
+          <a:bodyPr/>
+          <a:lstStyle/>
+          <a:p>
+            <a:endParaRPr lang="en-US"/>
+          </a:p>
+        </p:txBody>
+      </p:sp>
+      <p:sp>
+        <p:nvSpPr>
+          <p:cNvPr id="7" name="Slide Number Placeholder 6"/>
+          <p:cNvSpPr>
+            <a:spLocks noGrp="1"/>
+          </p:cNvSpPr>
+          <p:nvPr>
+            <p:ph type="sldNum" sz="quarter" idx="12"/>
+          </p:nvPr>
+        </p:nvSpPr>
+        <p:spPr/>
+        <p:txBody>
+          <a:bodyPr/>
+          <a:lstStyle/>
+          <a:p>
+            <a:fld id="{05191629-A4FC-4772-B851-BD56BF85B7C6}" type="slidenum">
+              <a:rPr lang="en-US" smtClean="0"/>
+              <a:t>‹#›</a:t>
+            </a:fld>
+            <a:endParaRPr lang="en-US"/>
+          </a:p>
+        </p:txBody>
+      </p:sp>
+    </p:spTree>
+    <p:extLst>
+      <p:ext uri="{BB962C8B-B14F-4D97-AF65-F5344CB8AC3E}">
+        <p14:creationId xmlns:p14="http://schemas.microsoft.com/office/powerpoint/2010/main" val="441959191"/>
+      </p:ext>
+    </p:extLst>
+  </p:cSld>
+  <p:clrMapOvr>
+    <a:masterClrMapping/>
+  </p:clrMapOvr>
+</p:sldLayout>
+</file>
+
+<file path=ppt/slideLayouts/slideLayout21.xml><?xml version="1.0" encoding="utf-8"?>
+<p:sldLayout xmlns:a="http://schemas.openxmlformats.org/drawingml/2006/main" xmlns:r="http://schemas.openxmlformats.org/officeDocument/2006/relationships" xmlns:p="http://schemas.openxmlformats.org/presentationml/2006/main" type="picTx" preserve="1">
+  <p:cSld name="Picture with Caption">
+    <p:spTree>
+      <p:nvGrpSpPr>
+        <p:cNvPr id="1" name=""/>
+        <p:cNvGrpSpPr/>
+        <p:nvPr/>
+      </p:nvGrpSpPr>
+      <p:grpSpPr>
+        <a:xfrm>
+          <a:off x="0" y="0"/>
+          <a:ext cx="0" cy="0"/>
+          <a:chOff x="0" y="0"/>
+          <a:chExt cx="0" cy="0"/>
+        </a:xfrm>
+      </p:grpSpPr>
+      <p:sp>
+        <p:nvSpPr>
+          <p:cNvPr id="2" name="Title 1"/>
+          <p:cNvSpPr>
+            <a:spLocks noGrp="1"/>
+          </p:cNvSpPr>
+          <p:nvPr>
+            <p:ph type="title"/>
+          </p:nvPr>
+        </p:nvSpPr>
+        <p:spPr>
+          <a:xfrm>
+            <a:off x="1990725" y="5334000"/>
+            <a:ext cx="6096000" cy="630238"/>
+          </a:xfrm>
+        </p:spPr>
+        <p:txBody>
+          <a:bodyPr anchor="b"/>
+          <a:lstStyle>
+            <a:lvl1pPr algn="l">
+              <a:defRPr sz="2000" b="1"/>
+            </a:lvl1pPr>
+          </a:lstStyle>
+          <a:p>
+            <a:r>
+              <a:rPr lang="en-US" smtClean="0"/>
+              <a:t>Click to edit Master title style</a:t>
+            </a:r>
+            <a:endParaRPr lang="en-US"/>
+          </a:p>
+        </p:txBody>
+      </p:sp>
+      <p:sp>
+        <p:nvSpPr>
+          <p:cNvPr id="3" name="Picture Placeholder 2"/>
+          <p:cNvSpPr>
+            <a:spLocks noGrp="1"/>
+          </p:cNvSpPr>
+          <p:nvPr>
+            <p:ph type="pic" idx="1"/>
+          </p:nvPr>
+        </p:nvSpPr>
+        <p:spPr>
+          <a:xfrm>
+            <a:off x="1990725" y="681038"/>
+            <a:ext cx="6096000" cy="4572000"/>
+          </a:xfrm>
+        </p:spPr>
+        <p:txBody>
+          <a:bodyPr/>
+          <a:lstStyle>
+            <a:lvl1pPr marL="0" indent="0">
+              <a:buNone/>
+              <a:defRPr sz="3200"/>
+            </a:lvl1pPr>
+            <a:lvl2pPr marL="457200" indent="0">
+              <a:buNone/>
+              <a:defRPr sz="2800"/>
+            </a:lvl2pPr>
+            <a:lvl3pPr marL="914400" indent="0">
+              <a:buNone/>
+              <a:defRPr sz="2400"/>
+            </a:lvl3pPr>
+            <a:lvl4pPr marL="1371600" indent="0">
+              <a:buNone/>
+              <a:defRPr sz="2000"/>
+            </a:lvl4pPr>
+            <a:lvl5pPr marL="1828800" indent="0">
+              <a:buNone/>
+              <a:defRPr sz="2000"/>
+            </a:lvl5pPr>
+            <a:lvl6pPr marL="2286000" indent="0">
+              <a:buNone/>
+              <a:defRPr sz="2000"/>
+            </a:lvl6pPr>
+            <a:lvl7pPr marL="2743200" indent="0">
+              <a:buNone/>
+              <a:defRPr sz="2000"/>
+            </a:lvl7pPr>
+            <a:lvl8pPr marL="3200400" indent="0">
+              <a:buNone/>
+              <a:defRPr sz="2000"/>
+            </a:lvl8pPr>
+            <a:lvl9pPr marL="3657600" indent="0">
+              <a:buNone/>
+              <a:defRPr sz="2000"/>
+            </a:lvl9pPr>
+          </a:lstStyle>
+          <a:p>
+            <a:endParaRPr lang="en-US"/>
+          </a:p>
+        </p:txBody>
+      </p:sp>
+      <p:sp>
+        <p:nvSpPr>
+          <p:cNvPr id="4" name="Text Placeholder 3"/>
+          <p:cNvSpPr>
+            <a:spLocks noGrp="1"/>
+          </p:cNvSpPr>
+          <p:nvPr>
+            <p:ph type="body" sz="half" idx="2"/>
+          </p:nvPr>
+        </p:nvSpPr>
+        <p:spPr>
+          <a:xfrm>
+            <a:off x="1990725" y="5964238"/>
+            <a:ext cx="6096000" cy="893762"/>
+          </a:xfrm>
+        </p:spPr>
+        <p:txBody>
+          <a:bodyPr/>
+          <a:lstStyle>
+            <a:lvl1pPr marL="0" indent="0">
+              <a:buNone/>
+              <a:defRPr sz="1400"/>
+            </a:lvl1pPr>
+            <a:lvl2pPr marL="457200" indent="0">
+              <a:buNone/>
+              <a:defRPr sz="1200"/>
+            </a:lvl2pPr>
+            <a:lvl3pPr marL="914400" indent="0">
+              <a:buNone/>
+              <a:defRPr sz="1000"/>
+            </a:lvl3pPr>
+            <a:lvl4pPr marL="1371600" indent="0">
+              <a:buNone/>
+              <a:defRPr sz="900"/>
+            </a:lvl4pPr>
+            <a:lvl5pPr marL="1828800" indent="0">
+              <a:buNone/>
+              <a:defRPr sz="900"/>
+            </a:lvl5pPr>
+            <a:lvl6pPr marL="2286000" indent="0">
+              <a:buNone/>
+              <a:defRPr sz="900"/>
+            </a:lvl6pPr>
+            <a:lvl7pPr marL="2743200" indent="0">
+              <a:buNone/>
+              <a:defRPr sz="900"/>
+            </a:lvl7pPr>
+            <a:lvl8pPr marL="3200400" indent="0">
+              <a:buNone/>
+              <a:defRPr sz="900"/>
+            </a:lvl8pPr>
+            <a:lvl9pPr marL="3657600" indent="0">
+              <a:buNone/>
+              <a:defRPr sz="900"/>
+            </a:lvl9pPr>
+          </a:lstStyle>
+          <a:p>
+            <a:pPr lvl="0"/>
+            <a:r>
+              <a:rPr lang="en-US" smtClean="0"/>
+              <a:t>Click to edit Master text styles</a:t>
+            </a:r>
+          </a:p>
+        </p:txBody>
+      </p:sp>
+      <p:sp>
+        <p:nvSpPr>
+          <p:cNvPr id="5" name="Date Placeholder 4"/>
+          <p:cNvSpPr>
+            <a:spLocks noGrp="1"/>
+          </p:cNvSpPr>
+          <p:nvPr>
+            <p:ph type="dt" sz="half" idx="10"/>
+          </p:nvPr>
+        </p:nvSpPr>
+        <p:spPr/>
+        <p:txBody>
+          <a:bodyPr/>
+          <a:lstStyle/>
+          <a:p>
+            <a:fld id="{4573CFDB-05E0-46C9-BA0A-C72AA8C3A001}" type="datetimeFigureOut">
+              <a:rPr lang="en-US" smtClean="0"/>
+              <a:t>1/18/2011</a:t>
+            </a:fld>
+            <a:endParaRPr lang="en-US"/>
+          </a:p>
+        </p:txBody>
+      </p:sp>
+      <p:sp>
+        <p:nvSpPr>
+          <p:cNvPr id="6" name="Footer Placeholder 5"/>
+          <p:cNvSpPr>
+            <a:spLocks noGrp="1"/>
+          </p:cNvSpPr>
+          <p:nvPr>
+            <p:ph type="ftr" sz="quarter" idx="11"/>
+          </p:nvPr>
+        </p:nvSpPr>
+        <p:spPr/>
+        <p:txBody>
+          <a:bodyPr/>
+          <a:lstStyle/>
+          <a:p>
+            <a:endParaRPr lang="en-US"/>
+          </a:p>
+        </p:txBody>
+      </p:sp>
+      <p:sp>
+        <p:nvSpPr>
+          <p:cNvPr id="7" name="Slide Number Placeholder 6"/>
+          <p:cNvSpPr>
+            <a:spLocks noGrp="1"/>
+          </p:cNvSpPr>
+          <p:nvPr>
+            <p:ph type="sldNum" sz="quarter" idx="12"/>
+          </p:nvPr>
+        </p:nvSpPr>
+        <p:spPr/>
+        <p:txBody>
+          <a:bodyPr/>
+          <a:lstStyle/>
+          <a:p>
+            <a:fld id="{05191629-A4FC-4772-B851-BD56BF85B7C6}" type="slidenum">
+              <a:rPr lang="en-US" smtClean="0"/>
+              <a:t>‹#›</a:t>
+            </a:fld>
+            <a:endParaRPr lang="en-US"/>
+          </a:p>
+        </p:txBody>
+      </p:sp>
+    </p:spTree>
+    <p:extLst>
+      <p:ext uri="{BB962C8B-B14F-4D97-AF65-F5344CB8AC3E}">
+        <p14:creationId xmlns:p14="http://schemas.microsoft.com/office/powerpoint/2010/main" val="1449131347"/>
+      </p:ext>
+    </p:extLst>
+  </p:cSld>
+  <p:clrMapOvr>
+    <a:masterClrMapping/>
+  </p:clrMapOvr>
+</p:sldLayout>
+</file>
+
+<file path=ppt/slideLayouts/slideLayout22.xml><?xml version="1.0" encoding="utf-8"?>
+<p:sldLayout xmlns:a="http://schemas.openxmlformats.org/drawingml/2006/main" xmlns:r="http://schemas.openxmlformats.org/officeDocument/2006/relationships" xmlns:p="http://schemas.openxmlformats.org/presentationml/2006/main" type="vertTx" preserve="1">
+  <p:cSld name="Title and Vertical Text">
+    <p:spTree>
+      <p:nvGrpSpPr>
+        <p:cNvPr id="1" name=""/>
+        <p:cNvGrpSpPr/>
+        <p:nvPr/>
+      </p:nvGrpSpPr>
+      <p:grpSpPr>
+        <a:xfrm>
+          <a:off x="0" y="0"/>
+          <a:ext cx="0" cy="0"/>
+          <a:chOff x="0" y="0"/>
+          <a:chExt cx="0" cy="0"/>
+        </a:xfrm>
+      </p:grpSpPr>
+      <p:sp>
+        <p:nvSpPr>
+          <p:cNvPr id="2" name="Title 1"/>
+          <p:cNvSpPr>
+            <a:spLocks noGrp="1"/>
+          </p:cNvSpPr>
+          <p:nvPr>
+            <p:ph type="title"/>
+          </p:nvPr>
+        </p:nvSpPr>
+        <p:spPr/>
+        <p:txBody>
+          <a:bodyPr/>
+          <a:lstStyle/>
+          <a:p>
+            <a:r>
+              <a:rPr lang="en-US" smtClean="0"/>
+              <a:t>Click to edit Master title style</a:t>
+            </a:r>
+            <a:endParaRPr lang="en-US"/>
+          </a:p>
+        </p:txBody>
+      </p:sp>
+      <p:sp>
+        <p:nvSpPr>
+          <p:cNvPr id="3" name="Vertical Text Placeholder 2"/>
+          <p:cNvSpPr>
+            <a:spLocks noGrp="1"/>
+          </p:cNvSpPr>
+          <p:nvPr>
+            <p:ph type="body" orient="vert" idx="1"/>
+          </p:nvPr>
+        </p:nvSpPr>
+        <p:spPr/>
+        <p:txBody>
+          <a:bodyPr vert="eaVert"/>
+          <a:lstStyle/>
+          <a:p>
+            <a:pPr lvl="0"/>
+            <a:r>
+              <a:rPr lang="en-US" smtClean="0"/>
+              <a:t>Click to edit Master text styles</a:t>
+            </a:r>
+          </a:p>
+          <a:p>
+            <a:pPr lvl="1"/>
+            <a:r>
+              <a:rPr lang="en-US" smtClean="0"/>
+              <a:t>Second level</a:t>
+            </a:r>
+          </a:p>
+          <a:p>
+            <a:pPr lvl="2"/>
+            <a:r>
+              <a:rPr lang="en-US" smtClean="0"/>
+              <a:t>Third level</a:t>
+            </a:r>
+          </a:p>
+          <a:p>
+            <a:pPr lvl="3"/>
+            <a:r>
+              <a:rPr lang="en-US" smtClean="0"/>
+              <a:t>Fourth level</a:t>
+            </a:r>
+          </a:p>
+          <a:p>
+            <a:pPr lvl="4"/>
+            <a:r>
+              <a:rPr lang="en-US" smtClean="0"/>
+              <a:t>Fifth level</a:t>
+            </a:r>
+            <a:endParaRPr lang="en-US"/>
+          </a:p>
+        </p:txBody>
+      </p:sp>
+      <p:sp>
+        <p:nvSpPr>
+          <p:cNvPr id="4" name="Date Placeholder 3"/>
+          <p:cNvSpPr>
+            <a:spLocks noGrp="1"/>
+          </p:cNvSpPr>
+          <p:nvPr>
+            <p:ph type="dt" sz="half" idx="10"/>
+          </p:nvPr>
+        </p:nvSpPr>
+        <p:spPr/>
+        <p:txBody>
+          <a:bodyPr/>
+          <a:lstStyle/>
+          <a:p>
+            <a:fld id="{4573CFDB-05E0-46C9-BA0A-C72AA8C3A001}" type="datetimeFigureOut">
+              <a:rPr lang="en-US" smtClean="0"/>
+              <a:t>1/18/2011</a:t>
+            </a:fld>
+            <a:endParaRPr lang="en-US"/>
+          </a:p>
+        </p:txBody>
+      </p:sp>
+      <p:sp>
+        <p:nvSpPr>
+          <p:cNvPr id="5" name="Footer Placeholder 4"/>
+          <p:cNvSpPr>
+            <a:spLocks noGrp="1"/>
+          </p:cNvSpPr>
+          <p:nvPr>
+            <p:ph type="ftr" sz="quarter" idx="11"/>
+          </p:nvPr>
+        </p:nvSpPr>
+        <p:spPr/>
+        <p:txBody>
+          <a:bodyPr/>
+          <a:lstStyle/>
+          <a:p>
+            <a:endParaRPr lang="en-US"/>
+          </a:p>
+        </p:txBody>
+      </p:sp>
+      <p:sp>
+        <p:nvSpPr>
+          <p:cNvPr id="6" name="Slide Number Placeholder 5"/>
+          <p:cNvSpPr>
+            <a:spLocks noGrp="1"/>
+          </p:cNvSpPr>
+          <p:nvPr>
+            <p:ph type="sldNum" sz="quarter" idx="12"/>
+          </p:nvPr>
+        </p:nvSpPr>
+        <p:spPr/>
+        <p:txBody>
+          <a:bodyPr/>
+          <a:lstStyle/>
+          <a:p>
+            <a:fld id="{05191629-A4FC-4772-B851-BD56BF85B7C6}" type="slidenum">
+              <a:rPr lang="en-US" smtClean="0"/>
+              <a:t>‹#›</a:t>
+            </a:fld>
+            <a:endParaRPr lang="en-US"/>
+          </a:p>
+        </p:txBody>
+      </p:sp>
+    </p:spTree>
+    <p:extLst>
+      <p:ext uri="{BB962C8B-B14F-4D97-AF65-F5344CB8AC3E}">
+        <p14:creationId xmlns:p14="http://schemas.microsoft.com/office/powerpoint/2010/main" val="3132819495"/>
+      </p:ext>
+    </p:extLst>
+  </p:cSld>
+  <p:clrMapOvr>
+    <a:masterClrMapping/>
+  </p:clrMapOvr>
+</p:sldLayout>
+</file>
+
+<file path=ppt/slideLayouts/slideLayout23.xml><?xml version="1.0" encoding="utf-8"?>
+<p:sldLayout xmlns:a="http://schemas.openxmlformats.org/drawingml/2006/main" xmlns:r="http://schemas.openxmlformats.org/officeDocument/2006/relationships" xmlns:p="http://schemas.openxmlformats.org/presentationml/2006/main" type="vertTitleAndTx" preserve="1">
+  <p:cSld name="Vertical Title and Text">
+    <p:spTree>
+      <p:nvGrpSpPr>
+        <p:cNvPr id="1" name=""/>
+        <p:cNvGrpSpPr/>
+        <p:nvPr/>
+      </p:nvGrpSpPr>
+      <p:grpSpPr>
+        <a:xfrm>
+          <a:off x="0" y="0"/>
+          <a:ext cx="0" cy="0"/>
+          <a:chOff x="0" y="0"/>
+          <a:chExt cx="0" cy="0"/>
+        </a:xfrm>
+      </p:grpSpPr>
+      <p:sp>
+        <p:nvSpPr>
+          <p:cNvPr id="2" name="Vertical Title 1"/>
+          <p:cNvSpPr>
+            <a:spLocks noGrp="1"/>
+          </p:cNvSpPr>
+          <p:nvPr>
+            <p:ph type="title" orient="vert"/>
+          </p:nvPr>
+        </p:nvSpPr>
+        <p:spPr>
+          <a:xfrm>
+            <a:off x="7366000" y="304800"/>
+            <a:ext cx="2286000" cy="6502400"/>
+          </a:xfrm>
+        </p:spPr>
+        <p:txBody>
+          <a:bodyPr vert="eaVert"/>
+          <a:lstStyle/>
+          <a:p>
+            <a:r>
+              <a:rPr lang="en-US" smtClean="0"/>
+              <a:t>Click to edit Master title style</a:t>
+            </a:r>
+            <a:endParaRPr lang="en-US"/>
+          </a:p>
+        </p:txBody>
+      </p:sp>
+      <p:sp>
+        <p:nvSpPr>
+          <p:cNvPr id="3" name="Vertical Text Placeholder 2"/>
+          <p:cNvSpPr>
+            <a:spLocks noGrp="1"/>
+          </p:cNvSpPr>
+          <p:nvPr>
+            <p:ph type="body" orient="vert" idx="1"/>
+          </p:nvPr>
+        </p:nvSpPr>
+        <p:spPr>
+          <a:xfrm>
+            <a:off x="508000" y="304800"/>
+            <a:ext cx="6705600" cy="6502400"/>
+          </a:xfrm>
+        </p:spPr>
+        <p:txBody>
+          <a:bodyPr vert="eaVert"/>
+          <a:lstStyle/>
+          <a:p>
+            <a:pPr lvl="0"/>
+            <a:r>
+              <a:rPr lang="en-US" smtClean="0"/>
+              <a:t>Click to edit Master text styles</a:t>
+            </a:r>
+          </a:p>
+          <a:p>
+            <a:pPr lvl="1"/>
+            <a:r>
+              <a:rPr lang="en-US" smtClean="0"/>
+              <a:t>Second level</a:t>
+            </a:r>
+          </a:p>
+          <a:p>
+            <a:pPr lvl="2"/>
+            <a:r>
+              <a:rPr lang="en-US" smtClean="0"/>
+              <a:t>Third level</a:t>
+            </a:r>
+          </a:p>
+          <a:p>
+            <a:pPr lvl="3"/>
+            <a:r>
+              <a:rPr lang="en-US" smtClean="0"/>
+              <a:t>Fourth level</a:t>
+            </a:r>
+          </a:p>
+          <a:p>
+            <a:pPr lvl="4"/>
+            <a:r>
+              <a:rPr lang="en-US" smtClean="0"/>
+              <a:t>Fifth level</a:t>
+            </a:r>
+            <a:endParaRPr lang="en-US"/>
+          </a:p>
+        </p:txBody>
+      </p:sp>
+      <p:sp>
+        <p:nvSpPr>
+          <p:cNvPr id="4" name="Date Placeholder 3"/>
+          <p:cNvSpPr>
+            <a:spLocks noGrp="1"/>
+          </p:cNvSpPr>
+          <p:nvPr>
+            <p:ph type="dt" sz="half" idx="10"/>
+          </p:nvPr>
+        </p:nvSpPr>
+        <p:spPr/>
+        <p:txBody>
+          <a:bodyPr/>
+          <a:lstStyle/>
+          <a:p>
+            <a:fld id="{4573CFDB-05E0-46C9-BA0A-C72AA8C3A001}" type="datetimeFigureOut">
+              <a:rPr lang="en-US" smtClean="0"/>
+              <a:t>1/18/2011</a:t>
+            </a:fld>
+            <a:endParaRPr lang="en-US"/>
+          </a:p>
+        </p:txBody>
+      </p:sp>
+      <p:sp>
+        <p:nvSpPr>
+          <p:cNvPr id="5" name="Footer Placeholder 4"/>
+          <p:cNvSpPr>
+            <a:spLocks noGrp="1"/>
+          </p:cNvSpPr>
+          <p:nvPr>
+            <p:ph type="ftr" sz="quarter" idx="11"/>
+          </p:nvPr>
+        </p:nvSpPr>
+        <p:spPr/>
+        <p:txBody>
+          <a:bodyPr/>
+          <a:lstStyle/>
+          <a:p>
+            <a:endParaRPr lang="en-US"/>
+          </a:p>
+        </p:txBody>
+      </p:sp>
+      <p:sp>
+        <p:nvSpPr>
+          <p:cNvPr id="6" name="Slide Number Placeholder 5"/>
+          <p:cNvSpPr>
+            <a:spLocks noGrp="1"/>
+          </p:cNvSpPr>
+          <p:nvPr>
+            <p:ph type="sldNum" sz="quarter" idx="12"/>
+          </p:nvPr>
+        </p:nvSpPr>
+        <p:spPr/>
+        <p:txBody>
+          <a:bodyPr/>
+          <a:lstStyle/>
+          <a:p>
+            <a:fld id="{05191629-A4FC-4772-B851-BD56BF85B7C6}" type="slidenum">
+              <a:rPr lang="en-US" smtClean="0"/>
+              <a:t>‹#›</a:t>
+            </a:fld>
+            <a:endParaRPr lang="en-US"/>
+          </a:p>
+        </p:txBody>
+      </p:sp>
+    </p:spTree>
+    <p:extLst>
+      <p:ext uri="{BB962C8B-B14F-4D97-AF65-F5344CB8AC3E}">
+        <p14:creationId xmlns:p14="http://schemas.microsoft.com/office/powerpoint/2010/main" val="1773454680"/>
+      </p:ext>
+    </p:extLst>
+  </p:cSld>
+  <p:clrMapOvr>
+    <a:masterClrMapping/>
+  </p:clrMapOvr>
 </p:sldLayout>
 </file>
 
@@ -4941,7 +7413,7 @@
             <a:fld id="{F2BCC184-CBE3-4F29-A273-6F4E5CFA4DFC}" type="datetimeFigureOut">
               <a:rPr lang="en-US" smtClean="0"/>
               <a:pPr/>
-              <a:t>1/15/2011</a:t>
+              <a:t>1/17/2011</a:t>
             </a:fld>
             <a:endParaRPr lang="en-US"/>
           </a:p>
@@ -5306,6 +7778,523 @@
 </p:sldMaster>
 </file>
 
+<file path=ppt/slideMasters/slideMaster2.xml><?xml version="1.0" encoding="utf-8"?>
+<p:sldMaster xmlns:a="http://schemas.openxmlformats.org/drawingml/2006/main" xmlns:r="http://schemas.openxmlformats.org/officeDocument/2006/relationships" xmlns:p="http://schemas.openxmlformats.org/presentationml/2006/main" preserve="1">
+  <p:cSld>
+    <p:bg>
+      <p:bgRef idx="1001">
+        <a:schemeClr val="bg1"/>
+      </p:bgRef>
+    </p:bg>
+    <p:spTree>
+      <p:nvGrpSpPr>
+        <p:cNvPr id="1" name=""/>
+        <p:cNvGrpSpPr/>
+        <p:nvPr/>
+      </p:nvGrpSpPr>
+      <p:grpSpPr>
+        <a:xfrm>
+          <a:off x="0" y="0"/>
+          <a:ext cx="0" cy="0"/>
+          <a:chOff x="0" y="0"/>
+          <a:chExt cx="0" cy="0"/>
+        </a:xfrm>
+      </p:grpSpPr>
+      <p:sp>
+        <p:nvSpPr>
+          <p:cNvPr id="2" name="Title Placeholder 1"/>
+          <p:cNvSpPr>
+            <a:spLocks noGrp="1"/>
+          </p:cNvSpPr>
+          <p:nvPr>
+            <p:ph type="title"/>
+          </p:nvPr>
+        </p:nvSpPr>
+        <p:spPr>
+          <a:xfrm>
+            <a:off x="508000" y="304800"/>
+            <a:ext cx="9144000" cy="1270000"/>
+          </a:xfrm>
+          <a:prstGeom prst="rect">
+            <a:avLst/>
+          </a:prstGeom>
+        </p:spPr>
+        <p:txBody>
+          <a:bodyPr vert="horz" lIns="91440" tIns="45720" rIns="91440" bIns="45720" rtlCol="0" anchor="ctr">
+            <a:normAutofit/>
+          </a:bodyPr>
+          <a:lstStyle/>
+          <a:p>
+            <a:r>
+              <a:rPr lang="en-US" smtClean="0"/>
+              <a:t>Click to edit Master title style</a:t>
+            </a:r>
+            <a:endParaRPr lang="en-US"/>
+          </a:p>
+        </p:txBody>
+      </p:sp>
+      <p:sp>
+        <p:nvSpPr>
+          <p:cNvPr id="3" name="Text Placeholder 2"/>
+          <p:cNvSpPr>
+            <a:spLocks noGrp="1"/>
+          </p:cNvSpPr>
+          <p:nvPr>
+            <p:ph type="body" idx="1"/>
+          </p:nvPr>
+        </p:nvSpPr>
+        <p:spPr>
+          <a:xfrm>
+            <a:off x="508000" y="1778000"/>
+            <a:ext cx="9144000" cy="5029200"/>
+          </a:xfrm>
+          <a:prstGeom prst="rect">
+            <a:avLst/>
+          </a:prstGeom>
+        </p:spPr>
+        <p:txBody>
+          <a:bodyPr vert="horz" lIns="91440" tIns="45720" rIns="91440" bIns="45720" rtlCol="0">
+            <a:normAutofit/>
+          </a:bodyPr>
+          <a:lstStyle/>
+          <a:p>
+            <a:pPr lvl="0"/>
+            <a:r>
+              <a:rPr lang="en-US" smtClean="0"/>
+              <a:t>Click to edit Master text styles</a:t>
+            </a:r>
+          </a:p>
+          <a:p>
+            <a:pPr lvl="1"/>
+            <a:r>
+              <a:rPr lang="en-US" smtClean="0"/>
+              <a:t>Second level</a:t>
+            </a:r>
+          </a:p>
+          <a:p>
+            <a:pPr lvl="2"/>
+            <a:r>
+              <a:rPr lang="en-US" smtClean="0"/>
+              <a:t>Third level</a:t>
+            </a:r>
+          </a:p>
+          <a:p>
+            <a:pPr lvl="3"/>
+            <a:r>
+              <a:rPr lang="en-US" smtClean="0"/>
+              <a:t>Fourth level</a:t>
+            </a:r>
+          </a:p>
+          <a:p>
+            <a:pPr lvl="4"/>
+            <a:r>
+              <a:rPr lang="en-US" smtClean="0"/>
+              <a:t>Fifth level</a:t>
+            </a:r>
+            <a:endParaRPr lang="en-US"/>
+          </a:p>
+        </p:txBody>
+      </p:sp>
+      <p:sp>
+        <p:nvSpPr>
+          <p:cNvPr id="4" name="Date Placeholder 3"/>
+          <p:cNvSpPr>
+            <a:spLocks noGrp="1"/>
+          </p:cNvSpPr>
+          <p:nvPr>
+            <p:ph type="dt" sz="half" idx="2"/>
+          </p:nvPr>
+        </p:nvSpPr>
+        <p:spPr>
+          <a:xfrm>
+            <a:off x="508000" y="7062788"/>
+            <a:ext cx="2370138" cy="404812"/>
+          </a:xfrm>
+          <a:prstGeom prst="rect">
+            <a:avLst/>
+          </a:prstGeom>
+        </p:spPr>
+        <p:txBody>
+          <a:bodyPr vert="horz" lIns="91440" tIns="45720" rIns="91440" bIns="45720" rtlCol="0" anchor="ctr"/>
+          <a:lstStyle>
+            <a:lvl1pPr algn="l">
+              <a:defRPr sz="1200">
+                <a:solidFill>
+                  <a:schemeClr val="tx1">
+                    <a:tint val="75000"/>
+                  </a:schemeClr>
+                </a:solidFill>
+              </a:defRPr>
+            </a:lvl1pPr>
+          </a:lstStyle>
+          <a:p>
+            <a:fld id="{4573CFDB-05E0-46C9-BA0A-C72AA8C3A001}" type="datetimeFigureOut">
+              <a:rPr lang="en-US" smtClean="0"/>
+              <a:t>1/18/2011</a:t>
+            </a:fld>
+            <a:endParaRPr lang="en-US"/>
+          </a:p>
+        </p:txBody>
+      </p:sp>
+      <p:sp>
+        <p:nvSpPr>
+          <p:cNvPr id="5" name="Footer Placeholder 4"/>
+          <p:cNvSpPr>
+            <a:spLocks noGrp="1"/>
+          </p:cNvSpPr>
+          <p:nvPr>
+            <p:ph type="ftr" sz="quarter" idx="3"/>
+          </p:nvPr>
+        </p:nvSpPr>
+        <p:spPr>
+          <a:xfrm>
+            <a:off x="3471863" y="7062788"/>
+            <a:ext cx="3216275" cy="404812"/>
+          </a:xfrm>
+          <a:prstGeom prst="rect">
+            <a:avLst/>
+          </a:prstGeom>
+        </p:spPr>
+        <p:txBody>
+          <a:bodyPr vert="horz" lIns="91440" tIns="45720" rIns="91440" bIns="45720" rtlCol="0" anchor="ctr"/>
+          <a:lstStyle>
+            <a:lvl1pPr algn="ctr">
+              <a:defRPr sz="1200">
+                <a:solidFill>
+                  <a:schemeClr val="tx1">
+                    <a:tint val="75000"/>
+                  </a:schemeClr>
+                </a:solidFill>
+              </a:defRPr>
+            </a:lvl1pPr>
+          </a:lstStyle>
+          <a:p>
+            <a:endParaRPr lang="en-US"/>
+          </a:p>
+        </p:txBody>
+      </p:sp>
+      <p:sp>
+        <p:nvSpPr>
+          <p:cNvPr id="6" name="Slide Number Placeholder 5"/>
+          <p:cNvSpPr>
+            <a:spLocks noGrp="1"/>
+          </p:cNvSpPr>
+          <p:nvPr>
+            <p:ph type="sldNum" sz="quarter" idx="4"/>
+          </p:nvPr>
+        </p:nvSpPr>
+        <p:spPr>
+          <a:xfrm>
+            <a:off x="7281863" y="7062788"/>
+            <a:ext cx="2370137" cy="404812"/>
+          </a:xfrm>
+          <a:prstGeom prst="rect">
+            <a:avLst/>
+          </a:prstGeom>
+        </p:spPr>
+        <p:txBody>
+          <a:bodyPr vert="horz" lIns="91440" tIns="45720" rIns="91440" bIns="45720" rtlCol="0" anchor="ctr"/>
+          <a:lstStyle>
+            <a:lvl1pPr algn="r">
+              <a:defRPr sz="1200">
+                <a:solidFill>
+                  <a:schemeClr val="tx1">
+                    <a:tint val="75000"/>
+                  </a:schemeClr>
+                </a:solidFill>
+              </a:defRPr>
+            </a:lvl1pPr>
+          </a:lstStyle>
+          <a:p>
+            <a:fld id="{05191629-A4FC-4772-B851-BD56BF85B7C6}" type="slidenum">
+              <a:rPr lang="en-US" smtClean="0"/>
+              <a:t>‹#›</a:t>
+            </a:fld>
+            <a:endParaRPr lang="en-US"/>
+          </a:p>
+        </p:txBody>
+      </p:sp>
+    </p:spTree>
+    <p:extLst>
+      <p:ext uri="{BB962C8B-B14F-4D97-AF65-F5344CB8AC3E}">
+        <p14:creationId xmlns:p14="http://schemas.microsoft.com/office/powerpoint/2010/main" val="1562899198"/>
+      </p:ext>
+    </p:extLst>
+  </p:cSld>
+  <p:clrMap bg1="lt1" tx1="dk1" bg2="lt2" tx2="dk2" accent1="accent1" accent2="accent2" accent3="accent3" accent4="accent4" accent5="accent5" accent6="accent6" hlink="hlink" folHlink="folHlink"/>
+  <p:sldLayoutIdLst>
+    <p:sldLayoutId id="2147483951" r:id="rId1"/>
+    <p:sldLayoutId id="2147483952" r:id="rId2"/>
+    <p:sldLayoutId id="2147483953" r:id="rId3"/>
+    <p:sldLayoutId id="2147483954" r:id="rId4"/>
+    <p:sldLayoutId id="2147483955" r:id="rId5"/>
+    <p:sldLayoutId id="2147483956" r:id="rId6"/>
+    <p:sldLayoutId id="2147483957" r:id="rId7"/>
+    <p:sldLayoutId id="2147483958" r:id="rId8"/>
+    <p:sldLayoutId id="2147483959" r:id="rId9"/>
+    <p:sldLayoutId id="2147483960" r:id="rId10"/>
+    <p:sldLayoutId id="2147483961" r:id="rId11"/>
+  </p:sldLayoutIdLst>
+  <p:timing>
+    <p:tnLst>
+      <p:par>
+        <p:cTn id="1" dur="indefinite" restart="never" nodeType="tmRoot"/>
+      </p:par>
+    </p:tnLst>
+  </p:timing>
+  <p:txStyles>
+    <p:titleStyle>
+      <a:lvl1pPr algn="ctr" defTabSz="914400" rtl="0" eaLnBrk="1" latinLnBrk="0" hangingPunct="1">
+        <a:spcBef>
+          <a:spcPct val="0"/>
+        </a:spcBef>
+        <a:buNone/>
+        <a:defRPr sz="4400" kern="1200">
+          <a:solidFill>
+            <a:schemeClr val="tx1"/>
+          </a:solidFill>
+          <a:latin typeface="+mj-lt"/>
+          <a:ea typeface="+mj-ea"/>
+          <a:cs typeface="+mj-cs"/>
+        </a:defRPr>
+      </a:lvl1pPr>
+    </p:titleStyle>
+    <p:bodyStyle>
+      <a:lvl1pPr marL="342900" indent="-342900" algn="l" defTabSz="914400" rtl="0" eaLnBrk="1" latinLnBrk="0" hangingPunct="1">
+        <a:spcBef>
+          <a:spcPct val="20000"/>
+        </a:spcBef>
+        <a:buFont typeface="Arial" pitchFamily="34" charset="0"/>
+        <a:buChar char="•"/>
+        <a:defRPr sz="3200" kern="1200">
+          <a:solidFill>
+            <a:schemeClr val="tx1"/>
+          </a:solidFill>
+          <a:latin typeface="+mn-lt"/>
+          <a:ea typeface="+mn-ea"/>
+          <a:cs typeface="+mn-cs"/>
+        </a:defRPr>
+      </a:lvl1pPr>
+      <a:lvl2pPr marL="742950" indent="-285750" algn="l" defTabSz="914400" rtl="0" eaLnBrk="1" latinLnBrk="0" hangingPunct="1">
+        <a:spcBef>
+          <a:spcPct val="20000"/>
+        </a:spcBef>
+        <a:buFont typeface="Arial" pitchFamily="34" charset="0"/>
+        <a:buChar char="–"/>
+        <a:defRPr sz="2800" kern="1200">
+          <a:solidFill>
+            <a:schemeClr val="tx1"/>
+          </a:solidFill>
+          <a:latin typeface="+mn-lt"/>
+          <a:ea typeface="+mn-ea"/>
+          <a:cs typeface="+mn-cs"/>
+        </a:defRPr>
+      </a:lvl2pPr>
+      <a:lvl3pPr marL="1143000" indent="-228600" algn="l" defTabSz="914400" rtl="0" eaLnBrk="1" latinLnBrk="0" hangingPunct="1">
+        <a:spcBef>
+          <a:spcPct val="20000"/>
+        </a:spcBef>
+        <a:buFont typeface="Arial" pitchFamily="34" charset="0"/>
+        <a:buChar char="•"/>
+        <a:defRPr sz="2400" kern="1200">
+          <a:solidFill>
+            <a:schemeClr val="tx1"/>
+          </a:solidFill>
+          <a:latin typeface="+mn-lt"/>
+          <a:ea typeface="+mn-ea"/>
+          <a:cs typeface="+mn-cs"/>
+        </a:defRPr>
+      </a:lvl3pPr>
+      <a:lvl4pPr marL="1600200" indent="-228600" algn="l" defTabSz="914400" rtl="0" eaLnBrk="1" latinLnBrk="0" hangingPunct="1">
+        <a:spcBef>
+          <a:spcPct val="20000"/>
+        </a:spcBef>
+        <a:buFont typeface="Arial" pitchFamily="34" charset="0"/>
+        <a:buChar char="–"/>
+        <a:defRPr sz="2000" kern="1200">
+          <a:solidFill>
+            <a:schemeClr val="tx1"/>
+          </a:solidFill>
+          <a:latin typeface="+mn-lt"/>
+          <a:ea typeface="+mn-ea"/>
+          <a:cs typeface="+mn-cs"/>
+        </a:defRPr>
+      </a:lvl4pPr>
+      <a:lvl5pPr marL="2057400" indent="-228600" algn="l" defTabSz="914400" rtl="0" eaLnBrk="1" latinLnBrk="0" hangingPunct="1">
+        <a:spcBef>
+          <a:spcPct val="20000"/>
+        </a:spcBef>
+        <a:buFont typeface="Arial" pitchFamily="34" charset="0"/>
+        <a:buChar char="»"/>
+        <a:defRPr sz="2000" kern="1200">
+          <a:solidFill>
+            <a:schemeClr val="tx1"/>
+          </a:solidFill>
+          <a:latin typeface="+mn-lt"/>
+          <a:ea typeface="+mn-ea"/>
+          <a:cs typeface="+mn-cs"/>
+        </a:defRPr>
+      </a:lvl5pPr>
+      <a:lvl6pPr marL="2514600" indent="-228600" algn="l" defTabSz="914400" rtl="0" eaLnBrk="1" latinLnBrk="0" hangingPunct="1">
+        <a:spcBef>
+          <a:spcPct val="20000"/>
+        </a:spcBef>
+        <a:buFont typeface="Arial" pitchFamily="34" charset="0"/>
+        <a:buChar char="•"/>
+        <a:defRPr sz="2000" kern="1200">
+          <a:solidFill>
+            <a:schemeClr val="tx1"/>
+          </a:solidFill>
+          <a:latin typeface="+mn-lt"/>
+          <a:ea typeface="+mn-ea"/>
+          <a:cs typeface="+mn-cs"/>
+        </a:defRPr>
+      </a:lvl6pPr>
+      <a:lvl7pPr marL="2971800" indent="-228600" algn="l" defTabSz="914400" rtl="0" eaLnBrk="1" latinLnBrk="0" hangingPunct="1">
+        <a:spcBef>
+          <a:spcPct val="20000"/>
+        </a:spcBef>
+        <a:buFont typeface="Arial" pitchFamily="34" charset="0"/>
+        <a:buChar char="•"/>
+        <a:defRPr sz="2000" kern="1200">
+          <a:solidFill>
+            <a:schemeClr val="tx1"/>
+          </a:solidFill>
+          <a:latin typeface="+mn-lt"/>
+          <a:ea typeface="+mn-ea"/>
+          <a:cs typeface="+mn-cs"/>
+        </a:defRPr>
+      </a:lvl7pPr>
+      <a:lvl8pPr marL="3429000" indent="-228600" algn="l" defTabSz="914400" rtl="0" eaLnBrk="1" latinLnBrk="0" hangingPunct="1">
+        <a:spcBef>
+          <a:spcPct val="20000"/>
+        </a:spcBef>
+        <a:buFont typeface="Arial" pitchFamily="34" charset="0"/>
+        <a:buChar char="•"/>
+        <a:defRPr sz="2000" kern="1200">
+          <a:solidFill>
+            <a:schemeClr val="tx1"/>
+          </a:solidFill>
+          <a:latin typeface="+mn-lt"/>
+          <a:ea typeface="+mn-ea"/>
+          <a:cs typeface="+mn-cs"/>
+        </a:defRPr>
+      </a:lvl8pPr>
+      <a:lvl9pPr marL="3886200" indent="-228600" algn="l" defTabSz="914400" rtl="0" eaLnBrk="1" latinLnBrk="0" hangingPunct="1">
+        <a:spcBef>
+          <a:spcPct val="20000"/>
+        </a:spcBef>
+        <a:buFont typeface="Arial" pitchFamily="34" charset="0"/>
+        <a:buChar char="•"/>
+        <a:defRPr sz="2000" kern="1200">
+          <a:solidFill>
+            <a:schemeClr val="tx1"/>
+          </a:solidFill>
+          <a:latin typeface="+mn-lt"/>
+          <a:ea typeface="+mn-ea"/>
+          <a:cs typeface="+mn-cs"/>
+        </a:defRPr>
+      </a:lvl9pPr>
+    </p:bodyStyle>
+    <p:otherStyle>
+      <a:defPPr>
+        <a:defRPr lang="en-US"/>
+      </a:defPPr>
+      <a:lvl1pPr marL="0" algn="l" defTabSz="914400" rtl="0" eaLnBrk="1" latinLnBrk="0" hangingPunct="1">
+        <a:defRPr sz="1800" kern="1200">
+          <a:solidFill>
+            <a:schemeClr val="tx1"/>
+          </a:solidFill>
+          <a:latin typeface="+mn-lt"/>
+          <a:ea typeface="+mn-ea"/>
+          <a:cs typeface="+mn-cs"/>
+        </a:defRPr>
+      </a:lvl1pPr>
+      <a:lvl2pPr marL="457200" algn="l" defTabSz="914400" rtl="0" eaLnBrk="1" latinLnBrk="0" hangingPunct="1">
+        <a:defRPr sz="1800" kern="1200">
+          <a:solidFill>
+            <a:schemeClr val="tx1"/>
+          </a:solidFill>
+          <a:latin typeface="+mn-lt"/>
+          <a:ea typeface="+mn-ea"/>
+          <a:cs typeface="+mn-cs"/>
+        </a:defRPr>
+      </a:lvl2pPr>
+      <a:lvl3pPr marL="914400" algn="l" defTabSz="914400" rtl="0" eaLnBrk="1" latinLnBrk="0" hangingPunct="1">
+        <a:defRPr sz="1800" kern="1200">
+          <a:solidFill>
+            <a:schemeClr val="tx1"/>
+          </a:solidFill>
+          <a:latin typeface="+mn-lt"/>
+          <a:ea typeface="+mn-ea"/>
+          <a:cs typeface="+mn-cs"/>
+        </a:defRPr>
+      </a:lvl3pPr>
+      <a:lvl4pPr marL="1371600" algn="l" defTabSz="914400" rtl="0" eaLnBrk="1" latinLnBrk="0" hangingPunct="1">
+        <a:defRPr sz="1800" kern="1200">
+          <a:solidFill>
+            <a:schemeClr val="tx1"/>
+          </a:solidFill>
+          <a:latin typeface="+mn-lt"/>
+          <a:ea typeface="+mn-ea"/>
+          <a:cs typeface="+mn-cs"/>
+        </a:defRPr>
+      </a:lvl4pPr>
+      <a:lvl5pPr marL="1828800" algn="l" defTabSz="914400" rtl="0" eaLnBrk="1" latinLnBrk="0" hangingPunct="1">
+        <a:defRPr sz="1800" kern="1200">
+          <a:solidFill>
+            <a:schemeClr val="tx1"/>
+          </a:solidFill>
+          <a:latin typeface="+mn-lt"/>
+          <a:ea typeface="+mn-ea"/>
+          <a:cs typeface="+mn-cs"/>
+        </a:defRPr>
+      </a:lvl5pPr>
+      <a:lvl6pPr marL="2286000" algn="l" defTabSz="914400" rtl="0" eaLnBrk="1" latinLnBrk="0" hangingPunct="1">
+        <a:defRPr sz="1800" kern="1200">
+          <a:solidFill>
+            <a:schemeClr val="tx1"/>
+          </a:solidFill>
+          <a:latin typeface="+mn-lt"/>
+          <a:ea typeface="+mn-ea"/>
+          <a:cs typeface="+mn-cs"/>
+        </a:defRPr>
+      </a:lvl6pPr>
+      <a:lvl7pPr marL="2743200" algn="l" defTabSz="914400" rtl="0" eaLnBrk="1" latinLnBrk="0" hangingPunct="1">
+        <a:defRPr sz="1800" kern="1200">
+          <a:solidFill>
+            <a:schemeClr val="tx1"/>
+          </a:solidFill>
+          <a:latin typeface="+mn-lt"/>
+          <a:ea typeface="+mn-ea"/>
+          <a:cs typeface="+mn-cs"/>
+        </a:defRPr>
+      </a:lvl7pPr>
+      <a:lvl8pPr marL="3200400" algn="l" defTabSz="914400" rtl="0" eaLnBrk="1" latinLnBrk="0" hangingPunct="1">
+        <a:defRPr sz="1800" kern="1200">
+          <a:solidFill>
+            <a:schemeClr val="tx1"/>
+          </a:solidFill>
+          <a:latin typeface="+mn-lt"/>
+          <a:ea typeface="+mn-ea"/>
+          <a:cs typeface="+mn-cs"/>
+        </a:defRPr>
+      </a:lvl8pPr>
+      <a:lvl9pPr marL="3657600" algn="l" defTabSz="914400" rtl="0" eaLnBrk="1" latinLnBrk="0" hangingPunct="1">
+        <a:defRPr sz="1800" kern="1200">
+          <a:solidFill>
+            <a:schemeClr val="tx1"/>
+          </a:solidFill>
+          <a:latin typeface="+mn-lt"/>
+          <a:ea typeface="+mn-ea"/>
+          <a:cs typeface="+mn-cs"/>
+        </a:defRPr>
+      </a:lvl9pPr>
+    </p:otherStyle>
+  </p:txStyles>
+</p:sldMaster>
+</file>
+
 <file path=ppt/slides/slide1.xml><?xml version="1.0" encoding="utf-8"?>
 <p:sld xmlns:a="http://schemas.openxmlformats.org/drawingml/2006/main" xmlns:r="http://schemas.openxmlformats.org/officeDocument/2006/relationships" xmlns:p="http://schemas.openxmlformats.org/presentationml/2006/main">
   <p:cSld>
@@ -5396,11 +8385,6 @@
               </a:rPr>
               <a:t>Ben Dewey</a:t>
             </a:r>
-            <a:endParaRPr lang="en-US" sz="2400" kern="0" dirty="0" smtClean="0">
-              <a:solidFill>
-                <a:schemeClr val="bg1"/>
-              </a:solidFill>
-            </a:endParaRPr>
           </a:p>
           <a:p>
             <a:pPr lvl="0" defTabSz="914400" fontAlgn="base">
@@ -5418,15 +8402,7 @@
                   <a:schemeClr val="bg1"/>
                 </a:solidFill>
               </a:rPr>
-              <a:t>Twitter: </a:t>
-            </a:r>
-            <a:r>
-              <a:rPr lang="en-US" sz="2400" kern="0" dirty="0" smtClean="0">
-                <a:solidFill>
-                  <a:schemeClr val="bg1"/>
-                </a:solidFill>
-              </a:rPr>
-              <a:t>@</a:t>
+              <a:t>Twitter: @</a:t>
             </a:r>
             <a:r>
               <a:rPr lang="en-US" sz="2400" kern="0" dirty="0" err="1" smtClean="0">
@@ -5458,21 +8434,8 @@
                   <a:schemeClr val="bg1"/>
                 </a:solidFill>
               </a:rPr>
-              <a:t>Email: </a:t>
-            </a:r>
-            <a:r>
-              <a:rPr lang="en-US" sz="2000" kern="0" dirty="0" smtClean="0">
-                <a:solidFill>
-                  <a:schemeClr val="bg1"/>
-                </a:solidFill>
-              </a:rPr>
-              <a:t>ben @bendewey.com</a:t>
-            </a:r>
-            <a:endParaRPr lang="en-US" sz="2000" kern="0" dirty="0" smtClean="0">
-              <a:solidFill>
-                <a:schemeClr val="bg1"/>
-              </a:solidFill>
-            </a:endParaRPr>
+              <a:t>Email: ben @bendewey.com</a:t>
+            </a:r>
           </a:p>
         </p:txBody>
       </p:sp>
@@ -5521,118 +8484,54 @@
             <p:ph type="title"/>
           </p:nvPr>
         </p:nvSpPr>
+        <p:spPr/>
+        <p:txBody>
+          <a:bodyPr/>
+          <a:lstStyle/>
+          <a:p>
+            <a:r>
+              <a:rPr lang="en-US" dirty="0" smtClean="0"/>
+              <a:t>Cone of Uncertainty</a:t>
+            </a:r>
+            <a:endParaRPr lang="en-US" dirty="0"/>
+          </a:p>
+        </p:txBody>
+      </p:sp>
+      <p:pic>
+        <p:nvPicPr>
+          <p:cNvPr id="4" name="Content Placeholder 3"/>
+          <p:cNvPicPr>
+            <a:picLocks noGrp="1" noChangeAspect="1"/>
+          </p:cNvPicPr>
+          <p:nvPr>
+            <p:ph idx="1"/>
+          </p:nvPr>
+        </p:nvPicPr>
+        <p:blipFill>
+          <a:blip r:embed="rId2">
+            <a:extLst>
+              <a:ext uri="{28A0092B-C50C-407E-A947-70E740481C1C}">
+                <a14:useLocalDpi xmlns:a14="http://schemas.microsoft.com/office/drawing/2010/main" val="0"/>
+              </a:ext>
+            </a:extLst>
+          </a:blip>
+          <a:stretch>
+            <a:fillRect/>
+          </a:stretch>
+        </p:blipFill>
         <p:spPr>
           <a:xfrm>
-            <a:off x="508000" y="609600"/>
-            <a:ext cx="9144000" cy="1016000"/>
+            <a:off x="1727200" y="1981200"/>
+            <a:ext cx="6096000" cy="5367618"/>
           </a:xfrm>
         </p:spPr>
-        <p:txBody>
-          <a:bodyPr/>
-          <a:lstStyle/>
-          <a:p>
-            <a:r>
-              <a:rPr lang="en-US" dirty="0" smtClean="0"/>
-              <a:t>The Agile Estimation Process</a:t>
-            </a:r>
-            <a:endParaRPr lang="en-US" dirty="0"/>
-          </a:p>
-        </p:txBody>
-      </p:sp>
-      <p:sp>
-        <p:nvSpPr>
-          <p:cNvPr id="3" name="Content Placeholder 2"/>
-          <p:cNvSpPr>
-            <a:spLocks noGrp="1"/>
-          </p:cNvSpPr>
-          <p:nvPr>
-            <p:ph idx="1"/>
-          </p:nvPr>
-        </p:nvSpPr>
-        <p:spPr/>
-        <p:txBody>
-          <a:bodyPr/>
-          <a:lstStyle/>
-          <a:p>
-            <a:pPr marL="742950" indent="-742950">
-              <a:buFont typeface="+mj-lt"/>
-              <a:buAutoNum type="arabicPeriod"/>
-            </a:pPr>
-            <a:r>
-              <a:rPr lang="en-US" dirty="0" smtClean="0"/>
-              <a:t>Define your work </a:t>
-            </a:r>
-            <a:r>
-              <a:rPr lang="en-US" sz="2400" dirty="0" smtClean="0"/>
-              <a:t>(User Story Modeling)</a:t>
-            </a:r>
-            <a:endParaRPr lang="en-US" sz="2800" dirty="0" smtClean="0"/>
-          </a:p>
-          <a:p>
-            <a:pPr marL="742950" indent="-742950">
-              <a:buFont typeface="+mj-lt"/>
-              <a:buAutoNum type="arabicPeriod"/>
-            </a:pPr>
-            <a:r>
-              <a:rPr lang="en-US" dirty="0" smtClean="0"/>
-              <a:t>Estimate collaboratively </a:t>
-            </a:r>
-            <a:r>
-              <a:rPr lang="en-US" sz="2400" dirty="0" smtClean="0"/>
-              <a:t>(Planning Poker)</a:t>
-            </a:r>
-          </a:p>
-          <a:p>
-            <a:pPr marL="1187446" lvl="1" indent="-742950"/>
-            <a:r>
-              <a:rPr lang="en-US" dirty="0" smtClean="0"/>
-              <a:t>Use a unit of work, not time </a:t>
-            </a:r>
-            <a:r>
-              <a:rPr lang="en-US" sz="2000" dirty="0" smtClean="0"/>
-              <a:t>(Story Points)</a:t>
-            </a:r>
-          </a:p>
-          <a:p>
-            <a:pPr marL="1187446" lvl="1" indent="-742950"/>
-            <a:r>
-              <a:rPr lang="en-US" dirty="0" smtClean="0"/>
-              <a:t>Increase accuracy with relative sizing</a:t>
-            </a:r>
-          </a:p>
-          <a:p>
-            <a:pPr marL="742950" indent="-742950">
-              <a:buFont typeface="+mj-lt"/>
-              <a:buAutoNum type="arabicPeriod"/>
-            </a:pPr>
-            <a:r>
-              <a:rPr lang="en-US" dirty="0" smtClean="0"/>
-              <a:t>Measure real progress </a:t>
-            </a:r>
-            <a:r>
-              <a:rPr lang="en-US" sz="2400" dirty="0" smtClean="0"/>
-              <a:t>(Velocity)</a:t>
-            </a:r>
-            <a:endParaRPr lang="en-US" dirty="0" smtClean="0"/>
-          </a:p>
-          <a:p>
-            <a:pPr marL="742950" indent="-742950">
-              <a:buFont typeface="+mj-lt"/>
-              <a:buAutoNum type="arabicPeriod"/>
-            </a:pPr>
-            <a:r>
-              <a:rPr lang="en-US" dirty="0" smtClean="0"/>
-              <a:t>Adapt to change </a:t>
-            </a:r>
-            <a:r>
-              <a:rPr lang="en-US" sz="2400" dirty="0" smtClean="0"/>
-              <a:t>(Re-estimation)</a:t>
-            </a:r>
-            <a:endParaRPr lang="en-US" dirty="0"/>
-          </a:p>
-        </p:txBody>
-      </p:sp>
+      </p:pic>
     </p:spTree>
+    <p:extLst>
+      <p:ext uri="{BB962C8B-B14F-4D97-AF65-F5344CB8AC3E}">
+        <p14:creationId xmlns:p14="http://schemas.microsoft.com/office/powerpoint/2010/main" val="1048080797"/>
+      </p:ext>
+    </p:extLst>
   </p:cSld>
   <p:clrMapOvr>
     <a:masterClrMapping/>
@@ -5669,74 +8568,51 @@
       </p:grpSpPr>
       <p:sp>
         <p:nvSpPr>
-          <p:cNvPr id="2" name="Title 1"/>
-          <p:cNvSpPr>
-            <a:spLocks noGrp="1"/>
-          </p:cNvSpPr>
-          <p:nvPr>
-            <p:ph type="title"/>
-          </p:nvPr>
-        </p:nvSpPr>
-        <p:spPr>
-          <a:xfrm>
-            <a:off x="508000" y="609600"/>
-            <a:ext cx="9144000" cy="1016000"/>
-          </a:xfrm>
-        </p:spPr>
-        <p:txBody>
-          <a:bodyPr/>
-          <a:lstStyle/>
-          <a:p>
+          <p:cNvPr id="3" name="Content Placeholder 2"/>
+          <p:cNvSpPr>
+            <a:spLocks noGrp="1"/>
+          </p:cNvSpPr>
+          <p:nvPr>
+            <p:ph idx="1"/>
+          </p:nvPr>
+        </p:nvSpPr>
+        <p:spPr/>
+        <p:txBody>
+          <a:bodyPr anchor="ctr">
+            <a:normAutofit/>
+          </a:bodyPr>
+          <a:lstStyle/>
+          <a:p>
+            <a:pPr algn="ctr">
+              <a:buNone/>
+            </a:pPr>
+            <a:r>
+              <a:rPr lang="en-US" sz="4000" dirty="0" smtClean="0"/>
+              <a:t>Agile estimation avoids</a:t>
+            </a:r>
             <a:r>
               <a:rPr lang="en-US" dirty="0" smtClean="0"/>
-              <a:t>User Story Modeling</a:t>
-            </a:r>
-            <a:endParaRPr lang="en-US" dirty="0"/>
-          </a:p>
-        </p:txBody>
-      </p:sp>
-      <p:sp>
-        <p:nvSpPr>
-          <p:cNvPr id="3" name="Content Placeholder 2"/>
-          <p:cNvSpPr>
-            <a:spLocks noGrp="1"/>
-          </p:cNvSpPr>
-          <p:nvPr>
-            <p:ph idx="1"/>
-          </p:nvPr>
-        </p:nvSpPr>
-        <p:spPr/>
-        <p:txBody>
-          <a:bodyPr/>
-          <a:lstStyle/>
-          <a:p>
-            <a:pPr algn="ctr">
-              <a:buNone/>
-            </a:pPr>
-            <a:r>
-              <a:rPr lang="en-US" dirty="0" smtClean="0"/>
-              <a:t>Narrative:</a:t>
-            </a:r>
-          </a:p>
-          <a:p>
-            <a:pPr algn="ctr">
-              <a:buNone/>
-            </a:pPr>
-            <a:r>
-              <a:rPr lang="en-US" dirty="0" smtClean="0"/>
-              <a:t>(Who) wants (what) so that (why)</a:t>
-            </a:r>
-          </a:p>
-          <a:p>
-            <a:pPr algn="ctr">
-              <a:buNone/>
-            </a:pPr>
-            <a:endParaRPr lang="en-US" dirty="0" smtClean="0"/>
-          </a:p>
-          <a:p>
-            <a:r>
-              <a:rPr lang="en-US" dirty="0" smtClean="0"/>
-              <a:t>A story is a conversation starter, and gets more detailed over time</a:t>
+              <a:t> </a:t>
+            </a:r>
+            <a:r>
+              <a:rPr lang="en-US" sz="4000" dirty="0" smtClean="0"/>
+              <a:t>these common problems </a:t>
+            </a:r>
+            <a:r>
+              <a:rPr lang="en-US" sz="3200" dirty="0" smtClean="0"/>
+              <a:t>(and more) </a:t>
+            </a:r>
+            <a:r>
+              <a:rPr lang="en-US" sz="4000" dirty="0" smtClean="0"/>
+              <a:t>by taking a more </a:t>
+            </a:r>
+            <a:r>
+              <a:rPr lang="en-US" sz="4000" i="1" dirty="0" smtClean="0"/>
+              <a:t>practical approach </a:t>
+            </a:r>
+            <a:r>
+              <a:rPr lang="en-US" sz="4000" dirty="0" smtClean="0"/>
+              <a:t>to estimating work.</a:t>
             </a:r>
           </a:p>
         </p:txBody>
@@ -5798,7 +8674,7 @@
           <a:p>
             <a:r>
               <a:rPr lang="en-US" dirty="0" smtClean="0"/>
-              <a:t>User Story Modeling</a:t>
+              <a:t>The Agile Estimation Process</a:t>
             </a:r>
             <a:endParaRPr lang="en-US" dirty="0"/>
           </a:p>
@@ -5814,367 +8690,86 @@
             <p:ph idx="1"/>
           </p:nvPr>
         </p:nvSpPr>
-        <p:spPr>
-          <a:xfrm>
-            <a:off x="4775200" y="2438400"/>
-            <a:ext cx="5105400" cy="4520848"/>
-          </a:xfrm>
-        </p:spPr>
-        <p:txBody>
-          <a:bodyPr>
-            <a:normAutofit/>
-          </a:bodyPr>
-          <a:lstStyle/>
-          <a:p>
-            <a:pPr>
-              <a:buNone/>
+        <p:spPr/>
+        <p:txBody>
+          <a:bodyPr/>
+          <a:lstStyle/>
+          <a:p>
+            <a:pPr marL="742950" indent="-742950">
+              <a:buFont typeface="+mj-lt"/>
+              <a:buAutoNum type="arabicPeriod"/>
             </a:pPr>
             <a:r>
-              <a:rPr lang="en-US" sz="2800" dirty="0" smtClean="0">
-                <a:solidFill>
-                  <a:srgbClr val="008000"/>
-                </a:solidFill>
-              </a:rPr>
-              <a:t>GOOD: </a:t>
-            </a:r>
-          </a:p>
-          <a:p>
-            <a:pPr>
-              <a:buNone/>
+              <a:rPr lang="en-US" dirty="0" smtClean="0"/>
+              <a:t>Define your work </a:t>
+            </a:r>
+            <a:r>
+              <a:rPr lang="en-US" sz="2400" dirty="0" smtClean="0"/>
+              <a:t>(User Story Modeling)</a:t>
+            </a:r>
+            <a:endParaRPr lang="en-US" sz="2800" dirty="0" smtClean="0"/>
+          </a:p>
+          <a:p>
+            <a:pPr marL="742950" indent="-742950">
+              <a:buFont typeface="+mj-lt"/>
+              <a:buAutoNum type="arabicPeriod"/>
             </a:pPr>
             <a:r>
-              <a:rPr lang="en-US" sz="2800" dirty="0" smtClean="0">
-                <a:solidFill>
-                  <a:srgbClr val="008000"/>
-                </a:solidFill>
-              </a:rPr>
-              <a:t>Billing wants to see a summary page of all unpaid accounts, so that they can collect payments.</a:t>
-            </a:r>
-          </a:p>
-          <a:p>
-            <a:pPr>
-              <a:buNone/>
+              <a:rPr lang="en-US" dirty="0" smtClean="0"/>
+              <a:t>Estimate collaboratively </a:t>
+            </a:r>
+            <a:r>
+              <a:rPr lang="en-US" sz="2400" dirty="0" smtClean="0"/>
+              <a:t>(Planning Poker)</a:t>
+            </a:r>
+          </a:p>
+          <a:p>
+            <a:pPr marL="1187446" lvl="1" indent="-742950"/>
+            <a:r>
+              <a:rPr lang="en-US" dirty="0" smtClean="0"/>
+              <a:t>Use a unit of work, not time </a:t>
+            </a:r>
+            <a:r>
+              <a:rPr lang="en-US" sz="2000" dirty="0" smtClean="0"/>
+              <a:t>(Story Points)</a:t>
+            </a:r>
+          </a:p>
+          <a:p>
+            <a:pPr marL="1187446" lvl="1" indent="-742950"/>
+            <a:r>
+              <a:rPr lang="en-US" dirty="0" smtClean="0"/>
+              <a:t>Increase accuracy with relative sizing</a:t>
+            </a:r>
+          </a:p>
+          <a:p>
+            <a:pPr marL="742950" indent="-742950">
+              <a:buFont typeface="+mj-lt"/>
+              <a:buAutoNum type="arabicPeriod"/>
             </a:pPr>
             <a:r>
-              <a:rPr lang="en-US" sz="2800" dirty="0" smtClean="0">
-                <a:solidFill>
-                  <a:srgbClr val="FF0000"/>
-                </a:solidFill>
-              </a:rPr>
-              <a:t>BAD: </a:t>
-            </a:r>
-          </a:p>
-          <a:p>
-            <a:pPr>
-              <a:buNone/>
+              <a:rPr lang="en-US" dirty="0" smtClean="0"/>
+              <a:t>Measure real progress </a:t>
+            </a:r>
+            <a:r>
+              <a:rPr lang="en-US" sz="2400" dirty="0" smtClean="0"/>
+              <a:t>(Velocity)</a:t>
+            </a:r>
+            <a:endParaRPr lang="en-US" dirty="0" smtClean="0"/>
+          </a:p>
+          <a:p>
+            <a:pPr marL="742950" indent="-742950">
+              <a:buFont typeface="+mj-lt"/>
+              <a:buAutoNum type="arabicPeriod"/>
             </a:pPr>
             <a:r>
-              <a:rPr lang="en-US" sz="2800" dirty="0" smtClean="0">
-                <a:solidFill>
-                  <a:srgbClr val="FF0000"/>
-                </a:solidFill>
-              </a:rPr>
-              <a:t>Our company wants a new website to increase sales.</a:t>
-            </a:r>
-          </a:p>
-          <a:p>
-            <a:pPr>
-              <a:buNone/>
-            </a:pPr>
-            <a:r>
-              <a:rPr lang="en-US" sz="2800" dirty="0" smtClean="0">
-                <a:solidFill>
-                  <a:srgbClr val="FF0000"/>
-                </a:solidFill>
-              </a:rPr>
-              <a:t>Users want rounded corners on the search button.</a:t>
-            </a:r>
-          </a:p>
-          <a:p>
-            <a:pPr>
-              <a:buNone/>
-            </a:pPr>
-            <a:endParaRPr lang="en-US" sz="2800" dirty="0" smtClean="0">
-              <a:solidFill>
-                <a:srgbClr val="FF0000"/>
-              </a:solidFill>
-            </a:endParaRPr>
-          </a:p>
-        </p:txBody>
-      </p:sp>
-      <p:sp>
-        <p:nvSpPr>
-          <p:cNvPr id="4" name="Content Placeholder 2"/>
-          <p:cNvSpPr txBox="1">
-            <a:spLocks/>
-          </p:cNvSpPr>
-          <p:nvPr/>
-        </p:nvSpPr>
-        <p:spPr>
-          <a:xfrm>
-            <a:off x="660400" y="2438400"/>
-            <a:ext cx="3886200" cy="4520848"/>
-          </a:xfrm>
-          <a:prstGeom prst="rect">
-            <a:avLst/>
-          </a:prstGeom>
-        </p:spPr>
-        <p:txBody>
-          <a:bodyPr vert="horz" lIns="101599" tIns="50799" rIns="101599" bIns="50799" rtlCol="0">
-            <a:normAutofit lnSpcReduction="10000"/>
-          </a:bodyPr>
-          <a:lstStyle/>
-          <a:p>
-            <a:pPr marL="380996" marR="0" lvl="0" indent="-380996" algn="l" defTabSz="1015990" rtl="0" eaLnBrk="1" fontAlgn="auto" latinLnBrk="0" hangingPunct="1">
-              <a:lnSpc>
-                <a:spcPct val="100000"/>
-              </a:lnSpc>
-              <a:spcBef>
-                <a:spcPct val="20000"/>
-              </a:spcBef>
-              <a:spcAft>
-                <a:spcPts val="0"/>
-              </a:spcAft>
-              <a:buClrTx/>
-              <a:buSzTx/>
-              <a:buFont typeface="Arial" pitchFamily="34" charset="0"/>
-              <a:buNone/>
-              <a:tabLst/>
-              <a:defRPr/>
-            </a:pPr>
-            <a:r>
-              <a:rPr kumimoji="0" lang="en-US" sz="3600" b="0" i="0" u="none" strike="noStrike" kern="1200" cap="none" spc="0" normalizeH="0" baseline="0" noProof="0" dirty="0" smtClean="0">
-                <a:ln>
-                  <a:noFill/>
-                </a:ln>
-                <a:solidFill>
-                  <a:srgbClr val="FA7305"/>
-                </a:solidFill>
-                <a:effectLst/>
-                <a:uLnTx/>
-                <a:uFillTx/>
-                <a:latin typeface="+mn-lt"/>
-                <a:ea typeface="+mn-ea"/>
-                <a:cs typeface="+mn-cs"/>
-              </a:rPr>
-              <a:t>Good stories satisfy INVEST:</a:t>
-            </a:r>
-          </a:p>
-          <a:p>
-            <a:pPr marL="825492" marR="0" lvl="1" indent="-317497" algn="l" defTabSz="1015990" rtl="0" eaLnBrk="1" fontAlgn="auto" latinLnBrk="0" hangingPunct="1">
-              <a:lnSpc>
-                <a:spcPct val="100000"/>
-              </a:lnSpc>
-              <a:spcBef>
-                <a:spcPct val="20000"/>
-              </a:spcBef>
-              <a:spcAft>
-                <a:spcPts val="0"/>
-              </a:spcAft>
-              <a:buClrTx/>
-              <a:buSzTx/>
-              <a:buFont typeface="Arial" pitchFamily="34" charset="0"/>
-              <a:buChar char="–"/>
-              <a:tabLst/>
-              <a:defRPr/>
-            </a:pPr>
-            <a:r>
-              <a:rPr kumimoji="0" lang="en-US" sz="3100" b="0" i="0" u="none" strike="noStrike" kern="1200" cap="none" spc="0" normalizeH="0" baseline="0" noProof="0" dirty="0" smtClean="0">
-                <a:ln>
-                  <a:noFill/>
-                </a:ln>
-                <a:solidFill>
-                  <a:srgbClr val="FA7305"/>
-                </a:solidFill>
-                <a:effectLst/>
-                <a:uLnTx/>
-                <a:uFillTx/>
-                <a:latin typeface="+mn-lt"/>
-                <a:ea typeface="+mn-ea"/>
-                <a:cs typeface="+mn-cs"/>
-              </a:rPr>
-              <a:t>Independent</a:t>
-            </a:r>
-          </a:p>
-          <a:p>
-            <a:pPr marL="825492" marR="0" lvl="1" indent="-317497" algn="l" defTabSz="1015990" rtl="0" eaLnBrk="1" fontAlgn="auto" latinLnBrk="0" hangingPunct="1">
-              <a:lnSpc>
-                <a:spcPct val="100000"/>
-              </a:lnSpc>
-              <a:spcBef>
-                <a:spcPct val="20000"/>
-              </a:spcBef>
-              <a:spcAft>
-                <a:spcPts val="0"/>
-              </a:spcAft>
-              <a:buClrTx/>
-              <a:buSzTx/>
-              <a:buFont typeface="Arial" pitchFamily="34" charset="0"/>
-              <a:buChar char="–"/>
-              <a:tabLst/>
-              <a:defRPr/>
-            </a:pPr>
-            <a:r>
-              <a:rPr kumimoji="0" lang="en-US" sz="3100" b="0" i="0" u="none" strike="noStrike" kern="1200" cap="none" spc="0" normalizeH="0" baseline="0" noProof="0" dirty="0" smtClean="0">
-                <a:ln>
-                  <a:noFill/>
-                </a:ln>
-                <a:solidFill>
-                  <a:srgbClr val="FA7305"/>
-                </a:solidFill>
-                <a:effectLst/>
-                <a:uLnTx/>
-                <a:uFillTx/>
-                <a:latin typeface="+mn-lt"/>
-                <a:ea typeface="+mn-ea"/>
-                <a:cs typeface="+mn-cs"/>
-              </a:rPr>
-              <a:t>Negotiable</a:t>
-            </a:r>
-          </a:p>
-          <a:p>
-            <a:pPr marL="825492" marR="0" lvl="1" indent="-317497" algn="l" defTabSz="1015990" rtl="0" eaLnBrk="1" fontAlgn="auto" latinLnBrk="0" hangingPunct="1">
-              <a:lnSpc>
-                <a:spcPct val="100000"/>
-              </a:lnSpc>
-              <a:spcBef>
-                <a:spcPct val="20000"/>
-              </a:spcBef>
-              <a:spcAft>
-                <a:spcPts val="0"/>
-              </a:spcAft>
-              <a:buClrTx/>
-              <a:buSzTx/>
-              <a:buFont typeface="Arial" pitchFamily="34" charset="0"/>
-              <a:buChar char="–"/>
-              <a:tabLst/>
-              <a:defRPr/>
-            </a:pPr>
-            <a:r>
-              <a:rPr kumimoji="0" lang="en-US" sz="3100" b="0" i="0" u="none" strike="noStrike" kern="1200" cap="none" spc="0" normalizeH="0" baseline="0" noProof="0" dirty="0" smtClean="0">
-                <a:ln>
-                  <a:noFill/>
-                </a:ln>
-                <a:solidFill>
-                  <a:srgbClr val="FA7305"/>
-                </a:solidFill>
-                <a:effectLst/>
-                <a:uLnTx/>
-                <a:uFillTx/>
-                <a:latin typeface="+mn-lt"/>
-                <a:ea typeface="+mn-ea"/>
-                <a:cs typeface="+mn-cs"/>
-              </a:rPr>
-              <a:t>Valuable</a:t>
-            </a:r>
-          </a:p>
-          <a:p>
-            <a:pPr marL="825492" marR="0" lvl="1" indent="-317497" algn="l" defTabSz="1015990" rtl="0" eaLnBrk="1" fontAlgn="auto" latinLnBrk="0" hangingPunct="1">
-              <a:lnSpc>
-                <a:spcPct val="100000"/>
-              </a:lnSpc>
-              <a:spcBef>
-                <a:spcPct val="20000"/>
-              </a:spcBef>
-              <a:spcAft>
-                <a:spcPts val="0"/>
-              </a:spcAft>
-              <a:buClrTx/>
-              <a:buSzTx/>
-              <a:buFont typeface="Arial" pitchFamily="34" charset="0"/>
-              <a:buChar char="–"/>
-              <a:tabLst/>
-              <a:defRPr/>
-            </a:pPr>
-            <a:r>
-              <a:rPr kumimoji="0" lang="en-US" sz="3100" b="0" i="0" u="none" strike="noStrike" kern="1200" cap="none" spc="0" normalizeH="0" baseline="0" noProof="0" dirty="0" smtClean="0">
-                <a:ln>
-                  <a:noFill/>
-                </a:ln>
-                <a:solidFill>
-                  <a:srgbClr val="FA7305"/>
-                </a:solidFill>
-                <a:effectLst/>
-                <a:uLnTx/>
-                <a:uFillTx/>
-                <a:latin typeface="+mn-lt"/>
-                <a:ea typeface="+mn-ea"/>
-                <a:cs typeface="+mn-cs"/>
-              </a:rPr>
-              <a:t>Estimable</a:t>
-            </a:r>
-          </a:p>
-          <a:p>
-            <a:pPr marL="825492" marR="0" lvl="1" indent="-317497" algn="l" defTabSz="1015990" rtl="0" eaLnBrk="1" fontAlgn="auto" latinLnBrk="0" hangingPunct="1">
-              <a:lnSpc>
-                <a:spcPct val="100000"/>
-              </a:lnSpc>
-              <a:spcBef>
-                <a:spcPct val="20000"/>
-              </a:spcBef>
-              <a:spcAft>
-                <a:spcPts val="0"/>
-              </a:spcAft>
-              <a:buClrTx/>
-              <a:buSzTx/>
-              <a:buFont typeface="Arial" pitchFamily="34" charset="0"/>
-              <a:buChar char="–"/>
-              <a:tabLst/>
-              <a:defRPr/>
-            </a:pPr>
-            <a:r>
-              <a:rPr kumimoji="0" lang="en-US" sz="3100" b="0" i="0" u="none" strike="noStrike" kern="1200" cap="none" spc="0" normalizeH="0" baseline="0" noProof="0" dirty="0" smtClean="0">
-                <a:ln>
-                  <a:noFill/>
-                </a:ln>
-                <a:solidFill>
-                  <a:srgbClr val="FA7305"/>
-                </a:solidFill>
-                <a:effectLst/>
-                <a:uLnTx/>
-                <a:uFillTx/>
-                <a:latin typeface="+mn-lt"/>
-                <a:ea typeface="+mn-ea"/>
-                <a:cs typeface="+mn-cs"/>
-              </a:rPr>
-              <a:t>Small</a:t>
-            </a:r>
-          </a:p>
-          <a:p>
-            <a:pPr marL="825492" marR="0" lvl="1" indent="-317497" algn="l" defTabSz="1015990" rtl="0" eaLnBrk="1" fontAlgn="auto" latinLnBrk="0" hangingPunct="1">
-              <a:lnSpc>
-                <a:spcPct val="100000"/>
-              </a:lnSpc>
-              <a:spcBef>
-                <a:spcPct val="20000"/>
-              </a:spcBef>
-              <a:spcAft>
-                <a:spcPts val="0"/>
-              </a:spcAft>
-              <a:buClrTx/>
-              <a:buSzTx/>
-              <a:buFont typeface="Arial" pitchFamily="34" charset="0"/>
-              <a:buChar char="–"/>
-              <a:tabLst/>
-              <a:defRPr/>
-            </a:pPr>
-            <a:r>
-              <a:rPr kumimoji="0" lang="en-US" sz="3100" b="0" i="0" u="none" strike="noStrike" kern="1200" cap="none" spc="0" normalizeH="0" baseline="0" noProof="0" dirty="0" smtClean="0">
-                <a:ln>
-                  <a:noFill/>
-                </a:ln>
-                <a:solidFill>
-                  <a:srgbClr val="FA7305"/>
-                </a:solidFill>
-                <a:effectLst/>
-                <a:uLnTx/>
-                <a:uFillTx/>
-                <a:latin typeface="+mn-lt"/>
-                <a:ea typeface="+mn-ea"/>
-                <a:cs typeface="+mn-cs"/>
-              </a:rPr>
-              <a:t>Testable</a:t>
-            </a:r>
+              <a:rPr lang="en-US" dirty="0" smtClean="0"/>
+              <a:t>Adapt to change </a:t>
+            </a:r>
+            <a:r>
+              <a:rPr lang="en-US" sz="2400" dirty="0" smtClean="0"/>
+              <a:t>(Re-estimation)</a:t>
+            </a:r>
+            <a:endParaRPr lang="en-US" dirty="0"/>
           </a:p>
         </p:txBody>
       </p:sp>
@@ -6230,104 +8825,59 @@
           </a:xfrm>
         </p:spPr>
         <p:txBody>
-          <a:bodyPr>
-            <a:normAutofit fontScale="90000"/>
-          </a:bodyPr>
+          <a:bodyPr/>
           <a:lstStyle/>
           <a:p>
             <a:r>
               <a:rPr lang="en-US" dirty="0" smtClean="0"/>
-              <a:t>User Story Modeling: </a:t>
-            </a:r>
-            <a:br>
+              <a:t>User Story Modeling</a:t>
+            </a:r>
+            <a:endParaRPr lang="en-US" dirty="0"/>
+          </a:p>
+        </p:txBody>
+      </p:sp>
+      <p:sp>
+        <p:nvSpPr>
+          <p:cNvPr id="3" name="Content Placeholder 2"/>
+          <p:cNvSpPr>
+            <a:spLocks noGrp="1"/>
+          </p:cNvSpPr>
+          <p:nvPr>
+            <p:ph idx="1"/>
+          </p:nvPr>
+        </p:nvSpPr>
+        <p:spPr/>
+        <p:txBody>
+          <a:bodyPr/>
+          <a:lstStyle/>
+          <a:p>
+            <a:pPr algn="ctr">
+              <a:buNone/>
+            </a:pPr>
+            <a:r>
               <a:rPr lang="en-US" dirty="0" smtClean="0"/>
-            </a:br>
+              <a:t>Narrative:</a:t>
+            </a:r>
+          </a:p>
+          <a:p>
+            <a:pPr algn="ctr">
+              <a:buNone/>
+            </a:pPr>
             <a:r>
               <a:rPr lang="en-US" dirty="0" smtClean="0"/>
-              <a:t>				Acceptance Criteria</a:t>
-            </a:r>
-            <a:endParaRPr lang="en-US" dirty="0"/>
-          </a:p>
-        </p:txBody>
-      </p:sp>
-      <p:sp>
-        <p:nvSpPr>
-          <p:cNvPr id="3" name="Content Placeholder 2"/>
-          <p:cNvSpPr>
-            <a:spLocks noGrp="1"/>
-          </p:cNvSpPr>
-          <p:nvPr>
-            <p:ph idx="1"/>
-          </p:nvPr>
-        </p:nvSpPr>
-        <p:spPr/>
-        <p:txBody>
-          <a:bodyPr>
-            <a:normAutofit/>
-          </a:bodyPr>
-          <a:lstStyle/>
-          <a:p>
-            <a:pPr>
+              <a:t>(Who) wants (what) so that (why)</a:t>
+            </a:r>
+          </a:p>
+          <a:p>
+            <a:pPr algn="ctr">
               <a:buNone/>
             </a:pPr>
-            <a:r>
-              <a:rPr lang="en-US" sz="2800" dirty="0" smtClean="0"/>
-              <a:t>Story: Users want to import music from a folder so that they can include their own music in the library.</a:t>
-            </a:r>
-          </a:p>
-          <a:p>
-            <a:pPr>
-              <a:buNone/>
-            </a:pPr>
-            <a:endParaRPr lang="en-US" sz="2800" dirty="0" smtClean="0"/>
-          </a:p>
-          <a:p>
-            <a:pPr>
-              <a:buNone/>
-            </a:pPr>
-            <a:r>
-              <a:rPr lang="en-US" sz="2800" i="1" dirty="0" smtClean="0"/>
-              <a:t>Given</a:t>
-            </a:r>
-            <a:r>
-              <a:rPr lang="en-US" sz="2800" dirty="0" smtClean="0"/>
-              <a:t> a user is on the "Library Folder" screen</a:t>
-            </a:r>
-          </a:p>
-          <a:p>
-            <a:r>
-              <a:rPr lang="en-US" sz="2800" i="1" dirty="0" smtClean="0"/>
-              <a:t>When</a:t>
-            </a:r>
-            <a:r>
-              <a:rPr lang="en-US" sz="2800" dirty="0" smtClean="0"/>
-              <a:t> the user clicks Add </a:t>
-            </a:r>
-            <a:r>
-              <a:rPr lang="en-US" sz="2800" i="1" dirty="0" smtClean="0"/>
-              <a:t>Then</a:t>
-            </a:r>
-            <a:r>
-              <a:rPr lang="en-US" sz="2800" dirty="0" smtClean="0"/>
-              <a:t> the Add Folder screen shows a radio option for "Search for Music”</a:t>
-            </a:r>
-          </a:p>
-          <a:p>
-            <a:r>
-              <a:rPr lang="en-US" sz="2800" i="1" dirty="0" smtClean="0"/>
-              <a:t>When</a:t>
-            </a:r>
-            <a:r>
-              <a:rPr lang="en-US" sz="2800" dirty="0" smtClean="0"/>
-              <a:t> the user saves a folder with "Search for Music" checked </a:t>
-            </a:r>
-            <a:r>
-              <a:rPr lang="en-US" sz="2800" i="1" dirty="0" smtClean="0"/>
-              <a:t>Then</a:t>
-            </a:r>
-            <a:r>
-              <a:rPr lang="en-US" sz="2800" dirty="0" smtClean="0"/>
-              <a:t> the folder is added to the list of folders.</a:t>
+            <a:endParaRPr lang="en-US" dirty="0" smtClean="0"/>
+          </a:p>
+          <a:p>
+            <a:r>
+              <a:rPr lang="en-US" dirty="0" smtClean="0"/>
+              <a:t>A story is a conversation starter, and gets more detailed over time</a:t>
             </a:r>
           </a:p>
         </p:txBody>
@@ -6377,14 +8927,19 @@
             <p:ph type="title"/>
           </p:nvPr>
         </p:nvSpPr>
-        <p:spPr/>
+        <p:spPr>
+          <a:xfrm>
+            <a:off x="508000" y="609600"/>
+            <a:ext cx="9144000" cy="1016000"/>
+          </a:xfrm>
+        </p:spPr>
         <p:txBody>
           <a:bodyPr/>
           <a:lstStyle/>
           <a:p>
             <a:r>
-              <a:rPr lang="en-US" smtClean="0"/>
-              <a:t>Story Points</a:t>
+              <a:rPr lang="en-US" dirty="0" smtClean="0"/>
+              <a:t>User Story Modeling</a:t>
             </a:r>
             <a:endParaRPr lang="en-US" dirty="0"/>
           </a:p>
@@ -6400,7 +8955,12 @@
             <p:ph idx="1"/>
           </p:nvPr>
         </p:nvSpPr>
-        <p:spPr/>
+        <p:spPr>
+          <a:xfrm>
+            <a:off x="4775200" y="2438400"/>
+            <a:ext cx="5181600" cy="4520848"/>
+          </a:xfrm>
+        </p:spPr>
         <p:txBody>
           <a:bodyPr>
             <a:normAutofit/>
@@ -6411,23 +8971,401 @@
               <a:buNone/>
             </a:pPr>
             <a:r>
-              <a:rPr lang="en-US" dirty="0" smtClean="0"/>
-              <a:t>… are an arbitrary unit of size/complexity that we use to estimate user stories in lieu of calendar time.</a:t>
+              <a:rPr lang="en-US" sz="2800" dirty="0" smtClean="0">
+                <a:solidFill>
+                  <a:srgbClr val="008000"/>
+                </a:solidFill>
+              </a:rPr>
+              <a:t>GOOD: </a:t>
             </a:r>
           </a:p>
           <a:p>
             <a:pPr>
               <a:buNone/>
             </a:pPr>
-            <a:endParaRPr lang="en-US" dirty="0" smtClean="0"/>
+            <a:r>
+              <a:rPr lang="en-US" sz="2800" dirty="0" smtClean="0">
+                <a:solidFill>
+                  <a:srgbClr val="008000"/>
+                </a:solidFill>
+              </a:rPr>
+              <a:t>Billing </a:t>
+            </a:r>
+            <a:r>
+              <a:rPr lang="en-US" sz="2800" b="1" dirty="0" smtClean="0">
+                <a:solidFill>
+                  <a:srgbClr val="008000"/>
+                </a:solidFill>
+              </a:rPr>
+              <a:t>wants</a:t>
+            </a:r>
+            <a:r>
+              <a:rPr lang="en-US" sz="2800" dirty="0" smtClean="0">
+                <a:solidFill>
+                  <a:srgbClr val="008000"/>
+                </a:solidFill>
+              </a:rPr>
+              <a:t> to </a:t>
+            </a:r>
+            <a:r>
+              <a:rPr lang="en-US" sz="2800" dirty="0" smtClean="0">
+                <a:solidFill>
+                  <a:srgbClr val="008000"/>
+                </a:solidFill>
+              </a:rPr>
+              <a:t>see a summary page of all unpaid accounts, </a:t>
+            </a:r>
+            <a:r>
+              <a:rPr lang="en-US" sz="2800" b="1" dirty="0" smtClean="0">
+                <a:solidFill>
+                  <a:srgbClr val="008000"/>
+                </a:solidFill>
+              </a:rPr>
+              <a:t>so that</a:t>
+            </a:r>
+            <a:r>
+              <a:rPr lang="en-US" sz="2800" dirty="0" smtClean="0">
+                <a:solidFill>
+                  <a:srgbClr val="008000"/>
+                </a:solidFill>
+              </a:rPr>
+              <a:t> they can collect payments.</a:t>
+            </a:r>
           </a:p>
           <a:p>
             <a:pPr>
               <a:buNone/>
             </a:pPr>
             <a:r>
-              <a:rPr lang="en-US" dirty="0" smtClean="0"/>
-              <a:t>An alternative unit: Ideal Days</a:t>
+              <a:rPr lang="en-US" sz="2800" dirty="0" smtClean="0">
+                <a:solidFill>
+                  <a:srgbClr val="FF0000"/>
+                </a:solidFill>
+              </a:rPr>
+              <a:t>BAD: </a:t>
+            </a:r>
+          </a:p>
+          <a:p>
+            <a:pPr>
+              <a:buNone/>
+            </a:pPr>
+            <a:r>
+              <a:rPr lang="en-US" sz="2800" dirty="0">
+                <a:solidFill>
+                  <a:srgbClr val="FF0000"/>
+                </a:solidFill>
+              </a:rPr>
+              <a:t>Users want rounded corners on the search button.</a:t>
+            </a:r>
+          </a:p>
+          <a:p>
+            <a:pPr>
+              <a:buNone/>
+            </a:pPr>
+            <a:r>
+              <a:rPr lang="en-US" sz="2800" dirty="0" smtClean="0">
+                <a:solidFill>
+                  <a:srgbClr val="FF0000"/>
+                </a:solidFill>
+              </a:rPr>
+              <a:t>Our </a:t>
+            </a:r>
+            <a:r>
+              <a:rPr lang="en-US" sz="2800" dirty="0" smtClean="0">
+                <a:solidFill>
+                  <a:srgbClr val="FF0000"/>
+                </a:solidFill>
+              </a:rPr>
+              <a:t>company wants a new website to increase sales</a:t>
+            </a:r>
+            <a:r>
+              <a:rPr lang="en-US" sz="2800" dirty="0" smtClean="0">
+                <a:solidFill>
+                  <a:srgbClr val="FF0000"/>
+                </a:solidFill>
+              </a:rPr>
+              <a:t>.</a:t>
+            </a:r>
+            <a:endParaRPr lang="en-US" sz="2800" dirty="0" smtClean="0">
+              <a:solidFill>
+                <a:srgbClr val="FF0000"/>
+              </a:solidFill>
+            </a:endParaRPr>
+          </a:p>
+        </p:txBody>
+      </p:sp>
+      <p:sp>
+        <p:nvSpPr>
+          <p:cNvPr id="4" name="Content Placeholder 2"/>
+          <p:cNvSpPr txBox="1">
+            <a:spLocks/>
+          </p:cNvSpPr>
+          <p:nvPr/>
+        </p:nvSpPr>
+        <p:spPr>
+          <a:xfrm>
+            <a:off x="660400" y="2438400"/>
+            <a:ext cx="3886200" cy="4520848"/>
+          </a:xfrm>
+          <a:prstGeom prst="rect">
+            <a:avLst/>
+          </a:prstGeom>
+        </p:spPr>
+        <p:txBody>
+          <a:bodyPr vert="horz" lIns="101599" tIns="50799" rIns="101599" bIns="50799" rtlCol="0">
+            <a:normAutofit lnSpcReduction="10000"/>
+          </a:bodyPr>
+          <a:lstStyle/>
+          <a:p>
+            <a:pPr marL="380996" marR="0" lvl="0" indent="-380996" algn="l" defTabSz="1015990" rtl="0" eaLnBrk="1" fontAlgn="auto" latinLnBrk="0" hangingPunct="1">
+              <a:lnSpc>
+                <a:spcPct val="100000"/>
+              </a:lnSpc>
+              <a:spcBef>
+                <a:spcPct val="20000"/>
+              </a:spcBef>
+              <a:spcAft>
+                <a:spcPts val="0"/>
+              </a:spcAft>
+              <a:buClrTx/>
+              <a:buSzTx/>
+              <a:buFont typeface="Arial" pitchFamily="34" charset="0"/>
+              <a:buNone/>
+              <a:tabLst/>
+              <a:defRPr/>
+            </a:pPr>
+            <a:r>
+              <a:rPr kumimoji="0" lang="en-US" sz="3600" b="0" i="0" u="none" strike="noStrike" kern="1200" cap="none" spc="0" normalizeH="0" baseline="0" noProof="0" dirty="0" smtClean="0">
+                <a:ln>
+                  <a:noFill/>
+                </a:ln>
+                <a:solidFill>
+                  <a:srgbClr val="FA7305"/>
+                </a:solidFill>
+                <a:effectLst/>
+                <a:uLnTx/>
+                <a:uFillTx/>
+                <a:latin typeface="+mn-lt"/>
+                <a:ea typeface="+mn-ea"/>
+                <a:cs typeface="+mn-cs"/>
+              </a:rPr>
+              <a:t>Good stories satisfy INVEST:</a:t>
+            </a:r>
+          </a:p>
+          <a:p>
+            <a:pPr marL="825492" marR="0" lvl="1" indent="-317497" algn="l" defTabSz="1015990" rtl="0" eaLnBrk="1" fontAlgn="auto" latinLnBrk="0" hangingPunct="1">
+              <a:lnSpc>
+                <a:spcPct val="100000"/>
+              </a:lnSpc>
+              <a:spcBef>
+                <a:spcPct val="20000"/>
+              </a:spcBef>
+              <a:spcAft>
+                <a:spcPts val="0"/>
+              </a:spcAft>
+              <a:buClrTx/>
+              <a:buSzTx/>
+              <a:buFont typeface="Arial" pitchFamily="34" charset="0"/>
+              <a:buChar char="–"/>
+              <a:tabLst/>
+              <a:defRPr/>
+            </a:pPr>
+            <a:r>
+              <a:rPr kumimoji="0" lang="en-US" sz="3100" b="0" i="0" u="none" strike="noStrike" kern="1200" cap="none" spc="0" normalizeH="0" baseline="0" noProof="0" dirty="0" smtClean="0">
+                <a:ln>
+                  <a:noFill/>
+                </a:ln>
+                <a:solidFill>
+                  <a:srgbClr val="FA7305"/>
+                </a:solidFill>
+                <a:effectLst/>
+                <a:uLnTx/>
+                <a:uFillTx/>
+                <a:latin typeface="+mn-lt"/>
+                <a:ea typeface="+mn-ea"/>
+                <a:cs typeface="+mn-cs"/>
+              </a:rPr>
+              <a:t>Independent</a:t>
+            </a:r>
+          </a:p>
+          <a:p>
+            <a:pPr marL="825492" marR="0" lvl="1" indent="-317497" algn="l" defTabSz="1015990" rtl="0" eaLnBrk="1" fontAlgn="auto" latinLnBrk="0" hangingPunct="1">
+              <a:lnSpc>
+                <a:spcPct val="100000"/>
+              </a:lnSpc>
+              <a:spcBef>
+                <a:spcPct val="20000"/>
+              </a:spcBef>
+              <a:spcAft>
+                <a:spcPts val="0"/>
+              </a:spcAft>
+              <a:buClrTx/>
+              <a:buSzTx/>
+              <a:buFont typeface="Arial" pitchFamily="34" charset="0"/>
+              <a:buChar char="–"/>
+              <a:tabLst/>
+              <a:defRPr/>
+            </a:pPr>
+            <a:r>
+              <a:rPr kumimoji="0" lang="en-US" sz="3100" b="0" i="0" u="none" strike="noStrike" kern="1200" cap="none" spc="0" normalizeH="0" baseline="0" noProof="0" dirty="0" smtClean="0">
+                <a:ln>
+                  <a:noFill/>
+                </a:ln>
+                <a:solidFill>
+                  <a:srgbClr val="FA7305"/>
+                </a:solidFill>
+                <a:effectLst/>
+                <a:uLnTx/>
+                <a:uFillTx/>
+                <a:latin typeface="+mn-lt"/>
+                <a:ea typeface="+mn-ea"/>
+                <a:cs typeface="+mn-cs"/>
+              </a:rPr>
+              <a:t>Negotiable</a:t>
+            </a:r>
+          </a:p>
+          <a:p>
+            <a:pPr marL="825492" marR="0" lvl="1" indent="-317497" algn="l" defTabSz="1015990" rtl="0" eaLnBrk="1" fontAlgn="auto" latinLnBrk="0" hangingPunct="1">
+              <a:lnSpc>
+                <a:spcPct val="100000"/>
+              </a:lnSpc>
+              <a:spcBef>
+                <a:spcPct val="20000"/>
+              </a:spcBef>
+              <a:spcAft>
+                <a:spcPts val="0"/>
+              </a:spcAft>
+              <a:buClrTx/>
+              <a:buSzTx/>
+              <a:buFont typeface="Arial" pitchFamily="34" charset="0"/>
+              <a:buChar char="–"/>
+              <a:tabLst/>
+              <a:defRPr/>
+            </a:pPr>
+            <a:r>
+              <a:rPr kumimoji="0" lang="en-US" sz="3100" b="0" i="0" u="none" strike="noStrike" kern="1200" cap="none" spc="0" normalizeH="0" baseline="0" noProof="0" dirty="0" smtClean="0">
+                <a:ln>
+                  <a:noFill/>
+                </a:ln>
+                <a:solidFill>
+                  <a:srgbClr val="FA7305"/>
+                </a:solidFill>
+                <a:effectLst/>
+                <a:uLnTx/>
+                <a:uFillTx/>
+                <a:latin typeface="+mn-lt"/>
+                <a:ea typeface="+mn-ea"/>
+                <a:cs typeface="+mn-cs"/>
+              </a:rPr>
+              <a:t>Valuable</a:t>
+            </a:r>
+          </a:p>
+          <a:p>
+            <a:pPr marL="825492" marR="0" lvl="1" indent="-317497" algn="l" defTabSz="1015990" rtl="0" eaLnBrk="1" fontAlgn="auto" latinLnBrk="0" hangingPunct="1">
+              <a:lnSpc>
+                <a:spcPct val="100000"/>
+              </a:lnSpc>
+              <a:spcBef>
+                <a:spcPct val="20000"/>
+              </a:spcBef>
+              <a:spcAft>
+                <a:spcPts val="0"/>
+              </a:spcAft>
+              <a:buClrTx/>
+              <a:buSzTx/>
+              <a:buFont typeface="Arial" pitchFamily="34" charset="0"/>
+              <a:buChar char="–"/>
+              <a:tabLst/>
+              <a:defRPr/>
+            </a:pPr>
+            <a:r>
+              <a:rPr kumimoji="0" lang="en-US" sz="3100" b="0" i="0" u="none" strike="noStrike" kern="1200" cap="none" spc="0" normalizeH="0" baseline="0" noProof="0" dirty="0" smtClean="0">
+                <a:ln>
+                  <a:noFill/>
+                </a:ln>
+                <a:solidFill>
+                  <a:srgbClr val="FA7305"/>
+                </a:solidFill>
+                <a:effectLst/>
+                <a:uLnTx/>
+                <a:uFillTx/>
+                <a:latin typeface="+mn-lt"/>
+                <a:ea typeface="+mn-ea"/>
+                <a:cs typeface="+mn-cs"/>
+              </a:rPr>
+              <a:t>Estimable</a:t>
+            </a:r>
+          </a:p>
+          <a:p>
+            <a:pPr marL="825492" marR="0" lvl="1" indent="-317497" algn="l" defTabSz="1015990" rtl="0" eaLnBrk="1" fontAlgn="auto" latinLnBrk="0" hangingPunct="1">
+              <a:lnSpc>
+                <a:spcPct val="100000"/>
+              </a:lnSpc>
+              <a:spcBef>
+                <a:spcPct val="20000"/>
+              </a:spcBef>
+              <a:spcAft>
+                <a:spcPts val="0"/>
+              </a:spcAft>
+              <a:buClrTx/>
+              <a:buSzTx/>
+              <a:buFont typeface="Arial" pitchFamily="34" charset="0"/>
+              <a:buChar char="–"/>
+              <a:tabLst/>
+              <a:defRPr/>
+            </a:pPr>
+            <a:r>
+              <a:rPr kumimoji="0" lang="en-US" sz="3100" b="0" i="0" u="none" strike="noStrike" kern="1200" cap="none" spc="0" normalizeH="0" baseline="0" noProof="0" dirty="0" smtClean="0">
+                <a:ln>
+                  <a:noFill/>
+                </a:ln>
+                <a:solidFill>
+                  <a:srgbClr val="FA7305"/>
+                </a:solidFill>
+                <a:effectLst/>
+                <a:uLnTx/>
+                <a:uFillTx/>
+                <a:latin typeface="+mn-lt"/>
+                <a:ea typeface="+mn-ea"/>
+                <a:cs typeface="+mn-cs"/>
+              </a:rPr>
+              <a:t>Small</a:t>
+            </a:r>
+          </a:p>
+          <a:p>
+            <a:pPr marL="825492" marR="0" lvl="1" indent="-317497" algn="l" defTabSz="1015990" rtl="0" eaLnBrk="1" fontAlgn="auto" latinLnBrk="0" hangingPunct="1">
+              <a:lnSpc>
+                <a:spcPct val="100000"/>
+              </a:lnSpc>
+              <a:spcBef>
+                <a:spcPct val="20000"/>
+              </a:spcBef>
+              <a:spcAft>
+                <a:spcPts val="0"/>
+              </a:spcAft>
+              <a:buClrTx/>
+              <a:buSzTx/>
+              <a:buFont typeface="Arial" pitchFamily="34" charset="0"/>
+              <a:buChar char="–"/>
+              <a:tabLst/>
+              <a:defRPr/>
+            </a:pPr>
+            <a:r>
+              <a:rPr kumimoji="0" lang="en-US" sz="3100" b="0" i="0" u="none" strike="noStrike" kern="1200" cap="none" spc="0" normalizeH="0" baseline="0" noProof="0" dirty="0" smtClean="0">
+                <a:ln>
+                  <a:noFill/>
+                </a:ln>
+                <a:solidFill>
+                  <a:srgbClr val="FA7305"/>
+                </a:solidFill>
+                <a:effectLst/>
+                <a:uLnTx/>
+                <a:uFillTx/>
+                <a:latin typeface="+mn-lt"/>
+                <a:ea typeface="+mn-ea"/>
+                <a:cs typeface="+mn-cs"/>
+              </a:rPr>
+              <a:t>Testable</a:t>
             </a:r>
           </a:p>
         </p:txBody>
@@ -6484,12 +9422,21 @@
           </a:xfrm>
         </p:spPr>
         <p:txBody>
-          <a:bodyPr/>
+          <a:bodyPr>
+            <a:normAutofit fontScale="90000"/>
+          </a:bodyPr>
           <a:lstStyle/>
           <a:p>
             <a:r>
               <a:rPr lang="en-US" dirty="0" smtClean="0"/>
-              <a:t>Planning Poker - Preparation</a:t>
+              <a:t>User Story Modeling: </a:t>
+            </a:r>
+            <a:br>
+              <a:rPr lang="en-US" dirty="0" smtClean="0"/>
+            </a:br>
+            <a:r>
+              <a:rPr lang="en-US" dirty="0" smtClean="0"/>
+              <a:t>				Acceptance Criteria</a:t>
             </a:r>
             <a:endParaRPr lang="en-US" dirty="0"/>
           </a:p>
@@ -6512,62 +9459,68 @@
           </a:bodyPr>
           <a:lstStyle/>
           <a:p>
-            <a:r>
-              <a:rPr lang="en-US" dirty="0" smtClean="0"/>
-              <a:t>After all the stories are written, </a:t>
-            </a:r>
-            <a:r>
-              <a:rPr lang="en-US" i="1" dirty="0" smtClean="0"/>
-              <a:t>prioritize</a:t>
-            </a:r>
-            <a:r>
-              <a:rPr lang="en-US" dirty="0" smtClean="0"/>
-              <a:t>!  We will estimate the high priority stories first.</a:t>
-            </a:r>
-          </a:p>
-          <a:p>
-            <a:r>
-              <a:rPr lang="en-US" dirty="0" smtClean="0"/>
-              <a:t>Pick a scale</a:t>
-            </a:r>
-          </a:p>
-          <a:p>
-            <a:pPr lvl="1"/>
-            <a:r>
-              <a:rPr lang="en-US" dirty="0" smtClean="0"/>
-              <a:t>Examples: Fibonacci sequence or Powers of 2</a:t>
-            </a:r>
-          </a:p>
-          <a:p>
-            <a:r>
-              <a:rPr lang="en-US" dirty="0" smtClean="0"/>
-              <a:t>Pick a baseline story to set the unit size</a:t>
-            </a:r>
-          </a:p>
-          <a:p>
-            <a:pPr lvl="1"/>
-            <a:r>
-              <a:rPr lang="en-US" dirty="0" smtClean="0"/>
-              <a:t>Make the smallest story 1 unit OR</a:t>
-            </a:r>
-          </a:p>
-          <a:p>
-            <a:pPr lvl="1"/>
-            <a:r>
-              <a:rPr lang="en-US" dirty="0" smtClean="0"/>
-              <a:t>Choose a midsize story</a:t>
-            </a:r>
-          </a:p>
-          <a:p>
-            <a:endParaRPr lang="en-US" dirty="0" smtClean="0"/>
-          </a:p>
-          <a:p>
-            <a:pPr lvl="1"/>
-            <a:endParaRPr lang="en-US" dirty="0" smtClean="0"/>
-          </a:p>
-          <a:p>
-            <a:pPr lvl="2"/>
-            <a:endParaRPr lang="en-US" dirty="0"/>
+            <a:pPr>
+              <a:buNone/>
+            </a:pPr>
+            <a:r>
+              <a:rPr lang="en-US" sz="2800" dirty="0" smtClean="0"/>
+              <a:t>Story: Users want to import music from a folder so that they can include their own music in the library.</a:t>
+            </a:r>
+          </a:p>
+          <a:p>
+            <a:pPr>
+              <a:buNone/>
+            </a:pPr>
+            <a:endParaRPr lang="en-US" sz="2800" dirty="0" smtClean="0"/>
+          </a:p>
+          <a:p>
+            <a:pPr>
+              <a:buNone/>
+            </a:pPr>
+            <a:r>
+              <a:rPr lang="en-US" sz="2800" i="1" dirty="0" smtClean="0"/>
+              <a:t>Given</a:t>
+            </a:r>
+            <a:r>
+              <a:rPr lang="en-US" sz="2800" dirty="0" smtClean="0"/>
+              <a:t> a user is on the "Library Folder" screen</a:t>
+            </a:r>
+          </a:p>
+          <a:p>
+            <a:r>
+              <a:rPr lang="en-US" sz="2800" i="1" dirty="0" smtClean="0"/>
+              <a:t>When</a:t>
+            </a:r>
+            <a:r>
+              <a:rPr lang="en-US" sz="2800" dirty="0" smtClean="0"/>
+              <a:t> the user clicks Add </a:t>
+            </a:r>
+            <a:r>
+              <a:rPr lang="en-US" sz="2800" i="1" dirty="0" smtClean="0"/>
+              <a:t>Then</a:t>
+            </a:r>
+            <a:r>
+              <a:rPr lang="en-US" sz="2800" dirty="0" smtClean="0"/>
+              <a:t> the Add Folder screen shows a radio option for "Search for Music”</a:t>
+            </a:r>
+          </a:p>
+          <a:p>
+            <a:r>
+              <a:rPr lang="en-US" sz="2800" i="1" dirty="0" smtClean="0"/>
+              <a:t>When</a:t>
+            </a:r>
+            <a:r>
+              <a:rPr lang="en-US" sz="2800" dirty="0" smtClean="0"/>
+              <a:t> the user saves a folder with "Search for Music" checked </a:t>
+            </a:r>
+            <a:r>
+              <a:rPr lang="en-US" sz="2800" i="1" dirty="0" smtClean="0"/>
+              <a:t>Then</a:t>
+            </a:r>
+            <a:r>
+              <a:rPr lang="en-US" sz="2800" dirty="0" smtClean="0"/>
+              <a:t> the folder is added to the list of folders.</a:t>
+            </a:r>
           </a:p>
         </p:txBody>
       </p:sp>
@@ -6616,181 +9569,58 @@
             <p:ph type="title"/>
           </p:nvPr>
         </p:nvSpPr>
-        <p:spPr>
-          <a:xfrm>
-            <a:off x="508000" y="609600"/>
-            <a:ext cx="9144000" cy="1016000"/>
-          </a:xfrm>
-        </p:spPr>
+        <p:spPr/>
         <p:txBody>
           <a:bodyPr/>
           <a:lstStyle/>
           <a:p>
             <a:r>
+              <a:rPr lang="en-US" smtClean="0"/>
+              <a:t>Story Points</a:t>
+            </a:r>
+            <a:endParaRPr lang="en-US" dirty="0"/>
+          </a:p>
+        </p:txBody>
+      </p:sp>
+      <p:sp>
+        <p:nvSpPr>
+          <p:cNvPr id="3" name="Content Placeholder 2"/>
+          <p:cNvSpPr>
+            <a:spLocks noGrp="1"/>
+          </p:cNvSpPr>
+          <p:nvPr>
+            <p:ph idx="1"/>
+          </p:nvPr>
+        </p:nvSpPr>
+        <p:spPr/>
+        <p:txBody>
+          <a:bodyPr>
+            <a:normAutofit/>
+          </a:bodyPr>
+          <a:lstStyle/>
+          <a:p>
+            <a:pPr>
+              <a:buNone/>
+            </a:pPr>
+            <a:r>
               <a:rPr lang="en-US" dirty="0" smtClean="0"/>
-              <a:t>Planning Poker - </a:t>
-            </a:r>
-            <a:r>
-              <a:rPr lang="en-US" dirty="0" err="1" smtClean="0"/>
-              <a:t>Gameplay</a:t>
-            </a:r>
-            <a:endParaRPr lang="en-US" dirty="0"/>
-          </a:p>
-        </p:txBody>
-      </p:sp>
-      <p:sp>
-        <p:nvSpPr>
-          <p:cNvPr id="3" name="Content Placeholder 2"/>
-          <p:cNvSpPr>
-            <a:spLocks noGrp="1"/>
-          </p:cNvSpPr>
-          <p:nvPr>
-            <p:ph idx="1"/>
-          </p:nvPr>
-        </p:nvSpPr>
-        <p:spPr/>
-        <p:txBody>
-          <a:bodyPr>
-            <a:normAutofit fontScale="92500" lnSpcReduction="10000"/>
-          </a:bodyPr>
-          <a:lstStyle/>
-          <a:p>
-            <a:pPr marL="742950" indent="-742950">
-              <a:buFont typeface="+mj-lt"/>
-              <a:buAutoNum type="arabicPeriod"/>
+              <a:t>… are an arbitrary unit of size/complexity that we use to estimate user stories in lieu of calendar time.</a:t>
+            </a:r>
+          </a:p>
+          <a:p>
+            <a:pPr>
+              <a:buNone/>
             </a:pPr>
-            <a:r>
-              <a:rPr lang="en-US" sz="3200" dirty="0" smtClean="0"/>
-              <a:t>Have the story owner give a </a:t>
-            </a:r>
-            <a:r>
-              <a:rPr lang="en-US" sz="3200" i="1" dirty="0" smtClean="0"/>
-              <a:t>brief</a:t>
-            </a:r>
-            <a:r>
-              <a:rPr lang="en-US" sz="3200" dirty="0" smtClean="0"/>
-              <a:t> overview (1 min)</a:t>
-            </a:r>
-          </a:p>
-          <a:p>
-            <a:pPr marL="742950" indent="-742950">
-              <a:buFont typeface="+mj-lt"/>
-              <a:buAutoNum type="arabicPeriod"/>
+            <a:endParaRPr lang="en-US" dirty="0" smtClean="0"/>
+          </a:p>
+          <a:p>
+            <a:pPr>
+              <a:buNone/>
             </a:pPr>
             <a:r>
-              <a:rPr lang="en-US" sz="3200" dirty="0" smtClean="0"/>
-              <a:t>Everyone chooses </a:t>
-            </a:r>
-            <a:r>
-              <a:rPr lang="en-US" sz="3200" i="1" dirty="0" smtClean="0"/>
-              <a:t>one</a:t>
-            </a:r>
-            <a:r>
-              <a:rPr lang="en-US" sz="3200" dirty="0" smtClean="0"/>
-              <a:t> estimate (KEEP IT SECRET)</a:t>
-            </a:r>
-          </a:p>
-          <a:p>
-            <a:pPr marL="742950" indent="-742950">
-              <a:buFont typeface="+mj-lt"/>
-              <a:buAutoNum type="arabicPeriod"/>
-            </a:pPr>
-            <a:r>
-              <a:rPr lang="en-US" sz="3200" dirty="0" smtClean="0"/>
-              <a:t>On the count of 3, we reveal our estimates!</a:t>
-            </a:r>
-          </a:p>
-          <a:p>
-            <a:pPr marL="742950" indent="-742950">
-              <a:buFont typeface="+mj-lt"/>
-              <a:buAutoNum type="arabicPeriod"/>
-            </a:pPr>
-            <a:r>
-              <a:rPr lang="en-US" sz="3200" dirty="0" smtClean="0"/>
-              <a:t>Do we agree?</a:t>
-            </a:r>
-          </a:p>
-          <a:p>
-            <a:pPr marL="742950" indent="-742950">
-              <a:buNone/>
-            </a:pPr>
-            <a:r>
-              <a:rPr lang="en-US" sz="3200" dirty="0" smtClean="0"/>
-              <a:t>	</a:t>
-            </a:r>
-            <a:r>
-              <a:rPr lang="en-US" sz="3200" dirty="0" smtClean="0">
-                <a:solidFill>
-                  <a:schemeClr val="accent3"/>
-                </a:solidFill>
-              </a:rPr>
-              <a:t>YES </a:t>
-            </a:r>
-            <a:r>
-              <a:rPr lang="en-US" sz="3200" dirty="0" smtClean="0"/>
-              <a:t>– We’re done!  Move on to the next story.</a:t>
-            </a:r>
-          </a:p>
-          <a:p>
-            <a:pPr marL="742950" indent="-742950">
-              <a:buNone/>
-            </a:pPr>
-            <a:r>
-              <a:rPr lang="en-US" sz="3200" dirty="0" smtClean="0"/>
-              <a:t>	</a:t>
-            </a:r>
-            <a:r>
-              <a:rPr lang="en-US" sz="3200" dirty="0" smtClean="0">
-                <a:solidFill>
-                  <a:schemeClr val="accent2"/>
-                </a:solidFill>
-              </a:rPr>
-              <a:t>NO </a:t>
-            </a:r>
-            <a:r>
-              <a:rPr lang="en-US" sz="3200" dirty="0" smtClean="0"/>
-              <a:t>– </a:t>
-            </a:r>
-            <a:r>
-              <a:rPr lang="en-US" sz="3243" dirty="0" smtClean="0"/>
-              <a:t>The high and low outliers defend their positions in a </a:t>
-            </a:r>
-            <a:r>
-              <a:rPr lang="en-US" sz="3243" i="1" dirty="0" smtClean="0"/>
-              <a:t>short</a:t>
-            </a:r>
-            <a:r>
-              <a:rPr lang="en-US" sz="3243" dirty="0" smtClean="0"/>
-              <a:t> open discussion</a:t>
-            </a:r>
-          </a:p>
-          <a:p>
-            <a:pPr marL="1631941" lvl="2" indent="-742950">
-              <a:buFont typeface="+mj-lt"/>
-              <a:buAutoNum type="arabicPeriod"/>
-            </a:pPr>
-            <a:r>
-              <a:rPr lang="en-US" sz="2800" dirty="0" smtClean="0"/>
-              <a:t>Record any assumptions we need to make</a:t>
-            </a:r>
-          </a:p>
-          <a:p>
-            <a:pPr marL="1631941" lvl="2" indent="-742950">
-              <a:buFont typeface="+mj-lt"/>
-              <a:buAutoNum type="arabicPeriod"/>
-            </a:pPr>
-            <a:r>
-              <a:rPr lang="en-US" sz="2800" dirty="0" smtClean="0"/>
-              <a:t>Repeat steps 2 - 4 until we (mostly) agree</a:t>
-            </a:r>
-          </a:p>
-          <a:p>
-            <a:pPr lvl="1"/>
-            <a:endParaRPr lang="en-US" dirty="0" smtClean="0"/>
-          </a:p>
-          <a:p>
-            <a:pPr lvl="2"/>
-            <a:endParaRPr lang="en-US" dirty="0"/>
+              <a:rPr lang="en-US" dirty="0" smtClean="0"/>
+              <a:t>An alternative unit: Ideal Days</a:t>
+            </a:r>
           </a:p>
         </p:txBody>
       </p:sp>
@@ -6839,14 +9669,19 @@
             <p:ph type="title"/>
           </p:nvPr>
         </p:nvSpPr>
-        <p:spPr/>
+        <p:spPr>
+          <a:xfrm>
+            <a:off x="508000" y="609600"/>
+            <a:ext cx="9144000" cy="1016000"/>
+          </a:xfrm>
+        </p:spPr>
         <p:txBody>
           <a:bodyPr/>
           <a:lstStyle/>
           <a:p>
             <a:r>
               <a:rPr lang="en-US" dirty="0" smtClean="0"/>
-              <a:t>Story Backlog</a:t>
+              <a:t>Planning Poker - Preparation</a:t>
             </a:r>
             <a:endParaRPr lang="en-US" dirty="0"/>
           </a:p>
@@ -6864,25 +9699,67 @@
         </p:nvSpPr>
         <p:spPr/>
         <p:txBody>
-          <a:bodyPr/>
+          <a:bodyPr>
+            <a:normAutofit/>
+          </a:bodyPr>
           <a:lstStyle/>
           <a:p>
             <a:r>
               <a:rPr lang="en-US" dirty="0" smtClean="0"/>
-              <a:t>This is just a bucket for all your stories</a:t>
-            </a:r>
-          </a:p>
-          <a:p>
+              <a:t>After all the stories are written, </a:t>
+            </a:r>
+            <a:r>
+              <a:rPr lang="en-US" i="1" dirty="0" smtClean="0"/>
+              <a:t>prioritize</a:t>
+            </a:r>
             <a:r>
               <a:rPr lang="en-US" dirty="0" smtClean="0"/>
-              <a:t>Keep it prioritized and organized!</a:t>
+              <a:t>!  We will estimate the high priority stories first.</a:t>
             </a:r>
           </a:p>
           <a:p>
             <a:r>
               <a:rPr lang="en-US" dirty="0" smtClean="0"/>
-              <a:t>Pull estimated stories off this list to create an iteration plan</a:t>
-            </a:r>
+              <a:t>Pick a scale</a:t>
+            </a:r>
+          </a:p>
+          <a:p>
+            <a:pPr lvl="1"/>
+            <a:r>
+              <a:rPr lang="en-US" dirty="0" smtClean="0"/>
+              <a:t>Examples: Fibonacci sequence or Powers of 2</a:t>
+            </a:r>
+          </a:p>
+          <a:p>
+            <a:r>
+              <a:rPr lang="en-US" dirty="0" smtClean="0"/>
+              <a:t>Pick a baseline story to set the unit size</a:t>
+            </a:r>
+          </a:p>
+          <a:p>
+            <a:pPr lvl="1"/>
+            <a:r>
+              <a:rPr lang="en-US" dirty="0" smtClean="0"/>
+              <a:t>Make the smallest story 1 unit OR</a:t>
+            </a:r>
+          </a:p>
+          <a:p>
+            <a:pPr lvl="1"/>
+            <a:r>
+              <a:rPr lang="en-US" dirty="0" smtClean="0"/>
+              <a:t>Choose a midsize story</a:t>
+            </a:r>
+          </a:p>
+          <a:p>
+            <a:endParaRPr lang="en-US" dirty="0" smtClean="0"/>
+          </a:p>
+          <a:p>
+            <a:pPr lvl="1"/>
+            <a:endParaRPr lang="en-US" dirty="0" smtClean="0"/>
+          </a:p>
+          <a:p>
+            <a:pPr lvl="2"/>
+            <a:endParaRPr lang="en-US" dirty="0"/>
           </a:p>
         </p:txBody>
       </p:sp>
@@ -6931,14 +9808,23 @@
             <p:ph type="title"/>
           </p:nvPr>
         </p:nvSpPr>
-        <p:spPr/>
+        <p:spPr>
+          <a:xfrm>
+            <a:off x="508000" y="609600"/>
+            <a:ext cx="9144000" cy="1016000"/>
+          </a:xfrm>
+        </p:spPr>
         <p:txBody>
           <a:bodyPr/>
           <a:lstStyle/>
           <a:p>
             <a:r>
               <a:rPr lang="en-US" dirty="0" smtClean="0"/>
-              <a:t>Iteration Plan</a:t>
+              <a:t>Planning Poker - </a:t>
+            </a:r>
+            <a:r>
+              <a:rPr lang="en-US" dirty="0" err="1" smtClean="0"/>
+              <a:t>Gameplay</a:t>
             </a:r>
             <a:endParaRPr lang="en-US" dirty="0"/>
           </a:p>
@@ -6957,59 +9843,146 @@
         <p:spPr/>
         <p:txBody>
           <a:bodyPr>
-            <a:normAutofit/>
+            <a:normAutofit fontScale="92500" lnSpcReduction="10000"/>
           </a:bodyPr>
           <a:lstStyle/>
           <a:p>
-            <a:r>
-              <a:rPr lang="en-US" dirty="0" smtClean="0"/>
-              <a:t>Usually 2-4 weeks</a:t>
-            </a:r>
-          </a:p>
-          <a:p>
-            <a:r>
-              <a:rPr lang="en-US" dirty="0" smtClean="0"/>
-              <a:t>Do high risk / high priority work first</a:t>
-            </a:r>
-          </a:p>
-          <a:p>
-            <a:r>
-              <a:rPr lang="en-US" dirty="0" smtClean="0"/>
-              <a:t>How much can you do in one iteration?</a:t>
-            </a:r>
-          </a:p>
-          <a:p>
-            <a:pPr lvl="1"/>
-            <a:r>
-              <a:rPr lang="en-US" dirty="0" smtClean="0"/>
-              <a:t>Make sure everyone can be kept busy</a:t>
-            </a:r>
-          </a:p>
-          <a:p>
-            <a:pPr lvl="1"/>
-            <a:r>
-              <a:rPr lang="en-US" dirty="0" smtClean="0"/>
-              <a:t>Compare with previous work, if possible</a:t>
-            </a:r>
-          </a:p>
-          <a:p>
-            <a:pPr lvl="1"/>
-            <a:r>
-              <a:rPr lang="en-US" dirty="0" smtClean="0"/>
-              <a:t>If not, </a:t>
-            </a:r>
-            <a:r>
-              <a:rPr lang="en-US" i="1" dirty="0" smtClean="0"/>
-              <a:t>guess</a:t>
-            </a:r>
-            <a:r>
-              <a:rPr lang="en-US" dirty="0" smtClean="0"/>
-              <a:t>, it’s OK to be wrong!</a:t>
+            <a:pPr marL="742950" indent="-742950">
+              <a:buFont typeface="+mj-lt"/>
+              <a:buAutoNum type="arabicPeriod"/>
+            </a:pPr>
+            <a:r>
+              <a:rPr lang="en-US" sz="3200" dirty="0" smtClean="0"/>
+              <a:t>Have the story owner give a </a:t>
+            </a:r>
+            <a:r>
+              <a:rPr lang="en-US" sz="3200" i="1" dirty="0" smtClean="0"/>
+              <a:t>brief</a:t>
+            </a:r>
+            <a:r>
+              <a:rPr lang="en-US" sz="3200" dirty="0" smtClean="0"/>
+              <a:t> overview (1 min)</a:t>
+            </a:r>
+          </a:p>
+          <a:p>
+            <a:pPr marL="742950" indent="-742950">
+              <a:buFont typeface="+mj-lt"/>
+              <a:buAutoNum type="arabicPeriod"/>
+            </a:pPr>
+            <a:r>
+              <a:rPr lang="en-US" sz="3200" dirty="0" smtClean="0"/>
+              <a:t>Everyone chooses </a:t>
+            </a:r>
+            <a:r>
+              <a:rPr lang="en-US" sz="3200" i="1" dirty="0" smtClean="0"/>
+              <a:t>one</a:t>
+            </a:r>
+            <a:r>
+              <a:rPr lang="en-US" sz="3200" dirty="0" smtClean="0"/>
+              <a:t> estimate (KEEP IT SECRET)</a:t>
+            </a:r>
+          </a:p>
+          <a:p>
+            <a:pPr marL="742950" indent="-742950">
+              <a:buFont typeface="+mj-lt"/>
+              <a:buAutoNum type="arabicPeriod"/>
+            </a:pPr>
+            <a:r>
+              <a:rPr lang="en-US" sz="3200" dirty="0" smtClean="0"/>
+              <a:t>On the count of 3, we reveal our estimates!</a:t>
+            </a:r>
+          </a:p>
+          <a:p>
+            <a:pPr marL="742950" indent="-742950">
+              <a:buFont typeface="+mj-lt"/>
+              <a:buAutoNum type="arabicPeriod"/>
+            </a:pPr>
+            <a:r>
+              <a:rPr lang="en-US" sz="3200" dirty="0" smtClean="0"/>
+              <a:t>Do we agree?</a:t>
+            </a:r>
+          </a:p>
+          <a:p>
+            <a:pPr marL="742950" indent="-742950">
+              <a:buNone/>
+            </a:pPr>
+            <a:r>
+              <a:rPr lang="en-US" sz="3200" dirty="0" smtClean="0"/>
+              <a:t>	</a:t>
+            </a:r>
+            <a:r>
+              <a:rPr lang="en-US" sz="3200" dirty="0" smtClean="0">
+                <a:solidFill>
+                  <a:schemeClr val="accent3"/>
+                </a:solidFill>
+              </a:rPr>
+              <a:t>YES </a:t>
+            </a:r>
+            <a:r>
+              <a:rPr lang="en-US" sz="3200" dirty="0" smtClean="0"/>
+              <a:t>– We’re done!  Move on to the next story.</a:t>
+            </a:r>
+          </a:p>
+          <a:p>
+            <a:pPr marL="742950" indent="-742950">
+              <a:buNone/>
+            </a:pPr>
+            <a:r>
+              <a:rPr lang="en-US" sz="3200" dirty="0" smtClean="0"/>
+              <a:t>	</a:t>
+            </a:r>
+            <a:r>
+              <a:rPr lang="en-US" sz="3200" dirty="0" smtClean="0">
+                <a:solidFill>
+                  <a:schemeClr val="accent2"/>
+                </a:solidFill>
+              </a:rPr>
+              <a:t>NO </a:t>
+            </a:r>
+            <a:r>
+              <a:rPr lang="en-US" sz="3200" dirty="0" smtClean="0"/>
+              <a:t>– </a:t>
+            </a:r>
+            <a:r>
+              <a:rPr lang="en-US" sz="3243" dirty="0" smtClean="0"/>
+              <a:t>The high and low outliers defend their positions in a </a:t>
+            </a:r>
+            <a:r>
+              <a:rPr lang="en-US" sz="3243" i="1" dirty="0" smtClean="0"/>
+              <a:t>short</a:t>
+            </a:r>
+            <a:r>
+              <a:rPr lang="en-US" sz="3243" dirty="0" smtClean="0"/>
+              <a:t> open discussion</a:t>
+            </a:r>
+          </a:p>
+          <a:p>
+            <a:pPr marL="1631941" lvl="2" indent="-742950">
+              <a:buFont typeface="+mj-lt"/>
+              <a:buAutoNum type="arabicPeriod"/>
+            </a:pPr>
+            <a:r>
+              <a:rPr lang="en-US" sz="2800" dirty="0" smtClean="0"/>
+              <a:t>Record any assumptions we need to make</a:t>
+            </a:r>
+          </a:p>
+          <a:p>
+            <a:pPr marL="1631941" lvl="2" indent="-742950">
+              <a:buFont typeface="+mj-lt"/>
+              <a:buAutoNum type="arabicPeriod"/>
+            </a:pPr>
+            <a:r>
+              <a:rPr lang="en-US" sz="2800" dirty="0" smtClean="0"/>
+              <a:t>Repeat steps 2 - 4 until we (mostly) agree</a:t>
             </a:r>
           </a:p>
           <a:p>
             <a:pPr lvl="1"/>
             <a:endParaRPr lang="en-US" dirty="0" smtClean="0"/>
+          </a:p>
+          <a:p>
+            <a:pPr lvl="2"/>
+            <a:endParaRPr lang="en-US" dirty="0"/>
           </a:p>
         </p:txBody>
       </p:sp>
@@ -7064,8 +10037,8 @@
           <a:lstStyle/>
           <a:p>
             <a:r>
-              <a:rPr lang="en-US" smtClean="0"/>
-              <a:t>Team Velocity </a:t>
+              <a:rPr lang="en-US" dirty="0" smtClean="0"/>
+              <a:t>Story Backlog</a:t>
             </a:r>
             <a:endParaRPr lang="en-US" dirty="0"/>
           </a:p>
@@ -7083,65 +10056,24 @@
         </p:nvSpPr>
         <p:spPr/>
         <p:txBody>
-          <a:bodyPr>
-            <a:normAutofit/>
-          </a:bodyPr>
-          <a:lstStyle/>
-          <a:p>
-            <a:r>
-              <a:rPr lang="en-US" sz="3200" dirty="0" smtClean="0"/>
-              <a:t>Velocity is the number of points you </a:t>
-            </a:r>
-            <a:r>
-              <a:rPr lang="en-US" sz="3200" b="1" dirty="0" smtClean="0"/>
-              <a:t>completed</a:t>
-            </a:r>
-            <a:r>
-              <a:rPr lang="en-US" sz="3200" dirty="0" smtClean="0"/>
-              <a:t> in previous iterations</a:t>
-            </a:r>
-            <a:endParaRPr lang="en-US" sz="3200" b="1" dirty="0" smtClean="0"/>
-          </a:p>
-          <a:p>
-            <a:r>
-              <a:rPr lang="en-US" sz="3200" dirty="0" smtClean="0"/>
-              <a:t>Over time this number will stabilize (usually after 3 iterations)</a:t>
-            </a:r>
-          </a:p>
-          <a:p>
-            <a:pPr algn="ctr">
-              <a:buNone/>
-            </a:pPr>
-            <a:endParaRPr lang="en-US" sz="3200" dirty="0" smtClean="0"/>
-          </a:p>
-          <a:p>
-            <a:pPr algn="ctr">
-              <a:buNone/>
-            </a:pPr>
-            <a:r>
-              <a:rPr lang="en-US" sz="3200" dirty="0" smtClean="0">
-                <a:solidFill>
-                  <a:schemeClr val="accent6">
-                    <a:lumMod val="75000"/>
-                  </a:schemeClr>
-                </a:solidFill>
-              </a:rPr>
-              <a:t>Total Points / Velocity * Iteration length = </a:t>
-            </a:r>
-          </a:p>
-          <a:p>
-            <a:pPr algn="ctr">
-              <a:buNone/>
-            </a:pPr>
-            <a:r>
-              <a:rPr lang="en-US" sz="3200" dirty="0" smtClean="0">
-                <a:solidFill>
-                  <a:schemeClr val="accent6">
-                    <a:lumMod val="75000"/>
-                  </a:schemeClr>
-                </a:solidFill>
-              </a:rPr>
-              <a:t>Calendar Time!</a:t>
+          <a:bodyPr/>
+          <a:lstStyle/>
+          <a:p>
+            <a:r>
+              <a:rPr lang="en-US" dirty="0" smtClean="0"/>
+              <a:t>This is just a bucket for all your stories</a:t>
+            </a:r>
+          </a:p>
+          <a:p>
+            <a:r>
+              <a:rPr lang="en-US" dirty="0" smtClean="0"/>
+              <a:t>Keep it prioritized and organized!</a:t>
+            </a:r>
+          </a:p>
+          <a:p>
+            <a:r>
+              <a:rPr lang="en-US" dirty="0" smtClean="0"/>
+              <a:t>Pull estimated stories off this list to create an iteration plan</a:t>
             </a:r>
           </a:p>
         </p:txBody>
@@ -7183,7 +10115,7 @@
       </p:grpSpPr>
       <p:sp>
         <p:nvSpPr>
-          <p:cNvPr id="4" name="Title 3"/>
+          <p:cNvPr id="2" name="Title 1"/>
           <p:cNvSpPr>
             <a:spLocks noGrp="1"/>
           </p:cNvSpPr>
@@ -7193,105 +10125,141 @@
         </p:nvSpPr>
         <p:spPr/>
         <p:txBody>
-          <a:bodyPr>
-            <a:normAutofit/>
+          <a:bodyPr/>
+          <a:lstStyle/>
+          <a:p>
+            <a:endParaRPr lang="en-US"/>
+          </a:p>
+        </p:txBody>
+      </p:sp>
+      <p:pic>
+        <p:nvPicPr>
+          <p:cNvPr id="4" name="Content Placeholder 3"/>
+          <p:cNvPicPr>
+            <a:picLocks noGrp="1" noChangeAspect="1"/>
+          </p:cNvPicPr>
+          <p:nvPr>
+            <p:ph idx="1"/>
+          </p:nvPr>
+        </p:nvPicPr>
+        <p:blipFill>
+          <a:blip r:embed="rId2">
+            <a:extLst>
+              <a:ext uri="{28A0092B-C50C-407E-A947-70E740481C1C}">
+                <a14:useLocalDpi xmlns:a14="http://schemas.microsoft.com/office/drawing/2010/main" val="0"/>
+              </a:ext>
+            </a:extLst>
+          </a:blip>
+          <a:stretch>
+            <a:fillRect/>
+          </a:stretch>
+        </p:blipFill>
+        <p:spPr>
+          <a:xfrm>
+            <a:off x="-22279" y="-5256"/>
+            <a:ext cx="10191038" cy="7930055"/>
+          </a:xfrm>
+        </p:spPr>
+      </p:pic>
+      <p:sp>
+        <p:nvSpPr>
+          <p:cNvPr id="5" name="TextBox 4"/>
+          <p:cNvSpPr txBox="1"/>
+          <p:nvPr/>
+        </p:nvSpPr>
+        <p:spPr>
+          <a:xfrm>
+            <a:off x="203200" y="304800"/>
+            <a:ext cx="8242962" cy="2862322"/>
+          </a:xfrm>
+          <a:prstGeom prst="rect">
+            <a:avLst/>
+          </a:prstGeom>
+          <a:noFill/>
+        </p:spPr>
+        <p:txBody>
+          <a:bodyPr wrap="none" rtlCol="0">
+            <a:spAutoFit/>
           </a:bodyPr>
           <a:lstStyle/>
           <a:p>
-            <a:pPr algn="ctr"/>
-            <a:r>
-              <a:rPr lang="en-US" dirty="0" smtClean="0"/>
-              <a:t>What is Estimation?</a:t>
-            </a:r>
-            <a:endParaRPr lang="en-US" dirty="0"/>
-          </a:p>
-        </p:txBody>
-      </p:sp>
-      <p:sp>
-        <p:nvSpPr>
-          <p:cNvPr id="3" name="Content Placeholder 2"/>
-          <p:cNvSpPr>
-            <a:spLocks noGrp="1"/>
-          </p:cNvSpPr>
-          <p:nvPr>
-            <p:ph idx="1"/>
-          </p:nvPr>
-        </p:nvSpPr>
-        <p:spPr/>
-        <p:txBody>
-          <a:bodyPr anchor="t">
-            <a:normAutofit lnSpcReduction="10000"/>
-          </a:bodyPr>
-          <a:lstStyle/>
-          <a:p>
-            <a:pPr algn="ctr">
-              <a:buNone/>
-            </a:pPr>
-            <a:r>
-              <a:rPr lang="en-US" u="sng" dirty="0" smtClean="0"/>
-              <a:t>Wikipedia</a:t>
-            </a:r>
-            <a:r>
-              <a:rPr lang="en-US" dirty="0" smtClean="0"/>
-              <a:t>: Estimation is the calculated </a:t>
-            </a:r>
-            <a:r>
-              <a:rPr lang="en-US" i="1" dirty="0" smtClean="0"/>
-              <a:t>approximation</a:t>
-            </a:r>
-            <a:r>
-              <a:rPr lang="en-US" dirty="0" smtClean="0"/>
-              <a:t> of a result which is </a:t>
-            </a:r>
-            <a:r>
-              <a:rPr lang="en-US" b="1" dirty="0" smtClean="0"/>
-              <a:t>usable</a:t>
-            </a:r>
-            <a:r>
-              <a:rPr lang="en-US" dirty="0" smtClean="0"/>
-              <a:t> even if input data may be </a:t>
-            </a:r>
-            <a:r>
-              <a:rPr lang="en-US" b="1" dirty="0" smtClean="0"/>
-              <a:t>incomplete</a:t>
-            </a:r>
-            <a:r>
-              <a:rPr lang="en-US" dirty="0" smtClean="0"/>
-              <a:t> or </a:t>
-            </a:r>
-            <a:r>
-              <a:rPr lang="en-US" b="1" dirty="0" smtClean="0"/>
-              <a:t>uncertain</a:t>
-            </a:r>
-            <a:r>
-              <a:rPr lang="en-US" dirty="0" smtClean="0"/>
-              <a:t>.</a:t>
-            </a:r>
-          </a:p>
-          <a:p>
-            <a:pPr algn="ctr">
-              <a:buNone/>
-            </a:pPr>
-            <a:endParaRPr lang="en-US" dirty="0" smtClean="0"/>
-          </a:p>
-          <a:p>
-            <a:pPr algn="ctr">
-              <a:buNone/>
-            </a:pPr>
-            <a:r>
-              <a:rPr lang="en-US" dirty="0" smtClean="0"/>
-              <a:t>In software engineering, estimation is the process of speculating the amount of effort required to complete a task or set of tasks.</a:t>
-            </a:r>
-          </a:p>
-          <a:p>
-            <a:pPr algn="ctr">
-              <a:buNone/>
-            </a:pPr>
-            <a:endParaRPr lang="en-US" dirty="0" smtClean="0"/>
+            <a:pPr algn="l"/>
+            <a:r>
+              <a:rPr lang="en-US" sz="6000" b="1" dirty="0" smtClean="0">
+                <a:solidFill>
+                  <a:schemeClr val="bg1"/>
+                </a:solidFill>
+                <a:effectLst>
+                  <a:outerShdw blurRad="38100" dist="38100" dir="2700000" algn="tl">
+                    <a:srgbClr val="000000">
+                      <a:alpha val="43137"/>
+                    </a:srgbClr>
+                  </a:outerShdw>
+                </a:effectLst>
+                <a:latin typeface="Baskerville Old Face" pitchFamily="18" charset="0"/>
+              </a:rPr>
+              <a:t>How long does will it take </a:t>
+            </a:r>
+          </a:p>
+          <a:p>
+            <a:pPr algn="l"/>
+            <a:r>
+              <a:rPr lang="en-US" sz="6000" b="1" dirty="0" smtClean="0">
+                <a:solidFill>
+                  <a:schemeClr val="bg1"/>
+                </a:solidFill>
+                <a:effectLst>
+                  <a:outerShdw blurRad="38100" dist="38100" dir="2700000" algn="tl">
+                    <a:srgbClr val="000000">
+                      <a:alpha val="43137"/>
+                    </a:srgbClr>
+                  </a:outerShdw>
+                </a:effectLst>
+                <a:latin typeface="Baskerville Old Face" pitchFamily="18" charset="0"/>
+              </a:rPr>
+              <a:t>to land a space shuttle </a:t>
+            </a:r>
+          </a:p>
+          <a:p>
+            <a:pPr algn="l"/>
+            <a:r>
+              <a:rPr lang="en-US" sz="6000" b="1" dirty="0" smtClean="0">
+                <a:solidFill>
+                  <a:schemeClr val="bg1"/>
+                </a:solidFill>
+                <a:effectLst>
+                  <a:outerShdw blurRad="38100" dist="38100" dir="2700000" algn="tl">
+                    <a:srgbClr val="000000">
+                      <a:alpha val="43137"/>
+                    </a:srgbClr>
+                  </a:outerShdw>
+                </a:effectLst>
+                <a:latin typeface="Baskerville Old Face" pitchFamily="18" charset="0"/>
+              </a:rPr>
+              <a:t>on the moon?</a:t>
+            </a:r>
+            <a:endParaRPr lang="en-US" sz="6000" b="1" dirty="0">
+              <a:solidFill>
+                <a:schemeClr val="bg1"/>
+              </a:solidFill>
+              <a:effectLst>
+                <a:outerShdw blurRad="38100" dist="38100" dir="2700000" algn="tl">
+                  <a:srgbClr val="000000">
+                    <a:alpha val="43137"/>
+                  </a:srgbClr>
+                </a:outerShdw>
+              </a:effectLst>
+              <a:latin typeface="Baskerville Old Face" pitchFamily="18" charset="0"/>
+            </a:endParaRPr>
           </a:p>
         </p:txBody>
       </p:sp>
     </p:spTree>
+    <p:extLst>
+      <p:ext uri="{BB962C8B-B14F-4D97-AF65-F5344CB8AC3E}">
+        <p14:creationId xmlns:p14="http://schemas.microsoft.com/office/powerpoint/2010/main" val="1695801921"/>
+      </p:ext>
+    </p:extLst>
   </p:cSld>
   <p:clrMapOvr>
     <a:masterClrMapping/>
@@ -7343,7 +10311,7 @@
           <a:p>
             <a:r>
               <a:rPr lang="en-US" dirty="0" smtClean="0"/>
-              <a:t>Re-estimation</a:t>
+              <a:t>Iteration Plan</a:t>
             </a:r>
             <a:endParaRPr lang="en-US" dirty="0"/>
           </a:p>
@@ -7368,30 +10336,53 @@
           <a:p>
             <a:r>
               <a:rPr lang="en-US" dirty="0" smtClean="0"/>
-              <a:t>Re-estimate when you have new information that affects your previous estimates</a:t>
+              <a:t>Usually 2-4 weeks</a:t>
             </a:r>
           </a:p>
           <a:p>
             <a:r>
               <a:rPr lang="en-US" dirty="0" smtClean="0"/>
-              <a:t>Review your upcoming story estimates before each iteration, do they still make sense?</a:t>
+              <a:t>Do high risk / high priority work first</a:t>
             </a:r>
           </a:p>
           <a:p>
             <a:r>
               <a:rPr lang="en-US" dirty="0" smtClean="0"/>
-              <a:t>Re-estimate if you change a story</a:t>
-            </a:r>
-          </a:p>
-          <a:p>
-            <a:r>
-              <a:rPr lang="en-US" b="1" dirty="0" smtClean="0"/>
-              <a:t>NEVER </a:t>
-            </a:r>
+              <a:t>How much can you do in one iteration?</a:t>
+            </a:r>
+          </a:p>
+          <a:p>
+            <a:pPr lvl="1"/>
             <a:r>
               <a:rPr lang="en-US" dirty="0" smtClean="0"/>
-              <a:t>change an estimate after a story has entered development!</a:t>
-            </a:r>
+              <a:t>Make sure everyone can be kept busy</a:t>
+            </a:r>
+          </a:p>
+          <a:p>
+            <a:pPr lvl="1"/>
+            <a:r>
+              <a:rPr lang="en-US" dirty="0" smtClean="0"/>
+              <a:t>Compare with previous work, if possible</a:t>
+            </a:r>
+          </a:p>
+          <a:p>
+            <a:pPr lvl="1"/>
+            <a:r>
+              <a:rPr lang="en-US" dirty="0" smtClean="0"/>
+              <a:t>If not, </a:t>
+            </a:r>
+            <a:r>
+              <a:rPr lang="en-US" i="1" dirty="0" smtClean="0"/>
+              <a:t>guess</a:t>
+            </a:r>
+            <a:r>
+              <a:rPr lang="en-US" dirty="0" smtClean="0"/>
+              <a:t>, it’s OK to be wrong!</a:t>
+            </a:r>
+          </a:p>
+          <a:p>
+            <a:pPr lvl="1"/>
+            <a:endParaRPr lang="en-US" dirty="0" smtClean="0"/>
           </a:p>
         </p:txBody>
       </p:sp>
@@ -7432,6 +10423,517 @@
       </p:grpSpPr>
       <p:sp>
         <p:nvSpPr>
+          <p:cNvPr id="7" name="Title 6"/>
+          <p:cNvSpPr>
+            <a:spLocks noGrp="1"/>
+          </p:cNvSpPr>
+          <p:nvPr>
+            <p:ph type="ctrTitle"/>
+          </p:nvPr>
+        </p:nvSpPr>
+        <p:spPr/>
+        <p:txBody>
+          <a:bodyPr/>
+          <a:lstStyle/>
+          <a:p>
+            <a:endParaRPr lang="en-US"/>
+          </a:p>
+        </p:txBody>
+      </p:sp>
+      <p:sp>
+        <p:nvSpPr>
+          <p:cNvPr id="8" name="Subtitle 7"/>
+          <p:cNvSpPr>
+            <a:spLocks noGrp="1"/>
+          </p:cNvSpPr>
+          <p:nvPr>
+            <p:ph type="subTitle" idx="1"/>
+          </p:nvPr>
+        </p:nvSpPr>
+        <p:spPr/>
+        <p:txBody>
+          <a:bodyPr/>
+          <a:lstStyle/>
+          <a:p>
+            <a:endParaRPr lang="en-US"/>
+          </a:p>
+        </p:txBody>
+      </p:sp>
+      <p:pic>
+        <p:nvPicPr>
+          <p:cNvPr id="4" name="Content Placeholder 3"/>
+          <p:cNvPicPr>
+            <a:picLocks noGrp="1" noChangeAspect="1"/>
+          </p:cNvPicPr>
+          <p:nvPr>
+            <p:ph idx="4294967295"/>
+          </p:nvPr>
+        </p:nvPicPr>
+        <p:blipFill>
+          <a:blip r:embed="rId2">
+            <a:extLst>
+              <a:ext uri="{28A0092B-C50C-407E-A947-70E740481C1C}">
+                <a14:useLocalDpi xmlns:a14="http://schemas.microsoft.com/office/drawing/2010/main" val="0"/>
+              </a:ext>
+            </a:extLst>
+          </a:blip>
+          <a:stretch>
+            <a:fillRect/>
+          </a:stretch>
+        </p:blipFill>
+        <p:spPr>
+          <a:xfrm>
+            <a:off x="-7007" y="835025"/>
+            <a:ext cx="10194925" cy="6784975"/>
+          </a:xfrm>
+        </p:spPr>
+      </p:pic>
+      <p:sp>
+        <p:nvSpPr>
+          <p:cNvPr id="9" name="TextBox 8"/>
+          <p:cNvSpPr txBox="1"/>
+          <p:nvPr/>
+        </p:nvSpPr>
+        <p:spPr>
+          <a:xfrm rot="21442429">
+            <a:off x="1065981" y="1269651"/>
+            <a:ext cx="5555752" cy="1200329"/>
+          </a:xfrm>
+          <a:prstGeom prst="rect">
+            <a:avLst/>
+          </a:prstGeom>
+          <a:noFill/>
+        </p:spPr>
+        <p:txBody>
+          <a:bodyPr wrap="none" rtlCol="0">
+            <a:spAutoFit/>
+            <a:scene3d>
+              <a:camera prst="orthographicFront"/>
+              <a:lightRig rig="soft" dir="tl">
+                <a:rot lat="0" lon="0" rev="0"/>
+              </a:lightRig>
+            </a:scene3d>
+            <a:sp3d contourW="25400" prstMaterial="matte">
+              <a:bevelT w="25400" h="55880" prst="artDeco"/>
+              <a:contourClr>
+                <a:schemeClr val="accent2">
+                  <a:tint val="20000"/>
+                </a:schemeClr>
+              </a:contourClr>
+            </a:sp3d>
+          </a:bodyPr>
+          <a:lstStyle/>
+          <a:p>
+            <a:r>
+              <a:rPr lang="en-US" sz="7200" b="1" spc="50" dirty="0" smtClean="0">
+                <a:ln w="11430"/>
+                <a:gradFill>
+                  <a:gsLst>
+                    <a:gs pos="25000">
+                      <a:schemeClr val="accent2">
+                        <a:satMod val="155000"/>
+                      </a:schemeClr>
+                    </a:gs>
+                    <a:gs pos="100000">
+                      <a:schemeClr val="accent2">
+                        <a:shade val="45000"/>
+                        <a:satMod val="165000"/>
+                      </a:schemeClr>
+                    </a:gs>
+                  </a:gsLst>
+                  <a:lin ang="5400000"/>
+                </a:gradFill>
+                <a:effectLst>
+                  <a:outerShdw blurRad="76200" dist="50800" dir="5400000" algn="tl" rotWithShape="0">
+                    <a:srgbClr val="000000">
+                      <a:alpha val="65000"/>
+                    </a:srgbClr>
+                  </a:outerShdw>
+                </a:effectLst>
+              </a:rPr>
+              <a:t>&amp;  Accuracy</a:t>
+            </a:r>
+            <a:endParaRPr lang="en-US" sz="7200" b="1" spc="50" dirty="0">
+              <a:ln w="11430"/>
+              <a:gradFill>
+                <a:gsLst>
+                  <a:gs pos="25000">
+                    <a:schemeClr val="accent2">
+                      <a:satMod val="155000"/>
+                    </a:schemeClr>
+                  </a:gs>
+                  <a:gs pos="100000">
+                    <a:schemeClr val="accent2">
+                      <a:shade val="45000"/>
+                      <a:satMod val="165000"/>
+                    </a:schemeClr>
+                  </a:gs>
+                </a:gsLst>
+                <a:lin ang="5400000"/>
+              </a:gradFill>
+              <a:effectLst>
+                <a:outerShdw blurRad="76200" dist="50800" dir="5400000" algn="tl" rotWithShape="0">
+                  <a:srgbClr val="000000">
+                    <a:alpha val="65000"/>
+                  </a:srgbClr>
+                </a:outerShdw>
+              </a:effectLst>
+            </a:endParaRPr>
+          </a:p>
+        </p:txBody>
+      </p:sp>
+      <p:sp>
+        <p:nvSpPr>
+          <p:cNvPr id="10" name="TextBox 9"/>
+          <p:cNvSpPr txBox="1"/>
+          <p:nvPr/>
+        </p:nvSpPr>
+        <p:spPr>
+          <a:xfrm rot="21428359">
+            <a:off x="191036" y="371185"/>
+            <a:ext cx="5743880" cy="1200329"/>
+          </a:xfrm>
+          <a:prstGeom prst="rect">
+            <a:avLst/>
+          </a:prstGeom>
+          <a:noFill/>
+        </p:spPr>
+        <p:txBody>
+          <a:bodyPr wrap="none" rtlCol="0">
+            <a:spAutoFit/>
+            <a:scene3d>
+              <a:camera prst="orthographicFront"/>
+              <a:lightRig rig="soft" dir="tl">
+                <a:rot lat="0" lon="0" rev="0"/>
+              </a:lightRig>
+            </a:scene3d>
+            <a:sp3d contourW="25400" prstMaterial="matte">
+              <a:bevelT w="25400" h="55880" prst="artDeco"/>
+              <a:contourClr>
+                <a:schemeClr val="accent2">
+                  <a:tint val="20000"/>
+                </a:schemeClr>
+              </a:contourClr>
+            </a:sp3d>
+          </a:bodyPr>
+          <a:lstStyle/>
+          <a:p>
+            <a:r>
+              <a:rPr lang="en-US" sz="7200" b="1" spc="50" dirty="0" err="1" smtClean="0">
+                <a:ln w="11430"/>
+                <a:solidFill>
+                  <a:srgbClr val="C00000"/>
+                </a:solidFill>
+                <a:effectLst>
+                  <a:outerShdw blurRad="76200" dist="50800" dir="5400000" algn="tl" rotWithShape="0">
+                    <a:srgbClr val="000000">
+                      <a:alpha val="65000"/>
+                    </a:srgbClr>
+                  </a:outerShdw>
+                </a:effectLst>
+              </a:rPr>
+              <a:t>Consistancy</a:t>
+            </a:r>
+            <a:endParaRPr lang="en-US" sz="7200" b="1" spc="50" dirty="0">
+              <a:ln w="11430"/>
+              <a:solidFill>
+                <a:srgbClr val="C00000"/>
+              </a:solidFill>
+              <a:effectLst>
+                <a:outerShdw blurRad="76200" dist="50800" dir="5400000" algn="tl" rotWithShape="0">
+                  <a:srgbClr val="000000">
+                    <a:alpha val="65000"/>
+                  </a:srgbClr>
+                </a:outerShdw>
+              </a:effectLst>
+            </a:endParaRPr>
+          </a:p>
+        </p:txBody>
+      </p:sp>
+    </p:spTree>
+    <p:extLst>
+      <p:ext uri="{BB962C8B-B14F-4D97-AF65-F5344CB8AC3E}">
+        <p14:creationId xmlns:p14="http://schemas.microsoft.com/office/powerpoint/2010/main" val="1732681453"/>
+      </p:ext>
+    </p:extLst>
+  </p:cSld>
+  <p:clrMapOvr>
+    <a:masterClrMapping/>
+  </p:clrMapOvr>
+  <mc:AlternateContent xmlns:mc="http://schemas.openxmlformats.org/markup-compatibility/2006">
+    <mc:Choice xmlns:p14="http://schemas.microsoft.com/office/powerpoint/2010/main" Requires="p14">
+      <p:transition spd="slow" p14:dur="2000"/>
+    </mc:Choice>
+    <mc:Fallback>
+      <p:transition spd="slow"/>
+    </mc:Fallback>
+  </mc:AlternateContent>
+  <p:timing>
+    <p:tnLst>
+      <p:par>
+        <p:cTn id="1" dur="indefinite" restart="never" nodeType="tmRoot"/>
+      </p:par>
+    </p:tnLst>
+  </p:timing>
+</p:sld>
+</file>
+
+<file path=ppt/slides/slide22.xml><?xml version="1.0" encoding="utf-8"?>
+<p:sld xmlns:a="http://schemas.openxmlformats.org/drawingml/2006/main" xmlns:r="http://schemas.openxmlformats.org/officeDocument/2006/relationships" xmlns:p="http://schemas.openxmlformats.org/presentationml/2006/main">
+  <p:cSld>
+    <p:spTree>
+      <p:nvGrpSpPr>
+        <p:cNvPr id="1" name=""/>
+        <p:cNvGrpSpPr/>
+        <p:nvPr/>
+      </p:nvGrpSpPr>
+      <p:grpSpPr>
+        <a:xfrm>
+          <a:off x="0" y="0"/>
+          <a:ext cx="0" cy="0"/>
+          <a:chOff x="0" y="0"/>
+          <a:chExt cx="0" cy="0"/>
+        </a:xfrm>
+      </p:grpSpPr>
+      <p:sp>
+        <p:nvSpPr>
+          <p:cNvPr id="2" name="Title 1"/>
+          <p:cNvSpPr>
+            <a:spLocks noGrp="1"/>
+          </p:cNvSpPr>
+          <p:nvPr>
+            <p:ph type="title"/>
+          </p:nvPr>
+        </p:nvSpPr>
+        <p:spPr/>
+        <p:txBody>
+          <a:bodyPr/>
+          <a:lstStyle/>
+          <a:p>
+            <a:r>
+              <a:rPr lang="en-US" smtClean="0"/>
+              <a:t>Team Velocity </a:t>
+            </a:r>
+            <a:endParaRPr lang="en-US" dirty="0"/>
+          </a:p>
+        </p:txBody>
+      </p:sp>
+      <p:sp>
+        <p:nvSpPr>
+          <p:cNvPr id="3" name="Content Placeholder 2"/>
+          <p:cNvSpPr>
+            <a:spLocks noGrp="1"/>
+          </p:cNvSpPr>
+          <p:nvPr>
+            <p:ph idx="1"/>
+          </p:nvPr>
+        </p:nvSpPr>
+        <p:spPr/>
+        <p:txBody>
+          <a:bodyPr>
+            <a:normAutofit/>
+          </a:bodyPr>
+          <a:lstStyle/>
+          <a:p>
+            <a:r>
+              <a:rPr lang="en-US" sz="3200" dirty="0" smtClean="0"/>
+              <a:t>Velocity is the number of points you </a:t>
+            </a:r>
+            <a:r>
+              <a:rPr lang="en-US" sz="3200" b="1" dirty="0" smtClean="0"/>
+              <a:t>completed</a:t>
+            </a:r>
+            <a:r>
+              <a:rPr lang="en-US" sz="3200" dirty="0" smtClean="0"/>
+              <a:t> in previous iterations</a:t>
+            </a:r>
+            <a:endParaRPr lang="en-US" sz="3200" b="1" dirty="0" smtClean="0"/>
+          </a:p>
+          <a:p>
+            <a:r>
+              <a:rPr lang="en-US" sz="3200" dirty="0" smtClean="0"/>
+              <a:t>Over time this number will stabilize (usually after 3 iterations)</a:t>
+            </a:r>
+          </a:p>
+          <a:p>
+            <a:pPr algn="ctr">
+              <a:buNone/>
+            </a:pPr>
+            <a:endParaRPr lang="en-US" sz="3200" dirty="0" smtClean="0"/>
+          </a:p>
+          <a:p>
+            <a:pPr algn="ctr">
+              <a:buNone/>
+            </a:pPr>
+            <a:r>
+              <a:rPr lang="en-US" sz="3200" dirty="0" smtClean="0">
+                <a:solidFill>
+                  <a:schemeClr val="accent6">
+                    <a:lumMod val="75000"/>
+                  </a:schemeClr>
+                </a:solidFill>
+              </a:rPr>
+              <a:t>Total Points / Velocity * Iteration length = </a:t>
+            </a:r>
+          </a:p>
+          <a:p>
+            <a:pPr algn="ctr">
+              <a:buNone/>
+            </a:pPr>
+            <a:r>
+              <a:rPr lang="en-US" sz="3200" dirty="0" smtClean="0">
+                <a:solidFill>
+                  <a:schemeClr val="accent6">
+                    <a:lumMod val="75000"/>
+                  </a:schemeClr>
+                </a:solidFill>
+              </a:rPr>
+              <a:t>Calendar Time!</a:t>
+            </a:r>
+          </a:p>
+        </p:txBody>
+      </p:sp>
+    </p:spTree>
+  </p:cSld>
+  <p:clrMapOvr>
+    <a:masterClrMapping/>
+  </p:clrMapOvr>
+  <p:transition>
+    <p:fade/>
+  </p:transition>
+  <p:timing>
+    <p:tnLst>
+      <p:par>
+        <p:cTn id="1" dur="indefinite" restart="never" nodeType="tmRoot"/>
+      </p:par>
+    </p:tnLst>
+  </p:timing>
+</p:sld>
+</file>
+
+<file path=ppt/slides/slide23.xml><?xml version="1.0" encoding="utf-8"?>
+<p:sld xmlns:a="http://schemas.openxmlformats.org/drawingml/2006/main" xmlns:r="http://schemas.openxmlformats.org/officeDocument/2006/relationships" xmlns:p="http://schemas.openxmlformats.org/presentationml/2006/main">
+  <p:cSld>
+    <p:spTree>
+      <p:nvGrpSpPr>
+        <p:cNvPr id="1" name=""/>
+        <p:cNvGrpSpPr/>
+        <p:nvPr/>
+      </p:nvGrpSpPr>
+      <p:grpSpPr>
+        <a:xfrm>
+          <a:off x="0" y="0"/>
+          <a:ext cx="0" cy="0"/>
+          <a:chOff x="0" y="0"/>
+          <a:chExt cx="0" cy="0"/>
+        </a:xfrm>
+      </p:grpSpPr>
+      <p:sp>
+        <p:nvSpPr>
+          <p:cNvPr id="2" name="Title 1"/>
+          <p:cNvSpPr>
+            <a:spLocks noGrp="1"/>
+          </p:cNvSpPr>
+          <p:nvPr>
+            <p:ph type="title"/>
+          </p:nvPr>
+        </p:nvSpPr>
+        <p:spPr/>
+        <p:txBody>
+          <a:bodyPr/>
+          <a:lstStyle/>
+          <a:p>
+            <a:r>
+              <a:rPr lang="en-US" dirty="0" smtClean="0"/>
+              <a:t>Re-estimation</a:t>
+            </a:r>
+            <a:endParaRPr lang="en-US" dirty="0"/>
+          </a:p>
+        </p:txBody>
+      </p:sp>
+      <p:sp>
+        <p:nvSpPr>
+          <p:cNvPr id="3" name="Content Placeholder 2"/>
+          <p:cNvSpPr>
+            <a:spLocks noGrp="1"/>
+          </p:cNvSpPr>
+          <p:nvPr>
+            <p:ph idx="1"/>
+          </p:nvPr>
+        </p:nvSpPr>
+        <p:spPr/>
+        <p:txBody>
+          <a:bodyPr>
+            <a:normAutofit/>
+          </a:bodyPr>
+          <a:lstStyle/>
+          <a:p>
+            <a:r>
+              <a:rPr lang="en-US" dirty="0" smtClean="0"/>
+              <a:t>Re-estimate when you have new information that affects your previous estimates</a:t>
+            </a:r>
+          </a:p>
+          <a:p>
+            <a:r>
+              <a:rPr lang="en-US" dirty="0" smtClean="0"/>
+              <a:t>Review your upcoming story estimates before each iteration, do they still make sense?</a:t>
+            </a:r>
+          </a:p>
+          <a:p>
+            <a:r>
+              <a:rPr lang="en-US" dirty="0" smtClean="0"/>
+              <a:t>Re-estimate if you change a story</a:t>
+            </a:r>
+          </a:p>
+          <a:p>
+            <a:r>
+              <a:rPr lang="en-US" b="1" dirty="0" smtClean="0"/>
+              <a:t>NEVER </a:t>
+            </a:r>
+            <a:r>
+              <a:rPr lang="en-US" dirty="0" smtClean="0"/>
+              <a:t>change an estimate after a story has entered development!</a:t>
+            </a:r>
+          </a:p>
+        </p:txBody>
+      </p:sp>
+    </p:spTree>
+  </p:cSld>
+  <p:clrMapOvr>
+    <a:masterClrMapping/>
+  </p:clrMapOvr>
+  <p:transition>
+    <p:fade/>
+  </p:transition>
+  <p:timing>
+    <p:tnLst>
+      <p:par>
+        <p:cTn id="1" dur="indefinite" restart="never" nodeType="tmRoot"/>
+      </p:par>
+    </p:tnLst>
+  </p:timing>
+</p:sld>
+</file>
+
+<file path=ppt/slides/slide24.xml><?xml version="1.0" encoding="utf-8"?>
+<p:sld xmlns:a="http://schemas.openxmlformats.org/drawingml/2006/main" xmlns:r="http://schemas.openxmlformats.org/officeDocument/2006/relationships" xmlns:p="http://schemas.openxmlformats.org/presentationml/2006/main">
+  <p:cSld>
+    <p:spTree>
+      <p:nvGrpSpPr>
+        <p:cNvPr id="1" name=""/>
+        <p:cNvGrpSpPr/>
+        <p:nvPr/>
+      </p:nvGrpSpPr>
+      <p:grpSpPr>
+        <a:xfrm>
+          <a:off x="0" y="0"/>
+          <a:ext cx="0" cy="0"/>
+          <a:chOff x="0" y="0"/>
+          <a:chExt cx="0" cy="0"/>
+        </a:xfrm>
+      </p:grpSpPr>
+      <p:sp>
+        <p:nvSpPr>
           <p:cNvPr id="2" name="Title 1"/>
           <p:cNvSpPr>
             <a:spLocks noGrp="1"/>
@@ -7564,7 +11066,7 @@
       </p:grpSpPr>
       <p:sp>
         <p:nvSpPr>
-          <p:cNvPr id="2" name="Title 1"/>
+          <p:cNvPr id="4" name="Title 3"/>
           <p:cNvSpPr>
             <a:spLocks noGrp="1"/>
           </p:cNvSpPr>
@@ -7574,13 +11076,15 @@
         </p:nvSpPr>
         <p:spPr/>
         <p:txBody>
-          <a:bodyPr/>
+          <a:bodyPr>
+            <a:normAutofit/>
+          </a:bodyPr>
           <a:lstStyle/>
           <a:p>
             <a:pPr algn="ctr"/>
             <a:r>
               <a:rPr lang="en-US" dirty="0" smtClean="0"/>
-              <a:t>Why Do We Estimate Work?</a:t>
+              <a:t>What is Estimation?</a:t>
             </a:r>
             <a:endParaRPr lang="en-US" dirty="0"/>
           </a:p>
@@ -7598,31 +11102,75 @@
         </p:nvSpPr>
         <p:spPr/>
         <p:txBody>
-          <a:bodyPr/>
-          <a:lstStyle/>
-          <a:p>
+          <a:bodyPr anchor="t">
+            <a:normAutofit lnSpcReduction="10000"/>
+          </a:bodyPr>
+          <a:lstStyle/>
+          <a:p>
+            <a:pPr algn="ctr">
+              <a:buNone/>
+            </a:pPr>
+            <a:r>
+              <a:rPr lang="en-US" u="sng" dirty="0" smtClean="0"/>
+              <a:t>Wikipedia</a:t>
+            </a:r>
             <a:r>
               <a:rPr lang="en-US" dirty="0" smtClean="0"/>
-              <a:t>Resource Planning</a:t>
-            </a:r>
-          </a:p>
-          <a:p>
+              <a:t>: Estimation is the calculated </a:t>
+            </a:r>
+            <a:r>
+              <a:rPr lang="en-US" i="1" dirty="0" smtClean="0"/>
+              <a:t>approximation</a:t>
+            </a:r>
             <a:r>
               <a:rPr lang="en-US" dirty="0" smtClean="0"/>
-              <a:t>Cost vs. Benefit Analysis</a:t>
-            </a:r>
-          </a:p>
-          <a:p>
+              <a:t> of a result which is </a:t>
+            </a:r>
+            <a:r>
+              <a:rPr lang="en-US" b="1" dirty="0" smtClean="0"/>
+              <a:t>usable</a:t>
+            </a:r>
             <a:r>
               <a:rPr lang="en-US" dirty="0" smtClean="0"/>
-              <a:t>Coordination with other projects</a:t>
-            </a:r>
-          </a:p>
-          <a:p>
+              <a:t> even if input data may be </a:t>
+            </a:r>
+            <a:r>
+              <a:rPr lang="en-US" b="1" dirty="0" smtClean="0"/>
+              <a:t>incomplete</a:t>
+            </a:r>
             <a:r>
               <a:rPr lang="en-US" dirty="0" smtClean="0"/>
-              <a:t>What else?</a:t>
-            </a:r>
+              <a:t> or </a:t>
+            </a:r>
+            <a:r>
+              <a:rPr lang="en-US" b="1" dirty="0" smtClean="0"/>
+              <a:t>uncertain</a:t>
+            </a:r>
+            <a:r>
+              <a:rPr lang="en-US" dirty="0" smtClean="0"/>
+              <a:t>.</a:t>
+            </a:r>
+          </a:p>
+          <a:p>
+            <a:pPr algn="ctr">
+              <a:buNone/>
+            </a:pPr>
+            <a:endParaRPr lang="en-US" dirty="0" smtClean="0"/>
+          </a:p>
+          <a:p>
+            <a:pPr algn="ctr">
+              <a:buNone/>
+            </a:pPr>
+            <a:r>
+              <a:rPr lang="en-US" dirty="0" smtClean="0"/>
+              <a:t>In software engineering, estimation is the process of speculating the amount of effort required to complete a task or set of tasks.</a:t>
+            </a:r>
+          </a:p>
+          <a:p>
+            <a:pPr algn="ctr">
+              <a:buNone/>
+            </a:pPr>
+            <a:endParaRPr lang="en-US" dirty="0" smtClean="0"/>
           </a:p>
         </p:txBody>
       </p:sp>
@@ -7679,87 +11227,52 @@
             <a:pPr algn="ctr"/>
             <a:r>
               <a:rPr lang="en-US" dirty="0" smtClean="0"/>
-              <a:t>Why Do We </a:t>
-            </a:r>
-            <a:r>
-              <a:rPr lang="en-US" i="1" dirty="0" smtClean="0"/>
-              <a:t>Really </a:t>
-            </a:r>
+              <a:t>Why Do We Estimate Work?</a:t>
+            </a:r>
+            <a:endParaRPr lang="en-US" dirty="0"/>
+          </a:p>
+        </p:txBody>
+      </p:sp>
+      <p:sp>
+        <p:nvSpPr>
+          <p:cNvPr id="3" name="Content Placeholder 2"/>
+          <p:cNvSpPr>
+            <a:spLocks noGrp="1"/>
+          </p:cNvSpPr>
+          <p:nvPr>
+            <p:ph idx="1"/>
+          </p:nvPr>
+        </p:nvSpPr>
+        <p:spPr/>
+        <p:txBody>
+          <a:bodyPr/>
+          <a:lstStyle/>
+          <a:p>
             <a:r>
               <a:rPr lang="en-US" dirty="0" smtClean="0"/>
-              <a:t>Estimate Work?</a:t>
-            </a:r>
-            <a:endParaRPr lang="en-US" dirty="0"/>
-          </a:p>
-        </p:txBody>
-      </p:sp>
-      <p:sp>
-        <p:nvSpPr>
-          <p:cNvPr id="3" name="Content Placeholder 2"/>
-          <p:cNvSpPr>
-            <a:spLocks noGrp="1"/>
-          </p:cNvSpPr>
-          <p:nvPr>
-            <p:ph idx="1"/>
-          </p:nvPr>
-        </p:nvSpPr>
-        <p:spPr>
-          <a:xfrm>
-            <a:off x="1498600" y="6248400"/>
-            <a:ext cx="7086600" cy="838200"/>
-          </a:xfrm>
-        </p:spPr>
-        <p:txBody>
-          <a:bodyPr/>
-          <a:lstStyle/>
-          <a:p>
-            <a:pPr algn="ctr">
-              <a:buNone/>
-            </a:pPr>
+              <a:t>Resource Planning</a:t>
+            </a:r>
+          </a:p>
+          <a:p>
             <a:r>
               <a:rPr lang="en-US" dirty="0" smtClean="0"/>
-              <a:t>To avoid </a:t>
-            </a:r>
-            <a:r>
-              <a:rPr lang="en-US" b="1" i="1" dirty="0" smtClean="0"/>
-              <a:t>stressful </a:t>
-            </a:r>
-            <a:r>
-              <a:rPr lang="en-US" i="1" dirty="0" smtClean="0"/>
-              <a:t>situations!!</a:t>
-            </a:r>
-            <a:endParaRPr lang="en-US" dirty="0" smtClean="0"/>
-          </a:p>
-          <a:p>
-            <a:pPr algn="ctr"/>
-            <a:endParaRPr lang="en-US" dirty="0" smtClean="0"/>
-          </a:p>
-        </p:txBody>
-      </p:sp>
-      <p:pic>
-        <p:nvPicPr>
-          <p:cNvPr id="4" name="Picture 3" descr="stressedcat16.jpg"/>
-          <p:cNvPicPr>
-            <a:picLocks noChangeAspect="1"/>
-          </p:cNvPicPr>
-          <p:nvPr/>
-        </p:nvPicPr>
-        <p:blipFill>
-          <a:blip r:embed="rId3"/>
-          <a:stretch>
-            <a:fillRect/>
-          </a:stretch>
-        </p:blipFill>
-        <p:spPr>
-          <a:xfrm>
-            <a:off x="1811815" y="1905000"/>
-            <a:ext cx="6544785" cy="4267200"/>
-          </a:xfrm>
-          <a:prstGeom prst="rect">
-            <a:avLst/>
-          </a:prstGeom>
-        </p:spPr>
-      </p:pic>
+              <a:t>Cost vs. Benefit Analysis</a:t>
+            </a:r>
+          </a:p>
+          <a:p>
+            <a:r>
+              <a:rPr lang="en-US" dirty="0" smtClean="0"/>
+              <a:t>Coordination with other projects</a:t>
+            </a:r>
+          </a:p>
+          <a:p>
+            <a:r>
+              <a:rPr lang="en-US" dirty="0" smtClean="0"/>
+              <a:t>What else?</a:t>
+            </a:r>
+          </a:p>
+        </p:txBody>
+      </p:sp>
     </p:spTree>
   </p:cSld>
   <p:clrMapOvr>
@@ -7795,96 +11308,345 @@
           <a:chExt cx="0" cy="0"/>
         </a:xfrm>
       </p:grpSpPr>
-      <p:sp>
-        <p:nvSpPr>
-          <p:cNvPr id="2" name="Title 1"/>
-          <p:cNvSpPr>
-            <a:spLocks noGrp="1"/>
-          </p:cNvSpPr>
-          <p:nvPr>
-            <p:ph type="title"/>
-          </p:nvPr>
-        </p:nvSpPr>
+      <p:pic>
+        <p:nvPicPr>
+          <p:cNvPr id="4" name="Picture 3" descr="stressedcat16.jpg"/>
+          <p:cNvPicPr>
+            <a:picLocks noChangeAspect="1"/>
+          </p:cNvPicPr>
+          <p:nvPr/>
+        </p:nvPicPr>
+        <p:blipFill>
+          <a:blip r:embed="rId3"/>
+          <a:stretch>
+            <a:fillRect/>
+          </a:stretch>
+        </p:blipFill>
         <p:spPr>
           <a:xfrm>
-            <a:off x="508000" y="609600"/>
-            <a:ext cx="9144000" cy="1016000"/>
+            <a:off x="-408737" y="0"/>
+            <a:ext cx="11687116" cy="7620000"/>
           </a:xfrm>
+          <a:prstGeom prst="rect">
+            <a:avLst/>
+          </a:prstGeom>
         </p:spPr>
+      </p:pic>
+      <p:sp>
+        <p:nvSpPr>
+          <p:cNvPr id="2" name="Title 1"/>
+          <p:cNvSpPr>
+            <a:spLocks noGrp="1"/>
+          </p:cNvSpPr>
+          <p:nvPr>
+            <p:ph type="title"/>
+          </p:nvPr>
+        </p:nvSpPr>
+        <p:spPr/>
+        <p:txBody>
+          <a:bodyPr>
+            <a:noAutofit/>
+          </a:bodyPr>
+          <a:lstStyle/>
+          <a:p>
+            <a:pPr algn="ctr"/>
+            <a:r>
+              <a:rPr lang="en-US" sz="6600" b="1" dirty="0" smtClean="0">
+                <a:ln w="31550" cmpd="sng">
+                  <a:gradFill>
+                    <a:gsLst>
+                      <a:gs pos="70000">
+                        <a:schemeClr val="accent6">
+                          <a:shade val="50000"/>
+                          <a:satMod val="190000"/>
+                        </a:schemeClr>
+                      </a:gs>
+                      <a:gs pos="0">
+                        <a:schemeClr val="accent6">
+                          <a:tint val="77000"/>
+                          <a:satMod val="180000"/>
+                        </a:schemeClr>
+                      </a:gs>
+                    </a:gsLst>
+                    <a:lin ang="5400000"/>
+                  </a:gradFill>
+                  <a:prstDash val="solid"/>
+                </a:ln>
+                <a:solidFill>
+                  <a:schemeClr val="accent6">
+                    <a:tint val="15000"/>
+                    <a:satMod val="200000"/>
+                  </a:schemeClr>
+                </a:solidFill>
+                <a:effectLst>
+                  <a:outerShdw blurRad="50800" dist="40000" dir="5400000" algn="tl" rotWithShape="0">
+                    <a:srgbClr val="000000">
+                      <a:shade val="5000"/>
+                      <a:satMod val="120000"/>
+                      <a:alpha val="33000"/>
+                    </a:srgbClr>
+                  </a:outerShdw>
+                </a:effectLst>
+              </a:rPr>
+              <a:t>Why Do We </a:t>
+            </a:r>
+            <a:r>
+              <a:rPr lang="en-US" sz="6600" b="1" i="1" dirty="0" smtClean="0">
+                <a:ln w="31550" cmpd="sng">
+                  <a:gradFill>
+                    <a:gsLst>
+                      <a:gs pos="70000">
+                        <a:schemeClr val="accent6">
+                          <a:shade val="50000"/>
+                          <a:satMod val="190000"/>
+                        </a:schemeClr>
+                      </a:gs>
+                      <a:gs pos="0">
+                        <a:schemeClr val="accent6">
+                          <a:tint val="77000"/>
+                          <a:satMod val="180000"/>
+                        </a:schemeClr>
+                      </a:gs>
+                    </a:gsLst>
+                    <a:lin ang="5400000"/>
+                  </a:gradFill>
+                  <a:prstDash val="solid"/>
+                </a:ln>
+                <a:solidFill>
+                  <a:schemeClr val="accent6">
+                    <a:tint val="15000"/>
+                    <a:satMod val="200000"/>
+                  </a:schemeClr>
+                </a:solidFill>
+                <a:effectLst>
+                  <a:outerShdw blurRad="50800" dist="40000" dir="5400000" algn="tl" rotWithShape="0">
+                    <a:srgbClr val="000000">
+                      <a:shade val="5000"/>
+                      <a:satMod val="120000"/>
+                      <a:alpha val="33000"/>
+                    </a:srgbClr>
+                  </a:outerShdw>
+                </a:effectLst>
+              </a:rPr>
+              <a:t>Really </a:t>
+            </a:r>
+            <a:r>
+              <a:rPr lang="en-US" sz="6600" b="1" dirty="0" smtClean="0">
+                <a:ln w="31550" cmpd="sng">
+                  <a:gradFill>
+                    <a:gsLst>
+                      <a:gs pos="70000">
+                        <a:schemeClr val="accent6">
+                          <a:shade val="50000"/>
+                          <a:satMod val="190000"/>
+                        </a:schemeClr>
+                      </a:gs>
+                      <a:gs pos="0">
+                        <a:schemeClr val="accent6">
+                          <a:tint val="77000"/>
+                          <a:satMod val="180000"/>
+                        </a:schemeClr>
+                      </a:gs>
+                    </a:gsLst>
+                    <a:lin ang="5400000"/>
+                  </a:gradFill>
+                  <a:prstDash val="solid"/>
+                </a:ln>
+                <a:solidFill>
+                  <a:schemeClr val="accent6">
+                    <a:tint val="15000"/>
+                    <a:satMod val="200000"/>
+                  </a:schemeClr>
+                </a:solidFill>
+                <a:effectLst>
+                  <a:outerShdw blurRad="50800" dist="40000" dir="5400000" algn="tl" rotWithShape="0">
+                    <a:srgbClr val="000000">
+                      <a:shade val="5000"/>
+                      <a:satMod val="120000"/>
+                      <a:alpha val="33000"/>
+                    </a:srgbClr>
+                  </a:outerShdw>
+                </a:effectLst>
+              </a:rPr>
+              <a:t>Estimate Work?</a:t>
+            </a:r>
+            <a:endParaRPr lang="en-US" sz="6600" b="1" dirty="0">
+              <a:ln w="31550" cmpd="sng">
+                <a:gradFill>
+                  <a:gsLst>
+                    <a:gs pos="70000">
+                      <a:schemeClr val="accent6">
+                        <a:shade val="50000"/>
+                        <a:satMod val="190000"/>
+                      </a:schemeClr>
+                    </a:gs>
+                    <a:gs pos="0">
+                      <a:schemeClr val="accent6">
+                        <a:tint val="77000"/>
+                        <a:satMod val="180000"/>
+                      </a:schemeClr>
+                    </a:gs>
+                  </a:gsLst>
+                  <a:lin ang="5400000"/>
+                </a:gradFill>
+                <a:prstDash val="solid"/>
+              </a:ln>
+              <a:solidFill>
+                <a:schemeClr val="accent6">
+                  <a:tint val="15000"/>
+                  <a:satMod val="200000"/>
+                </a:schemeClr>
+              </a:solidFill>
+              <a:effectLst>
+                <a:outerShdw blurRad="50800" dist="40000" dir="5400000" algn="tl" rotWithShape="0">
+                  <a:srgbClr val="000000">
+                    <a:shade val="5000"/>
+                    <a:satMod val="120000"/>
+                    <a:alpha val="33000"/>
+                  </a:srgbClr>
+                </a:outerShdw>
+              </a:effectLst>
+            </a:endParaRPr>
+          </a:p>
+        </p:txBody>
+      </p:sp>
+      <p:sp>
+        <p:nvSpPr>
+          <p:cNvPr id="3" name="Content Placeholder 2"/>
+          <p:cNvSpPr>
+            <a:spLocks noGrp="1"/>
+          </p:cNvSpPr>
+          <p:nvPr>
+            <p:ph idx="1"/>
+          </p:nvPr>
+        </p:nvSpPr>
+        <p:spPr>
+          <a:xfrm>
+            <a:off x="3556000" y="6324600"/>
+            <a:ext cx="7086602" cy="838200"/>
+          </a:xfrm>
+          <a:effectLst>
+            <a:outerShdw blurRad="50800" dist="38100" dir="2700000" algn="tl" rotWithShape="0">
+              <a:prstClr val="black">
+                <a:alpha val="40000"/>
+              </a:prstClr>
+            </a:outerShdw>
+          </a:effectLst>
+        </p:spPr>
         <p:txBody>
           <a:bodyPr/>
           <a:lstStyle/>
           <a:p>
-            <a:r>
-              <a:rPr lang="en-US" dirty="0" smtClean="0"/>
-              <a:t>Common Problems with Estimation</a:t>
-            </a:r>
-            <a:endParaRPr lang="en-US" dirty="0"/>
-          </a:p>
-        </p:txBody>
-      </p:sp>
-      <p:sp>
-        <p:nvSpPr>
-          <p:cNvPr id="3" name="Content Placeholder 2"/>
-          <p:cNvSpPr>
-            <a:spLocks noGrp="1"/>
-          </p:cNvSpPr>
-          <p:nvPr>
-            <p:ph idx="1"/>
-          </p:nvPr>
-        </p:nvSpPr>
-        <p:spPr/>
-        <p:txBody>
-          <a:bodyPr>
-            <a:normAutofit/>
-          </a:bodyPr>
-          <a:lstStyle/>
-          <a:p>
             <a:pPr algn="ctr">
               <a:buNone/>
             </a:pPr>
             <a:r>
-              <a:rPr lang="en-US" sz="4000" dirty="0" smtClean="0"/>
-              <a:t>Calendar time is </a:t>
-            </a:r>
-            <a:r>
-              <a:rPr lang="en-US" sz="4000" i="1" dirty="0" smtClean="0"/>
-              <a:t>not</a:t>
-            </a:r>
-            <a:r>
-              <a:rPr lang="en-US" sz="4000" dirty="0" smtClean="0"/>
-              <a:t> a measure of effort.</a:t>
-            </a:r>
-          </a:p>
-          <a:p>
-            <a:pPr algn="ctr">
-              <a:buNone/>
-            </a:pPr>
-            <a:endParaRPr lang="en-US" dirty="0" smtClean="0"/>
-          </a:p>
-          <a:p>
-            <a:pPr>
-              <a:buNone/>
-            </a:pPr>
-            <a:r>
-              <a:rPr lang="en-US" dirty="0" smtClean="0"/>
-              <a:t>Manager: “How long will this take?”</a:t>
-            </a:r>
-          </a:p>
-          <a:p>
-            <a:pPr>
-              <a:buNone/>
-            </a:pPr>
-            <a:r>
-              <a:rPr lang="en-US" dirty="0" smtClean="0"/>
-              <a:t>Engineer: “Do you mean if I worked full time on JUST THIS, or with my other work?”</a:t>
-            </a:r>
-          </a:p>
-          <a:p>
-            <a:pPr algn="ctr">
-              <a:buNone/>
-            </a:pPr>
-            <a:endParaRPr lang="en-US" dirty="0" smtClean="0"/>
+              <a:rPr lang="en-US" dirty="0" smtClean="0">
+                <a:ln>
+                  <a:solidFill>
+                    <a:schemeClr val="accent6">
+                      <a:lumMod val="75000"/>
+                    </a:schemeClr>
+                  </a:solidFill>
+                </a:ln>
+                <a:solidFill>
+                  <a:schemeClr val="accent6"/>
+                </a:solidFill>
+                <a:effectLst>
+                  <a:outerShdw blurRad="203200" dir="3300000" sx="108000" sy="108000" algn="tl" rotWithShape="0">
+                    <a:prstClr val="black">
+                      <a:alpha val="40000"/>
+                    </a:prstClr>
+                  </a:outerShdw>
+                </a:effectLst>
+              </a:rPr>
+              <a:t>To avoid </a:t>
+            </a:r>
+            <a:r>
+              <a:rPr lang="en-US" b="1" i="1" dirty="0" smtClean="0">
+                <a:ln>
+                  <a:solidFill>
+                    <a:schemeClr val="accent6">
+                      <a:lumMod val="75000"/>
+                    </a:schemeClr>
+                  </a:solidFill>
+                </a:ln>
+                <a:solidFill>
+                  <a:schemeClr val="accent6"/>
+                </a:solidFill>
+                <a:effectLst>
+                  <a:outerShdw blurRad="203200" dir="3300000" sx="108000" sy="108000" algn="tl" rotWithShape="0">
+                    <a:prstClr val="black">
+                      <a:alpha val="40000"/>
+                    </a:prstClr>
+                  </a:outerShdw>
+                </a:effectLst>
+              </a:rPr>
+              <a:t>stressful </a:t>
+            </a:r>
+            <a:r>
+              <a:rPr lang="en-US" i="1" dirty="0" smtClean="0">
+                <a:ln>
+                  <a:solidFill>
+                    <a:schemeClr val="accent6">
+                      <a:lumMod val="75000"/>
+                    </a:schemeClr>
+                  </a:solidFill>
+                </a:ln>
+                <a:solidFill>
+                  <a:schemeClr val="accent6"/>
+                </a:solidFill>
+                <a:effectLst>
+                  <a:outerShdw blurRad="203200" dir="3300000" sx="108000" sy="108000" algn="tl" rotWithShape="0">
+                    <a:prstClr val="black">
+                      <a:alpha val="40000"/>
+                    </a:prstClr>
+                  </a:outerShdw>
+                </a:effectLst>
+              </a:rPr>
+              <a:t>situations!!</a:t>
+            </a:r>
+            <a:endParaRPr lang="en-US" dirty="0" smtClean="0">
+              <a:ln>
+                <a:solidFill>
+                  <a:schemeClr val="accent6">
+                    <a:lumMod val="75000"/>
+                  </a:schemeClr>
+                </a:solidFill>
+              </a:ln>
+              <a:solidFill>
+                <a:schemeClr val="accent6"/>
+              </a:solidFill>
+              <a:effectLst>
+                <a:outerShdw blurRad="203200" dir="3300000" sx="108000" sy="108000" algn="tl" rotWithShape="0">
+                  <a:prstClr val="black">
+                    <a:alpha val="40000"/>
+                  </a:prstClr>
+                </a:outerShdw>
+              </a:effectLst>
+            </a:endParaRPr>
+          </a:p>
+          <a:p>
+            <a:pPr algn="ctr"/>
+            <a:endParaRPr lang="en-US" dirty="0" smtClean="0">
+              <a:ln>
+                <a:solidFill>
+                  <a:schemeClr val="accent6">
+                    <a:lumMod val="75000"/>
+                  </a:schemeClr>
+                </a:solidFill>
+              </a:ln>
+              <a:solidFill>
+                <a:schemeClr val="accent6"/>
+              </a:solidFill>
+              <a:effectLst>
+                <a:outerShdw blurRad="203200" dir="3300000" sx="108000" sy="108000" algn="tl" rotWithShape="0">
+                  <a:prstClr val="black">
+                    <a:alpha val="40000"/>
+                  </a:prstClr>
+                </a:outerShdw>
+              </a:effectLst>
+            </a:endParaRPr>
           </a:p>
         </p:txBody>
       </p:sp>
@@ -7973,27 +11735,19 @@
             </a:pPr>
             <a:r>
               <a:rPr lang="en-US" sz="4000" dirty="0" smtClean="0"/>
-              <a:t>One’s </a:t>
+              <a:t>Calendar time is </a:t>
             </a:r>
             <a:r>
               <a:rPr lang="en-US" sz="4000" i="1" dirty="0" smtClean="0"/>
-              <a:t>mountain </a:t>
+              <a:t>not</a:t>
             </a:r>
             <a:r>
               <a:rPr lang="en-US" sz="4000" dirty="0" smtClean="0"/>
-              <a:t>is another’s </a:t>
-            </a:r>
-            <a:r>
-              <a:rPr lang="en-US" sz="4000" i="1" dirty="0" smtClean="0"/>
-              <a:t>molehill</a:t>
-            </a:r>
-            <a:r>
-              <a:rPr lang="en-US" sz="4000" dirty="0" smtClean="0"/>
-              <a:t>.</a:t>
-            </a:r>
-          </a:p>
-          <a:p>
-            <a:pPr>
+              <a:t> a measure of effort.</a:t>
+            </a:r>
+          </a:p>
+          <a:p>
+            <a:pPr algn="ctr">
               <a:buNone/>
             </a:pPr>
             <a:endParaRPr lang="en-US" dirty="0" smtClean="0"/>
@@ -8004,7 +11758,7 @@
             </a:pPr>
             <a:r>
               <a:rPr lang="en-US" dirty="0" smtClean="0"/>
-              <a:t>Manager: “Joe said it would take three weeks.”</a:t>
+              <a:t>Manager: “How long will this take?”</a:t>
             </a:r>
           </a:p>
           <a:p>
@@ -8013,15 +11767,7 @@
             </a:pPr>
             <a:r>
               <a:rPr lang="en-US" dirty="0" smtClean="0"/>
-              <a:t>Engineer: “What!? He’s wrong, the </a:t>
-            </a:r>
-            <a:r>
-              <a:rPr lang="en-US" dirty="0" err="1" smtClean="0"/>
-              <a:t>MountainCrusher</a:t>
-            </a:r>
-            <a:r>
-              <a:rPr lang="en-US" dirty="0" smtClean="0"/>
-              <a:t> library already does that, and I have a copy right here.”</a:t>
+              <a:t>Engineer: “Do you mean if I worked full time on JUST THIS, or with my other work?”</a:t>
             </a:r>
           </a:p>
           <a:p>
@@ -8117,11 +11863,19 @@
             </a:pPr>
             <a:r>
               <a:rPr lang="en-US" sz="4000" dirty="0" smtClean="0"/>
-              <a:t>Estimates have a </a:t>
+              <a:t>One’s </a:t>
             </a:r>
             <a:r>
               <a:rPr lang="en-US" sz="4000" i="1" dirty="0" smtClean="0"/>
-              <a:t>short shelf-life</a:t>
+              <a:t>mountain </a:t>
+            </a:r>
+            <a:r>
+              <a:rPr lang="en-US" sz="4000" dirty="0" smtClean="0"/>
+              <a:t>is another’s </a:t>
+            </a:r>
+            <a:r>
+              <a:rPr lang="en-US" sz="4000" i="1" dirty="0" smtClean="0"/>
+              <a:t>molehill</a:t>
             </a:r>
             <a:r>
               <a:rPr lang="en-US" sz="4000" dirty="0" smtClean="0"/>
@@ -8129,7 +11883,7 @@
             </a:r>
           </a:p>
           <a:p>
-            <a:pPr algn="ctr">
+            <a:pPr>
               <a:buNone/>
             </a:pPr>
             <a:endParaRPr lang="en-US" dirty="0" smtClean="0"/>
@@ -8140,7 +11894,7 @@
             </a:pPr>
             <a:r>
               <a:rPr lang="en-US" dirty="0" smtClean="0"/>
-              <a:t>Manager: “Why is this taking so long!?  You said this would only be two days!”</a:t>
+              <a:t>Manager: “Joe said it would take three weeks.”</a:t>
             </a:r>
           </a:p>
           <a:p>
@@ -8149,14 +11903,16 @@
             </a:pPr>
             <a:r>
               <a:rPr lang="en-US" dirty="0" smtClean="0"/>
-              <a:t>Engineer: “But I said that 4 months ago!  The current system architecture makes this feature much harder to build.”</a:t>
-            </a:r>
-          </a:p>
-          <a:p>
-            <a:pPr>
-              <a:buNone/>
-            </a:pPr>
-            <a:endParaRPr lang="en-US" dirty="0" smtClean="0"/>
+              <a:t>Engineer: “What!? He’s wrong, the </a:t>
+            </a:r>
+            <a:r>
+              <a:rPr lang="en-US" dirty="0" err="1" smtClean="0"/>
+              <a:t>MountainCrusher</a:t>
+            </a:r>
+            <a:r>
+              <a:rPr lang="en-US" dirty="0" smtClean="0"/>
+              <a:t> library already does that, and I have a copy right here.”</a:t>
+            </a:r>
           </a:p>
           <a:p>
             <a:pPr algn="ctr">
@@ -8251,15 +12007,15 @@
             </a:pPr>
             <a:r>
               <a:rPr lang="en-US" sz="4000" dirty="0" smtClean="0"/>
-              <a:t>It is easier to estimate the </a:t>
+              <a:t>Estimates have a </a:t>
             </a:r>
             <a:r>
               <a:rPr lang="en-US" sz="4000" i="1" dirty="0" smtClean="0"/>
-              <a:t>near </a:t>
+              <a:t>short shelf-life</a:t>
             </a:r>
             <a:r>
               <a:rPr lang="en-US" sz="4000" dirty="0" smtClean="0"/>
-              <a:t>future.</a:t>
+              <a:t>.</a:t>
             </a:r>
           </a:p>
           <a:p>
@@ -8274,7 +12030,7 @@
             </a:pPr>
             <a:r>
               <a:rPr lang="en-US" dirty="0" smtClean="0"/>
-              <a:t>Manager: “How long will it take to do Z?”</a:t>
+              <a:t>Manager: “Why is this taking so long!?  You said this would only be two days!”</a:t>
             </a:r>
           </a:p>
           <a:p>
@@ -8283,29 +12039,17 @@
             </a:pPr>
             <a:r>
               <a:rPr lang="en-US" dirty="0" smtClean="0"/>
-              <a:t>Engineer: “I haven’t even done B yet!”</a:t>
+              <a:t>Engineer: “But I said that 4 months ago!  The current system architecture makes this feature much harder to build.”</a:t>
             </a:r>
           </a:p>
           <a:p>
             <a:pPr>
               <a:buNone/>
             </a:pPr>
-            <a:r>
-              <a:rPr lang="en-US" dirty="0" smtClean="0"/>
-              <a:t>Manager: “How long for B?”</a:t>
-            </a:r>
-          </a:p>
-          <a:p>
-            <a:pPr>
-              <a:buNone/>
-            </a:pPr>
-            <a:r>
-              <a:rPr lang="en-US" dirty="0" smtClean="0"/>
-              <a:t>Engineer: “Hmm… Maybe a week or so.”</a:t>
-            </a:r>
-          </a:p>
-          <a:p>
-            <a:pPr>
+            <a:endParaRPr lang="en-US" dirty="0" smtClean="0"/>
+          </a:p>
+          <a:p>
+            <a:pPr algn="ctr">
               <a:buNone/>
             </a:pPr>
             <a:endParaRPr lang="en-US" dirty="0" smtClean="0"/>
@@ -8349,6 +12093,34 @@
       </p:grpSpPr>
       <p:sp>
         <p:nvSpPr>
+          <p:cNvPr id="2" name="Title 1"/>
+          <p:cNvSpPr>
+            <a:spLocks noGrp="1"/>
+          </p:cNvSpPr>
+          <p:nvPr>
+            <p:ph type="title"/>
+          </p:nvPr>
+        </p:nvSpPr>
+        <p:spPr>
+          <a:xfrm>
+            <a:off x="508000" y="609600"/>
+            <a:ext cx="9144000" cy="1016000"/>
+          </a:xfrm>
+        </p:spPr>
+        <p:txBody>
+          <a:bodyPr/>
+          <a:lstStyle/>
+          <a:p>
+            <a:r>
+              <a:rPr lang="en-US" dirty="0" smtClean="0"/>
+              <a:t>Common Problems with Estimation</a:t>
+            </a:r>
+            <a:endParaRPr lang="en-US" dirty="0"/>
+          </a:p>
+        </p:txBody>
+      </p:sp>
+      <p:sp>
+        <p:nvSpPr>
           <p:cNvPr id="3" name="Content Placeholder 2"/>
           <p:cNvSpPr>
             <a:spLocks noGrp="1"/>
@@ -8359,7 +12131,7 @@
         </p:nvSpPr>
         <p:spPr/>
         <p:txBody>
-          <a:bodyPr anchor="ctr">
+          <a:bodyPr>
             <a:normAutofit/>
           </a:bodyPr>
           <a:lstStyle/>
@@ -8369,32 +12141,64 @@
             </a:pPr>
             <a:r>
               <a:rPr lang="en-US" sz="4000" dirty="0" smtClean="0"/>
-              <a:t>Agile estimation avoids</a:t>
-            </a:r>
+              <a:t>It is easier to estimate the </a:t>
+            </a:r>
+            <a:r>
+              <a:rPr lang="en-US" sz="4000" i="1" dirty="0" smtClean="0"/>
+              <a:t>near </a:t>
+            </a:r>
+            <a:r>
+              <a:rPr lang="en-US" sz="4000" dirty="0" smtClean="0"/>
+              <a:t>future.</a:t>
+            </a:r>
+          </a:p>
+          <a:p>
+            <a:pPr algn="ctr">
+              <a:buNone/>
+            </a:pPr>
+            <a:endParaRPr lang="en-US" dirty="0" smtClean="0"/>
+          </a:p>
+          <a:p>
+            <a:pPr>
+              <a:buNone/>
+            </a:pPr>
             <a:r>
               <a:rPr lang="en-US" dirty="0" smtClean="0"/>
-              <a:t> </a:t>
-            </a:r>
-            <a:r>
-              <a:rPr lang="en-US" sz="4000" dirty="0" smtClean="0"/>
-              <a:t>these common problems </a:t>
-            </a:r>
-            <a:r>
-              <a:rPr lang="en-US" sz="3200" dirty="0" smtClean="0"/>
-              <a:t>(and more) </a:t>
-            </a:r>
-            <a:r>
-              <a:rPr lang="en-US" sz="4000" dirty="0" smtClean="0"/>
-              <a:t>by taking a more </a:t>
-            </a:r>
-            <a:r>
-              <a:rPr lang="en-US" sz="4000" i="1" dirty="0" smtClean="0"/>
-              <a:t>practical approach </a:t>
-            </a:r>
-            <a:r>
-              <a:rPr lang="en-US" sz="4000" dirty="0" smtClean="0"/>
-              <a:t>to estimating work.</a:t>
-            </a:r>
+              <a:t>Manager: “How long will it take to do Z?”</a:t>
+            </a:r>
+          </a:p>
+          <a:p>
+            <a:pPr>
+              <a:buNone/>
+            </a:pPr>
+            <a:r>
+              <a:rPr lang="en-US" dirty="0" smtClean="0"/>
+              <a:t>Engineer: “I haven’t even done B yet!”</a:t>
+            </a:r>
+          </a:p>
+          <a:p>
+            <a:pPr>
+              <a:buNone/>
+            </a:pPr>
+            <a:r>
+              <a:rPr lang="en-US" dirty="0" smtClean="0"/>
+              <a:t>Manager: “How long for B?”</a:t>
+            </a:r>
+          </a:p>
+          <a:p>
+            <a:pPr>
+              <a:buNone/>
+            </a:pPr>
+            <a:r>
+              <a:rPr lang="en-US" dirty="0" smtClean="0"/>
+              <a:t>Engineer: “Hmm… Maybe a week or so.”</a:t>
+            </a:r>
+          </a:p>
+          <a:p>
+            <a:pPr>
+              <a:buNone/>
+            </a:pPr>
+            <a:endParaRPr lang="en-US" dirty="0" smtClean="0"/>
           </a:p>
         </p:txBody>
       </p:sp>
@@ -8700,6 +12504,291 @@
 </file>
 
 <file path=ppt/theme/theme2.xml><?xml version="1.0" encoding="utf-8"?>
+<a:theme xmlns:a="http://schemas.openxmlformats.org/drawingml/2006/main" name="1_Custom Design">
+  <a:themeElements>
+    <a:clrScheme name="Office">
+      <a:dk1>
+        <a:sysClr val="windowText" lastClr="000000"/>
+      </a:dk1>
+      <a:lt1>
+        <a:sysClr val="window" lastClr="FFFFFF"/>
+      </a:lt1>
+      <a:dk2>
+        <a:srgbClr val="1F497D"/>
+      </a:dk2>
+      <a:lt2>
+        <a:srgbClr val="EEECE1"/>
+      </a:lt2>
+      <a:accent1>
+        <a:srgbClr val="4F81BD"/>
+      </a:accent1>
+      <a:accent2>
+        <a:srgbClr val="C0504D"/>
+      </a:accent2>
+      <a:accent3>
+        <a:srgbClr val="9BBB59"/>
+      </a:accent3>
+      <a:accent4>
+        <a:srgbClr val="8064A2"/>
+      </a:accent4>
+      <a:accent5>
+        <a:srgbClr val="4BACC6"/>
+      </a:accent5>
+      <a:accent6>
+        <a:srgbClr val="F79646"/>
+      </a:accent6>
+      <a:hlink>
+        <a:srgbClr val="0000FF"/>
+      </a:hlink>
+      <a:folHlink>
+        <a:srgbClr val="800080"/>
+      </a:folHlink>
+    </a:clrScheme>
+    <a:fontScheme name="Office">
+      <a:majorFont>
+        <a:latin typeface="Calibri"/>
+        <a:ea typeface=""/>
+        <a:cs typeface=""/>
+        <a:font script="Jpan" typeface="ＭＳ Ｐゴシック"/>
+        <a:font script="Hang" typeface="맑은 고딕"/>
+        <a:font script="Hans" typeface="宋体"/>
+        <a:font script="Hant" typeface="新細明體"/>
+        <a:font script="Arab" typeface="Times New Roman"/>
+        <a:font script="Hebr" typeface="Times New Roman"/>
+        <a:font script="Thai" typeface="Angsana New"/>
+        <a:font script="Ethi" typeface="Nyala"/>
+        <a:font script="Beng" typeface="Vrinda"/>
+        <a:font script="Gujr" typeface="Shruti"/>
+        <a:font script="Khmr" typeface="MoolBoran"/>
+        <a:font script="Knda" typeface="Tunga"/>
+        <a:font script="Guru" typeface="Raavi"/>
+        <a:font script="Cans" typeface="Euphemia"/>
+        <a:font script="Cher" typeface="Plantagenet Cherokee"/>
+        <a:font script="Yiii" typeface="Microsoft Yi Baiti"/>
+        <a:font script="Tibt" typeface="Microsoft Himalaya"/>
+        <a:font script="Thaa" typeface="MV Boli"/>
+        <a:font script="Deva" typeface="Mangal"/>
+        <a:font script="Telu" typeface="Gautami"/>
+        <a:font script="Taml" typeface="Latha"/>
+        <a:font script="Syrc" typeface="Estrangelo Edessa"/>
+        <a:font script="Orya" typeface="Kalinga"/>
+        <a:font script="Mlym" typeface="Kartika"/>
+        <a:font script="Laoo" typeface="DokChampa"/>
+        <a:font script="Sinh" typeface="Iskoola Pota"/>
+        <a:font script="Mong" typeface="Mongolian Baiti"/>
+        <a:font script="Viet" typeface="Times New Roman"/>
+        <a:font script="Uigh" typeface="Microsoft Uighur"/>
+        <a:font script="Geor" typeface="Sylfaen"/>
+      </a:majorFont>
+      <a:minorFont>
+        <a:latin typeface="Calibri"/>
+        <a:ea typeface=""/>
+        <a:cs typeface=""/>
+        <a:font script="Jpan" typeface="ＭＳ Ｐゴシック"/>
+        <a:font script="Hang" typeface="맑은 고딕"/>
+        <a:font script="Hans" typeface="宋体"/>
+        <a:font script="Hant" typeface="新細明體"/>
+        <a:font script="Arab" typeface="Arial"/>
+        <a:font script="Hebr" typeface="Arial"/>
+        <a:font script="Thai" typeface="Cordia New"/>
+        <a:font script="Ethi" typeface="Nyala"/>
+        <a:font script="Beng" typeface="Vrinda"/>
+        <a:font script="Gujr" typeface="Shruti"/>
+        <a:font script="Khmr" typeface="DaunPenh"/>
+        <a:font script="Knda" typeface="Tunga"/>
+        <a:font script="Guru" typeface="Raavi"/>
+        <a:font script="Cans" typeface="Euphemia"/>
+        <a:font script="Cher" typeface="Plantagenet Cherokee"/>
+        <a:font script="Yiii" typeface="Microsoft Yi Baiti"/>
+        <a:font script="Tibt" typeface="Microsoft Himalaya"/>
+        <a:font script="Thaa" typeface="MV Boli"/>
+        <a:font script="Deva" typeface="Mangal"/>
+        <a:font script="Telu" typeface="Gautami"/>
+        <a:font script="Taml" typeface="Latha"/>
+        <a:font script="Syrc" typeface="Estrangelo Edessa"/>
+        <a:font script="Orya" typeface="Kalinga"/>
+        <a:font script="Mlym" typeface="Kartika"/>
+        <a:font script="Laoo" typeface="DokChampa"/>
+        <a:font script="Sinh" typeface="Iskoola Pota"/>
+        <a:font script="Mong" typeface="Mongolian Baiti"/>
+        <a:font script="Viet" typeface="Arial"/>
+        <a:font script="Uigh" typeface="Microsoft Uighur"/>
+        <a:font script="Geor" typeface="Sylfaen"/>
+      </a:minorFont>
+    </a:fontScheme>
+    <a:fmtScheme name="Office">
+      <a:fillStyleLst>
+        <a:solidFill>
+          <a:schemeClr val="phClr"/>
+        </a:solidFill>
+        <a:gradFill rotWithShape="1">
+          <a:gsLst>
+            <a:gs pos="0">
+              <a:schemeClr val="phClr">
+                <a:tint val="50000"/>
+                <a:satMod val="300000"/>
+              </a:schemeClr>
+            </a:gs>
+            <a:gs pos="35000">
+              <a:schemeClr val="phClr">
+                <a:tint val="37000"/>
+                <a:satMod val="300000"/>
+              </a:schemeClr>
+            </a:gs>
+            <a:gs pos="100000">
+              <a:schemeClr val="phClr">
+                <a:tint val="15000"/>
+                <a:satMod val="350000"/>
+              </a:schemeClr>
+            </a:gs>
+          </a:gsLst>
+          <a:lin ang="16200000" scaled="1"/>
+        </a:gradFill>
+        <a:gradFill rotWithShape="1">
+          <a:gsLst>
+            <a:gs pos="0">
+              <a:schemeClr val="phClr">
+                <a:shade val="51000"/>
+                <a:satMod val="130000"/>
+              </a:schemeClr>
+            </a:gs>
+            <a:gs pos="80000">
+              <a:schemeClr val="phClr">
+                <a:shade val="93000"/>
+                <a:satMod val="130000"/>
+              </a:schemeClr>
+            </a:gs>
+            <a:gs pos="100000">
+              <a:schemeClr val="phClr">
+                <a:shade val="94000"/>
+                <a:satMod val="135000"/>
+              </a:schemeClr>
+            </a:gs>
+          </a:gsLst>
+          <a:lin ang="16200000" scaled="0"/>
+        </a:gradFill>
+      </a:fillStyleLst>
+      <a:lnStyleLst>
+        <a:ln w="9525" cap="flat" cmpd="sng" algn="ctr">
+          <a:solidFill>
+            <a:schemeClr val="phClr">
+              <a:shade val="95000"/>
+              <a:satMod val="105000"/>
+            </a:schemeClr>
+          </a:solidFill>
+          <a:prstDash val="solid"/>
+        </a:ln>
+        <a:ln w="25400" cap="flat" cmpd="sng" algn="ctr">
+          <a:solidFill>
+            <a:schemeClr val="phClr"/>
+          </a:solidFill>
+          <a:prstDash val="solid"/>
+        </a:ln>
+        <a:ln w="38100" cap="flat" cmpd="sng" algn="ctr">
+          <a:solidFill>
+            <a:schemeClr val="phClr"/>
+          </a:solidFill>
+          <a:prstDash val="solid"/>
+        </a:ln>
+      </a:lnStyleLst>
+      <a:effectStyleLst>
+        <a:effectStyle>
+          <a:effectLst>
+            <a:outerShdw blurRad="40000" dist="20000" dir="5400000" rotWithShape="0">
+              <a:srgbClr val="000000">
+                <a:alpha val="38000"/>
+              </a:srgbClr>
+            </a:outerShdw>
+          </a:effectLst>
+        </a:effectStyle>
+        <a:effectStyle>
+          <a:effectLst>
+            <a:outerShdw blurRad="40000" dist="23000" dir="5400000" rotWithShape="0">
+              <a:srgbClr val="000000">
+                <a:alpha val="35000"/>
+              </a:srgbClr>
+            </a:outerShdw>
+          </a:effectLst>
+        </a:effectStyle>
+        <a:effectStyle>
+          <a:effectLst>
+            <a:outerShdw blurRad="40000" dist="23000" dir="5400000" rotWithShape="0">
+              <a:srgbClr val="000000">
+                <a:alpha val="35000"/>
+              </a:srgbClr>
+            </a:outerShdw>
+          </a:effectLst>
+          <a:scene3d>
+            <a:camera prst="orthographicFront">
+              <a:rot lat="0" lon="0" rev="0"/>
+            </a:camera>
+            <a:lightRig rig="threePt" dir="t">
+              <a:rot lat="0" lon="0" rev="1200000"/>
+            </a:lightRig>
+          </a:scene3d>
+          <a:sp3d>
+            <a:bevelT w="63500" h="25400"/>
+          </a:sp3d>
+        </a:effectStyle>
+      </a:effectStyleLst>
+      <a:bgFillStyleLst>
+        <a:solidFill>
+          <a:schemeClr val="phClr"/>
+        </a:solidFill>
+        <a:gradFill rotWithShape="1">
+          <a:gsLst>
+            <a:gs pos="0">
+              <a:schemeClr val="phClr">
+                <a:tint val="40000"/>
+                <a:satMod val="350000"/>
+              </a:schemeClr>
+            </a:gs>
+            <a:gs pos="40000">
+              <a:schemeClr val="phClr">
+                <a:tint val="45000"/>
+                <a:shade val="99000"/>
+                <a:satMod val="350000"/>
+              </a:schemeClr>
+            </a:gs>
+            <a:gs pos="100000">
+              <a:schemeClr val="phClr">
+                <a:shade val="20000"/>
+                <a:satMod val="255000"/>
+              </a:schemeClr>
+            </a:gs>
+          </a:gsLst>
+          <a:path path="circle">
+            <a:fillToRect l="50000" t="-80000" r="50000" b="180000"/>
+          </a:path>
+        </a:gradFill>
+        <a:gradFill rotWithShape="1">
+          <a:gsLst>
+            <a:gs pos="0">
+              <a:schemeClr val="phClr">
+                <a:tint val="80000"/>
+                <a:satMod val="300000"/>
+              </a:schemeClr>
+            </a:gs>
+            <a:gs pos="100000">
+              <a:schemeClr val="phClr">
+                <a:shade val="30000"/>
+                <a:satMod val="200000"/>
+              </a:schemeClr>
+            </a:gs>
+          </a:gsLst>
+          <a:path path="circle">
+            <a:fillToRect l="50000" t="50000" r="50000" b="50000"/>
+          </a:path>
+        </a:gradFill>
+      </a:bgFillStyleLst>
+    </a:fmtScheme>
+  </a:themeElements>
+  <a:objectDefaults/>
+  <a:extraClrSchemeLst/>
+</a:theme>
+</file>
+
+<file path=ppt/theme/theme3.xml><?xml version="1.0" encoding="utf-8"?>
 <a:theme xmlns:a="http://schemas.openxmlformats.org/drawingml/2006/main" name="Office Theme">
   <a:themeElements>
     <a:clrScheme name="">

--- a/Agile Firestarter Winter 2011 Agile Estimation.pptx
+++ b/Agile Firestarter Winter 2011 Agile Estimation.pptx
@@ -6,7 +6,7 @@
     <p:sldMasterId id="2147483950" r:id="rId2"/>
   </p:sldMasterIdLst>
   <p:notesMasterIdLst>
-    <p:notesMasterId r:id="rId27"/>
+    <p:notesMasterId r:id="rId28"/>
   </p:notesMasterIdLst>
   <p:sldIdLst>
     <p:sldId id="499" r:id="rId3"/>
@@ -27,12 +27,13 @@
     <p:sldId id="519" r:id="rId18"/>
     <p:sldId id="517" r:id="rId19"/>
     <p:sldId id="548" r:id="rId20"/>
-    <p:sldId id="528" r:id="rId21"/>
-    <p:sldId id="521" r:id="rId22"/>
-    <p:sldId id="551" r:id="rId23"/>
-    <p:sldId id="520" r:id="rId24"/>
-    <p:sldId id="522" r:id="rId25"/>
-    <p:sldId id="538" r:id="rId26"/>
+    <p:sldId id="552" r:id="rId21"/>
+    <p:sldId id="528" r:id="rId22"/>
+    <p:sldId id="521" r:id="rId23"/>
+    <p:sldId id="551" r:id="rId24"/>
+    <p:sldId id="520" r:id="rId25"/>
+    <p:sldId id="522" r:id="rId26"/>
+    <p:sldId id="538" r:id="rId27"/>
   </p:sldIdLst>
   <p:sldSz cx="10160000" cy="7620000"/>
   <p:notesSz cx="6858000" cy="9144000"/>
@@ -1573,7 +1574,7 @@
               <a:pPr>
                 <a:defRPr/>
               </a:pPr>
-              <a:t>19</a:t>
+              <a:t>20</a:t>
             </a:fld>
             <a:endParaRPr lang="en-US"/>
           </a:p>
@@ -1664,7 +1665,7 @@
               <a:pPr>
                 <a:defRPr/>
               </a:pPr>
-              <a:t>20</a:t>
+              <a:t>21</a:t>
             </a:fld>
             <a:endParaRPr lang="en-US"/>
           </a:p>
@@ -1787,7 +1788,7 @@
               <a:pPr>
                 <a:defRPr/>
               </a:pPr>
-              <a:t>22</a:t>
+              <a:t>23</a:t>
             </a:fld>
             <a:endParaRPr lang="en-US"/>
           </a:p>
@@ -2027,7 +2028,7 @@
               <a:pPr>
                 <a:defRPr/>
               </a:pPr>
-              <a:t>23</a:t>
+              <a:t>24</a:t>
             </a:fld>
             <a:endParaRPr lang="en-US"/>
           </a:p>
@@ -2114,7 +2115,7 @@
               <a:pPr>
                 <a:defRPr/>
               </a:pPr>
-              <a:t>24</a:t>
+              <a:t>25</a:t>
             </a:fld>
             <a:endParaRPr lang="en-US"/>
           </a:p>
@@ -3697,7 +3698,7 @@
           <a:p>
             <a:fld id="{4573CFDB-05E0-46C9-BA0A-C72AA8C3A001}" type="datetimeFigureOut">
               <a:rPr lang="en-US" smtClean="0"/>
-              <a:t>1/18/2011</a:t>
+              <a:t>1/20/2011</a:t>
             </a:fld>
             <a:endParaRPr lang="en-US"/>
           </a:p>
@@ -3867,7 +3868,7 @@
           <a:p>
             <a:fld id="{4573CFDB-05E0-46C9-BA0A-C72AA8C3A001}" type="datetimeFigureOut">
               <a:rPr lang="en-US" smtClean="0"/>
-              <a:t>1/18/2011</a:t>
+              <a:t>1/20/2011</a:t>
             </a:fld>
             <a:endParaRPr lang="en-US"/>
           </a:p>
@@ -4113,7 +4114,7 @@
           <a:p>
             <a:fld id="{4573CFDB-05E0-46C9-BA0A-C72AA8C3A001}" type="datetimeFigureOut">
               <a:rPr lang="en-US" smtClean="0"/>
-              <a:t>1/18/2011</a:t>
+              <a:t>1/20/2011</a:t>
             </a:fld>
             <a:endParaRPr lang="en-US"/>
           </a:p>
@@ -4401,7 +4402,7 @@
           <a:p>
             <a:fld id="{4573CFDB-05E0-46C9-BA0A-C72AA8C3A001}" type="datetimeFigureOut">
               <a:rPr lang="en-US" smtClean="0"/>
-              <a:t>1/18/2011</a:t>
+              <a:t>1/20/2011</a:t>
             </a:fld>
             <a:endParaRPr lang="en-US"/>
           </a:p>
@@ -4823,7 +4824,7 @@
           <a:p>
             <a:fld id="{4573CFDB-05E0-46C9-BA0A-C72AA8C3A001}" type="datetimeFigureOut">
               <a:rPr lang="en-US" smtClean="0"/>
-              <a:t>1/18/2011</a:t>
+              <a:t>1/20/2011</a:t>
             </a:fld>
             <a:endParaRPr lang="en-US"/>
           </a:p>
@@ -4941,7 +4942,7 @@
           <a:p>
             <a:fld id="{4573CFDB-05E0-46C9-BA0A-C72AA8C3A001}" type="datetimeFigureOut">
               <a:rPr lang="en-US" smtClean="0"/>
-              <a:t>1/18/2011</a:t>
+              <a:t>1/20/2011</a:t>
             </a:fld>
             <a:endParaRPr lang="en-US"/>
           </a:p>
@@ -5036,7 +5037,7 @@
           <a:p>
             <a:fld id="{4573CFDB-05E0-46C9-BA0A-C72AA8C3A001}" type="datetimeFigureOut">
               <a:rPr lang="en-US" smtClean="0"/>
-              <a:t>1/18/2011</a:t>
+              <a:t>1/20/2011</a:t>
             </a:fld>
             <a:endParaRPr lang="en-US"/>
           </a:p>
@@ -5428,7 +5429,7 @@
           <a:p>
             <a:fld id="{4573CFDB-05E0-46C9-BA0A-C72AA8C3A001}" type="datetimeFigureOut">
               <a:rPr lang="en-US" smtClean="0"/>
-              <a:t>1/18/2011</a:t>
+              <a:t>1/20/2011</a:t>
             </a:fld>
             <a:endParaRPr lang="en-US"/>
           </a:p>
@@ -5681,7 +5682,7 @@
           <a:p>
             <a:fld id="{4573CFDB-05E0-46C9-BA0A-C72AA8C3A001}" type="datetimeFigureOut">
               <a:rPr lang="en-US" smtClean="0"/>
-              <a:t>1/18/2011</a:t>
+              <a:t>1/20/2011</a:t>
             </a:fld>
             <a:endParaRPr lang="en-US"/>
           </a:p>
@@ -5851,7 +5852,7 @@
           <a:p>
             <a:fld id="{4573CFDB-05E0-46C9-BA0A-C72AA8C3A001}" type="datetimeFigureOut">
               <a:rPr lang="en-US" smtClean="0"/>
-              <a:t>1/18/2011</a:t>
+              <a:t>1/20/2011</a:t>
             </a:fld>
             <a:endParaRPr lang="en-US"/>
           </a:p>
@@ -6031,7 +6032,7 @@
           <a:p>
             <a:fld id="{4573CFDB-05E0-46C9-BA0A-C72AA8C3A001}" type="datetimeFigureOut">
               <a:rPr lang="en-US" smtClean="0"/>
-              <a:t>1/18/2011</a:t>
+              <a:t>1/20/2011</a:t>
             </a:fld>
             <a:endParaRPr lang="en-US"/>
           </a:p>
@@ -7413,7 +7414,7 @@
             <a:fld id="{F2BCC184-CBE3-4F29-A273-6F4E5CFA4DFC}" type="datetimeFigureOut">
               <a:rPr lang="en-US" smtClean="0"/>
               <a:pPr/>
-              <a:t>1/17/2011</a:t>
+              <a:t>1/20/2011</a:t>
             </a:fld>
             <a:endParaRPr lang="en-US"/>
           </a:p>
@@ -7930,7 +7931,7 @@
           <a:p>
             <a:fld id="{4573CFDB-05E0-46C9-BA0A-C72AA8C3A001}" type="datetimeFigureOut">
               <a:rPr lang="en-US" smtClean="0"/>
-              <a:t>1/18/2011</a:t>
+              <a:t>1/20/2011</a:t>
             </a:fld>
             <a:endParaRPr lang="en-US"/>
           </a:p>
@@ -9005,15 +9006,7 @@
                   <a:srgbClr val="008000"/>
                 </a:solidFill>
               </a:rPr>
-              <a:t> to </a:t>
-            </a:r>
-            <a:r>
-              <a:rPr lang="en-US" sz="2800" dirty="0" smtClean="0">
-                <a:solidFill>
-                  <a:srgbClr val="008000"/>
-                </a:solidFill>
-              </a:rPr>
-              <a:t>see a summary page of all unpaid accounts, </a:t>
+              <a:t> to see a summary page of all unpaid accounts, </a:t>
             </a:r>
             <a:r>
               <a:rPr lang="en-US" sz="2800" b="1" dirty="0" smtClean="0">
@@ -9068,29 +9061,8 @@
                   <a:srgbClr val="FF0000"/>
                 </a:solidFill>
               </a:rPr>
-              <a:t>Our </a:t>
-            </a:r>
-            <a:r>
-              <a:rPr lang="en-US" sz="2800" dirty="0" smtClean="0">
-                <a:solidFill>
-                  <a:srgbClr val="FF0000"/>
-                </a:solidFill>
-              </a:rPr>
-              <a:t>company wants a new website to increase sales</a:t>
-            </a:r>
-            <a:r>
-              <a:rPr lang="en-US" sz="2800" dirty="0" smtClean="0">
-                <a:solidFill>
-                  <a:srgbClr val="FF0000"/>
-                </a:solidFill>
-              </a:rPr>
-              <a:t>.</a:t>
-            </a:r>
-            <a:endParaRPr lang="en-US" sz="2800" dirty="0" smtClean="0">
-              <a:solidFill>
-                <a:srgbClr val="FF0000"/>
-              </a:solidFill>
-            </a:endParaRPr>
+              <a:t>Our company wants a new website to increase sales.</a:t>
+            </a:r>
           </a:p>
         </p:txBody>
       </p:sp>
@@ -10038,7 +10010,7 @@
           <a:p>
             <a:r>
               <a:rPr lang="en-US" dirty="0" smtClean="0"/>
-              <a:t>Story Backlog</a:t>
+              <a:t>Mock Poker</a:t>
             </a:r>
             <a:endParaRPr lang="en-US" dirty="0"/>
           </a:p>
@@ -10054,31 +10026,163 @@
             <p:ph idx="1"/>
           </p:nvPr>
         </p:nvSpPr>
-        <p:spPr/>
-        <p:txBody>
-          <a:bodyPr/>
-          <a:lstStyle/>
-          <a:p>
-            <a:r>
-              <a:rPr lang="en-US" dirty="0" smtClean="0"/>
-              <a:t>This is just a bucket for all your stories</a:t>
-            </a:r>
-          </a:p>
-          <a:p>
-            <a:r>
-              <a:rPr lang="en-US" dirty="0" smtClean="0"/>
-              <a:t>Keep it prioritized and organized!</a:t>
-            </a:r>
-          </a:p>
-          <a:p>
-            <a:r>
-              <a:rPr lang="en-US" dirty="0" smtClean="0"/>
-              <a:t>Pull estimated stories off this list to create an iteration plan</a:t>
+        <p:spPr>
+          <a:xfrm>
+            <a:off x="508000" y="1600200"/>
+            <a:ext cx="9144000" cy="5867400"/>
+          </a:xfrm>
+        </p:spPr>
+        <p:txBody>
+          <a:bodyPr>
+            <a:noAutofit/>
+          </a:bodyPr>
+          <a:lstStyle/>
+          <a:p>
+            <a:pPr marL="0" indent="0">
+              <a:buNone/>
+            </a:pPr>
+            <a:r>
+              <a:rPr lang="en-US" sz="2800" b="1" dirty="0"/>
+              <a:t>Company:</a:t>
+            </a:r>
+          </a:p>
+          <a:p>
+            <a:pPr marL="444496" lvl="1" indent="0">
+              <a:buNone/>
+            </a:pPr>
+            <a:r>
+              <a:rPr lang="en-US" sz="2400" dirty="0"/>
+              <a:t>Robotics </a:t>
+            </a:r>
+            <a:r>
+              <a:rPr lang="en-US" sz="2400" dirty="0" smtClean="0"/>
+              <a:t>Inc. </a:t>
+            </a:r>
+            <a:r>
+              <a:rPr lang="en-US" sz="2400" dirty="0"/>
+              <a:t>sells sensors and circuit boards for electronic enthusiasts. </a:t>
+            </a:r>
+            <a:r>
+              <a:rPr lang="en-US" sz="2400" dirty="0" smtClean="0"/>
+              <a:t>  They </a:t>
+            </a:r>
+            <a:r>
+              <a:rPr lang="en-US" sz="2400" dirty="0"/>
+              <a:t>have an ecommerce website where they sell the products</a:t>
+            </a:r>
+            <a:r>
+              <a:rPr lang="en-US" sz="2400" dirty="0" smtClean="0"/>
+              <a:t>.</a:t>
+            </a:r>
+          </a:p>
+          <a:p>
+            <a:pPr marL="0" indent="0">
+              <a:buNone/>
+            </a:pPr>
+            <a:endParaRPr lang="en-US" sz="2800" dirty="0"/>
+          </a:p>
+          <a:p>
+            <a:pPr marL="0" indent="0">
+              <a:buNone/>
+            </a:pPr>
+            <a:r>
+              <a:rPr lang="en-US" sz="2800" b="1" dirty="0" smtClean="0"/>
+              <a:t>Story:</a:t>
+            </a:r>
+            <a:endParaRPr lang="en-US" sz="2800" dirty="0" smtClean="0"/>
+          </a:p>
+          <a:p>
+            <a:pPr marL="444496" lvl="1" indent="0">
+              <a:buNone/>
+            </a:pPr>
+            <a:r>
+              <a:rPr lang="en-US" sz="2400" dirty="0" smtClean="0"/>
+              <a:t>“</a:t>
+            </a:r>
+            <a:r>
+              <a:rPr lang="en-US" sz="2400" dirty="0"/>
+              <a:t>The User wants to be able to see </a:t>
+            </a:r>
+            <a:r>
+              <a:rPr lang="en-US" sz="2400" dirty="0" smtClean="0"/>
+              <a:t>all the categories </a:t>
+            </a:r>
+            <a:r>
+              <a:rPr lang="en-US" sz="2400" dirty="0"/>
+              <a:t>so that they can select a </a:t>
+            </a:r>
+            <a:r>
+              <a:rPr lang="en-US" sz="2400" dirty="0" smtClean="0"/>
+              <a:t>category </a:t>
+            </a:r>
+            <a:r>
+              <a:rPr lang="en-US" sz="2400" dirty="0"/>
+              <a:t>to view </a:t>
+            </a:r>
+            <a:r>
+              <a:rPr lang="en-US" sz="2400" dirty="0" smtClean="0"/>
+              <a:t>its products.”</a:t>
+            </a:r>
+          </a:p>
+          <a:p>
+            <a:pPr marL="0" indent="0">
+              <a:buNone/>
+            </a:pPr>
+            <a:endParaRPr lang="en-US" sz="2800" b="1" dirty="0" smtClean="0"/>
+          </a:p>
+          <a:p>
+            <a:pPr marL="0" indent="0">
+              <a:buNone/>
+            </a:pPr>
+            <a:r>
+              <a:rPr lang="en-US" sz="2800" b="1" dirty="0" smtClean="0"/>
+              <a:t>Acceptance Criteria:</a:t>
+            </a:r>
+          </a:p>
+          <a:p>
+            <a:r>
+              <a:rPr lang="en-US" sz="2400" dirty="0" smtClean="0"/>
+              <a:t>Given </a:t>
+            </a:r>
+            <a:r>
+              <a:rPr lang="en-US" sz="2400" dirty="0"/>
+              <a:t>a user is on the home page</a:t>
+            </a:r>
+          </a:p>
+          <a:p>
+            <a:pPr lvl="1"/>
+            <a:r>
+              <a:rPr lang="en-US" sz="2000" dirty="0" smtClean="0"/>
+              <a:t>When </a:t>
+            </a:r>
+            <a:r>
+              <a:rPr lang="en-US" sz="2000" dirty="0"/>
+              <a:t>the page loads then the user will see a list of categories.</a:t>
+            </a:r>
+          </a:p>
+          <a:p>
+            <a:pPr lvl="1"/>
+            <a:r>
+              <a:rPr lang="en-US" sz="2000" dirty="0" smtClean="0"/>
+              <a:t>When </a:t>
+            </a:r>
+            <a:r>
+              <a:rPr lang="en-US" sz="2000" dirty="0"/>
+              <a:t>the user clicks a category then they will go to a product details </a:t>
+            </a:r>
+            <a:r>
+              <a:rPr lang="en-US" sz="2000" dirty="0" smtClean="0"/>
+              <a:t>page.</a:t>
             </a:r>
           </a:p>
         </p:txBody>
       </p:sp>
     </p:spTree>
+    <p:extLst>
+      <p:ext uri="{BB962C8B-B14F-4D97-AF65-F5344CB8AC3E}">
+        <p14:creationId xmlns:p14="http://schemas.microsoft.com/office/powerpoint/2010/main" val="3305498858"/>
+      </p:ext>
+    </p:extLst>
   </p:cSld>
   <p:clrMapOvr>
     <a:masterClrMapping/>
@@ -10311,7 +10415,7 @@
           <a:p>
             <a:r>
               <a:rPr lang="en-US" dirty="0" smtClean="0"/>
-              <a:t>Iteration Plan</a:t>
+              <a:t>Story Backlog</a:t>
             </a:r>
             <a:endParaRPr lang="en-US" dirty="0"/>
           </a:p>
@@ -10329,60 +10433,25 @@
         </p:nvSpPr>
         <p:spPr/>
         <p:txBody>
-          <a:bodyPr>
-            <a:normAutofit/>
-          </a:bodyPr>
+          <a:bodyPr/>
           <a:lstStyle/>
           <a:p>
             <a:r>
               <a:rPr lang="en-US" dirty="0" smtClean="0"/>
-              <a:t>Usually 2-4 weeks</a:t>
+              <a:t>This is just a bucket for all your stories</a:t>
             </a:r>
           </a:p>
           <a:p>
             <a:r>
               <a:rPr lang="en-US" dirty="0" smtClean="0"/>
-              <a:t>Do high risk / high priority work first</a:t>
+              <a:t>Keep it prioritized and organized!</a:t>
             </a:r>
           </a:p>
           <a:p>
             <a:r>
               <a:rPr lang="en-US" dirty="0" smtClean="0"/>
-              <a:t>How much can you do in one iteration?</a:t>
-            </a:r>
-          </a:p>
-          <a:p>
-            <a:pPr lvl="1"/>
-            <a:r>
-              <a:rPr lang="en-US" dirty="0" smtClean="0"/>
-              <a:t>Make sure everyone can be kept busy</a:t>
-            </a:r>
-          </a:p>
-          <a:p>
-            <a:pPr lvl="1"/>
-            <a:r>
-              <a:rPr lang="en-US" dirty="0" smtClean="0"/>
-              <a:t>Compare with previous work, if possible</a:t>
-            </a:r>
-          </a:p>
-          <a:p>
-            <a:pPr lvl="1"/>
-            <a:r>
-              <a:rPr lang="en-US" dirty="0" smtClean="0"/>
-              <a:t>If not, </a:t>
-            </a:r>
-            <a:r>
-              <a:rPr lang="en-US" i="1" dirty="0" smtClean="0"/>
-              <a:t>guess</a:t>
-            </a:r>
-            <a:r>
-              <a:rPr lang="en-US" dirty="0" smtClean="0"/>
-              <a:t>, it’s OK to be wrong!</a:t>
-            </a:r>
-          </a:p>
-          <a:p>
-            <a:pPr lvl="1"/>
-            <a:endParaRPr lang="en-US" dirty="0" smtClean="0"/>
+              <a:t>Pull estimated stories off this list to create an iteration plan</a:t>
+            </a:r>
           </a:p>
         </p:txBody>
       </p:sp>
@@ -10423,6 +10492,133 @@
       </p:grpSpPr>
       <p:sp>
         <p:nvSpPr>
+          <p:cNvPr id="2" name="Title 1"/>
+          <p:cNvSpPr>
+            <a:spLocks noGrp="1"/>
+          </p:cNvSpPr>
+          <p:nvPr>
+            <p:ph type="title"/>
+          </p:nvPr>
+        </p:nvSpPr>
+        <p:spPr/>
+        <p:txBody>
+          <a:bodyPr/>
+          <a:lstStyle/>
+          <a:p>
+            <a:r>
+              <a:rPr lang="en-US" dirty="0" smtClean="0"/>
+              <a:t>Iteration Plan</a:t>
+            </a:r>
+            <a:endParaRPr lang="en-US" dirty="0"/>
+          </a:p>
+        </p:txBody>
+      </p:sp>
+      <p:sp>
+        <p:nvSpPr>
+          <p:cNvPr id="3" name="Content Placeholder 2"/>
+          <p:cNvSpPr>
+            <a:spLocks noGrp="1"/>
+          </p:cNvSpPr>
+          <p:nvPr>
+            <p:ph idx="1"/>
+          </p:nvPr>
+        </p:nvSpPr>
+        <p:spPr/>
+        <p:txBody>
+          <a:bodyPr>
+            <a:normAutofit/>
+          </a:bodyPr>
+          <a:lstStyle/>
+          <a:p>
+            <a:r>
+              <a:rPr lang="en-US" dirty="0" smtClean="0"/>
+              <a:t>Usually 2-4 weeks</a:t>
+            </a:r>
+          </a:p>
+          <a:p>
+            <a:r>
+              <a:rPr lang="en-US" dirty="0" smtClean="0"/>
+              <a:t>Do high risk / high priority work first</a:t>
+            </a:r>
+          </a:p>
+          <a:p>
+            <a:r>
+              <a:rPr lang="en-US" dirty="0" smtClean="0"/>
+              <a:t>How much can you do in one iteration?</a:t>
+            </a:r>
+          </a:p>
+          <a:p>
+            <a:pPr lvl="1"/>
+            <a:r>
+              <a:rPr lang="en-US" dirty="0" smtClean="0"/>
+              <a:t>Make sure everyone can be kept busy</a:t>
+            </a:r>
+          </a:p>
+          <a:p>
+            <a:pPr lvl="1"/>
+            <a:r>
+              <a:rPr lang="en-US" dirty="0" smtClean="0"/>
+              <a:t>Compare with previous work, if possible</a:t>
+            </a:r>
+          </a:p>
+          <a:p>
+            <a:pPr lvl="1"/>
+            <a:r>
+              <a:rPr lang="en-US" dirty="0" smtClean="0"/>
+              <a:t>If not, </a:t>
+            </a:r>
+            <a:r>
+              <a:rPr lang="en-US" i="1" dirty="0" smtClean="0"/>
+              <a:t>guess</a:t>
+            </a:r>
+            <a:r>
+              <a:rPr lang="en-US" dirty="0" smtClean="0"/>
+              <a:t>, it’s OK to be wrong!</a:t>
+            </a:r>
+          </a:p>
+          <a:p>
+            <a:pPr lvl="1"/>
+            <a:endParaRPr lang="en-US" dirty="0" smtClean="0"/>
+          </a:p>
+        </p:txBody>
+      </p:sp>
+    </p:spTree>
+  </p:cSld>
+  <p:clrMapOvr>
+    <a:masterClrMapping/>
+  </p:clrMapOvr>
+  <p:transition>
+    <p:fade/>
+  </p:transition>
+  <p:timing>
+    <p:tnLst>
+      <p:par>
+        <p:cTn id="1" dur="indefinite" restart="never" nodeType="tmRoot"/>
+      </p:par>
+    </p:tnLst>
+  </p:timing>
+</p:sld>
+</file>
+
+<file path=ppt/slides/slide22.xml><?xml version="1.0" encoding="utf-8"?>
+<p:sld xmlns:a="http://schemas.openxmlformats.org/drawingml/2006/main" xmlns:r="http://schemas.openxmlformats.org/officeDocument/2006/relationships" xmlns:p="http://schemas.openxmlformats.org/presentationml/2006/main">
+  <p:cSld>
+    <p:spTree>
+      <p:nvGrpSpPr>
+        <p:cNvPr id="1" name=""/>
+        <p:cNvGrpSpPr/>
+        <p:nvPr/>
+      </p:nvGrpSpPr>
+      <p:grpSpPr>
+        <a:xfrm>
+          <a:off x="0" y="0"/>
+          <a:ext cx="0" cy="0"/>
+          <a:chOff x="0" y="0"/>
+          <a:chExt cx="0" cy="0"/>
+        </a:xfrm>
+      </p:grpSpPr>
+      <p:sp>
+        <p:nvSpPr>
           <p:cNvPr id="7" name="Title 6"/>
           <p:cNvSpPr>
             <a:spLocks noGrp="1"/>
@@ -10660,147 +10856,14 @@
   <p:clrMapOvr>
     <a:masterClrMapping/>
   </p:clrMapOvr>
-  <mc:AlternateContent xmlns:mc="http://schemas.openxmlformats.org/markup-compatibility/2006">
-    <mc:Choice xmlns:p14="http://schemas.microsoft.com/office/powerpoint/2010/main" Requires="p14">
+  <mc:AlternateContent xmlns:mc="http://schemas.openxmlformats.org/markup-compatibility/2006" xmlns:p14="http://schemas.microsoft.com/office/powerpoint/2010/main">
+    <mc:Choice Requires="p14">
       <p:transition spd="slow" p14:dur="2000"/>
     </mc:Choice>
-    <mc:Fallback>
+    <mc:Fallback xmlns="">
       <p:transition spd="slow"/>
     </mc:Fallback>
   </mc:AlternateContent>
-  <p:timing>
-    <p:tnLst>
-      <p:par>
-        <p:cTn id="1" dur="indefinite" restart="never" nodeType="tmRoot"/>
-      </p:par>
-    </p:tnLst>
-  </p:timing>
-</p:sld>
-</file>
-
-<file path=ppt/slides/slide22.xml><?xml version="1.0" encoding="utf-8"?>
-<p:sld xmlns:a="http://schemas.openxmlformats.org/drawingml/2006/main" xmlns:r="http://schemas.openxmlformats.org/officeDocument/2006/relationships" xmlns:p="http://schemas.openxmlformats.org/presentationml/2006/main">
-  <p:cSld>
-    <p:spTree>
-      <p:nvGrpSpPr>
-        <p:cNvPr id="1" name=""/>
-        <p:cNvGrpSpPr/>
-        <p:nvPr/>
-      </p:nvGrpSpPr>
-      <p:grpSpPr>
-        <a:xfrm>
-          <a:off x="0" y="0"/>
-          <a:ext cx="0" cy="0"/>
-          <a:chOff x="0" y="0"/>
-          <a:chExt cx="0" cy="0"/>
-        </a:xfrm>
-      </p:grpSpPr>
-      <p:sp>
-        <p:nvSpPr>
-          <p:cNvPr id="2" name="Title 1"/>
-          <p:cNvSpPr>
-            <a:spLocks noGrp="1"/>
-          </p:cNvSpPr>
-          <p:nvPr>
-            <p:ph type="title"/>
-          </p:nvPr>
-        </p:nvSpPr>
-        <p:spPr/>
-        <p:txBody>
-          <a:bodyPr/>
-          <a:lstStyle/>
-          <a:p>
-            <a:r>
-              <a:rPr lang="en-US" smtClean="0"/>
-              <a:t>Team Velocity </a:t>
-            </a:r>
-            <a:endParaRPr lang="en-US" dirty="0"/>
-          </a:p>
-        </p:txBody>
-      </p:sp>
-      <p:sp>
-        <p:nvSpPr>
-          <p:cNvPr id="3" name="Content Placeholder 2"/>
-          <p:cNvSpPr>
-            <a:spLocks noGrp="1"/>
-          </p:cNvSpPr>
-          <p:nvPr>
-            <p:ph idx="1"/>
-          </p:nvPr>
-        </p:nvSpPr>
-        <p:spPr/>
-        <p:txBody>
-          <a:bodyPr>
-            <a:normAutofit/>
-          </a:bodyPr>
-          <a:lstStyle/>
-          <a:p>
-            <a:r>
-              <a:rPr lang="en-US" sz="3200" dirty="0" smtClean="0"/>
-              <a:t>Velocity is the number of points you </a:t>
-            </a:r>
-            <a:r>
-              <a:rPr lang="en-US" sz="3200" b="1" dirty="0" smtClean="0"/>
-              <a:t>completed</a:t>
-            </a:r>
-            <a:r>
-              <a:rPr lang="en-US" sz="3200" dirty="0" smtClean="0"/>
-              <a:t> in previous iterations</a:t>
-            </a:r>
-            <a:endParaRPr lang="en-US" sz="3200" b="1" dirty="0" smtClean="0"/>
-          </a:p>
-          <a:p>
-            <a:r>
-              <a:rPr lang="en-US" sz="3200" dirty="0" smtClean="0"/>
-              <a:t>Over time this number will stabilize (usually after 3 iterations)</a:t>
-            </a:r>
-          </a:p>
-          <a:p>
-            <a:pPr algn="ctr">
-              <a:buNone/>
-            </a:pPr>
-            <a:endParaRPr lang="en-US" sz="3200" dirty="0" smtClean="0"/>
-          </a:p>
-          <a:p>
-            <a:pPr algn="ctr">
-              <a:buNone/>
-            </a:pPr>
-            <a:r>
-              <a:rPr lang="en-US" sz="3200" dirty="0" smtClean="0">
-                <a:solidFill>
-                  <a:schemeClr val="accent6">
-                    <a:lumMod val="75000"/>
-                  </a:schemeClr>
-                </a:solidFill>
-              </a:rPr>
-              <a:t>Total Points / Velocity * Iteration length = </a:t>
-            </a:r>
-          </a:p>
-          <a:p>
-            <a:pPr algn="ctr">
-              <a:buNone/>
-            </a:pPr>
-            <a:r>
-              <a:rPr lang="en-US" sz="3200" dirty="0" smtClean="0">
-                <a:solidFill>
-                  <a:schemeClr val="accent6">
-                    <a:lumMod val="75000"/>
-                  </a:schemeClr>
-                </a:solidFill>
-              </a:rPr>
-              <a:t>Calendar Time!</a:t>
-            </a:r>
-          </a:p>
-        </p:txBody>
-      </p:sp>
-    </p:spTree>
-  </p:cSld>
-  <p:clrMapOvr>
-    <a:masterClrMapping/>
-  </p:clrMapOvr>
-  <p:transition>
-    <p:fade/>
-  </p:transition>
   <p:timing>
     <p:tnLst>
       <p:par>
@@ -10844,8 +10907,8 @@
           <a:lstStyle/>
           <a:p>
             <a:r>
-              <a:rPr lang="en-US" dirty="0" smtClean="0"/>
-              <a:t>Re-estimation</a:t>
+              <a:rPr lang="en-US" smtClean="0"/>
+              <a:t>Team Velocity </a:t>
             </a:r>
             <a:endParaRPr lang="en-US" dirty="0"/>
           </a:p>
@@ -10869,30 +10932,59 @@
           <a:lstStyle/>
           <a:p>
             <a:r>
-              <a:rPr lang="en-US" dirty="0" smtClean="0"/>
-              <a:t>Re-estimate when you have new information that affects your previous estimates</a:t>
-            </a:r>
-          </a:p>
-          <a:p>
-            <a:r>
-              <a:rPr lang="en-US" dirty="0" smtClean="0"/>
-              <a:t>Review your upcoming story estimates before each iteration, do they still make sense?</a:t>
-            </a:r>
-          </a:p>
-          <a:p>
-            <a:r>
-              <a:rPr lang="en-US" dirty="0" smtClean="0"/>
-              <a:t>Re-estimate if you change a story</a:t>
-            </a:r>
-          </a:p>
-          <a:p>
-            <a:r>
-              <a:rPr lang="en-US" b="1" dirty="0" smtClean="0"/>
-              <a:t>NEVER </a:t>
-            </a:r>
-            <a:r>
-              <a:rPr lang="en-US" dirty="0" smtClean="0"/>
-              <a:t>change an estimate after a story has entered development!</a:t>
+              <a:rPr lang="en-US" sz="3200" dirty="0" smtClean="0"/>
+              <a:t>Velocity is the number of points you </a:t>
+            </a:r>
+            <a:r>
+              <a:rPr lang="en-US" sz="3200" b="1" dirty="0" smtClean="0"/>
+              <a:t>completed</a:t>
+            </a:r>
+            <a:r>
+              <a:rPr lang="en-US" sz="3200" dirty="0" smtClean="0"/>
+              <a:t> in previous iterations</a:t>
+            </a:r>
+            <a:endParaRPr lang="en-US" sz="3200" b="1" dirty="0" smtClean="0"/>
+          </a:p>
+          <a:p>
+            <a:r>
+              <a:rPr lang="en-US" sz="3200" dirty="0" smtClean="0"/>
+              <a:t>Over time this number will stabilize (usually after 3 iterations)</a:t>
+            </a:r>
+          </a:p>
+          <a:p>
+            <a:pPr algn="ctr">
+              <a:buNone/>
+            </a:pPr>
+            <a:endParaRPr lang="en-US" sz="3200" dirty="0" smtClean="0"/>
+          </a:p>
+          <a:p>
+            <a:pPr algn="ctr">
+              <a:buNone/>
+            </a:pPr>
+            <a:r>
+              <a:rPr lang="en-US" sz="3200" dirty="0" smtClean="0">
+                <a:solidFill>
+                  <a:schemeClr val="accent6">
+                    <a:lumMod val="75000"/>
+                  </a:schemeClr>
+                </a:solidFill>
+              </a:rPr>
+              <a:t>Total Points / Velocity * Iteration length = </a:t>
+            </a:r>
+          </a:p>
+          <a:p>
+            <a:pPr algn="ctr">
+              <a:buNone/>
+            </a:pPr>
+            <a:r>
+              <a:rPr lang="en-US" sz="3200" dirty="0" smtClean="0">
+                <a:solidFill>
+                  <a:schemeClr val="accent6">
+                    <a:lumMod val="75000"/>
+                  </a:schemeClr>
+                </a:solidFill>
+              </a:rPr>
+              <a:t>Calendar Time!</a:t>
             </a:r>
           </a:p>
         </p:txBody>
@@ -10949,6 +11041,110 @@
           <a:p>
             <a:r>
               <a:rPr lang="en-US" dirty="0" smtClean="0"/>
+              <a:t>Re-estimation</a:t>
+            </a:r>
+            <a:endParaRPr lang="en-US" dirty="0"/>
+          </a:p>
+        </p:txBody>
+      </p:sp>
+      <p:sp>
+        <p:nvSpPr>
+          <p:cNvPr id="3" name="Content Placeholder 2"/>
+          <p:cNvSpPr>
+            <a:spLocks noGrp="1"/>
+          </p:cNvSpPr>
+          <p:nvPr>
+            <p:ph idx="1"/>
+          </p:nvPr>
+        </p:nvSpPr>
+        <p:spPr/>
+        <p:txBody>
+          <a:bodyPr>
+            <a:normAutofit/>
+          </a:bodyPr>
+          <a:lstStyle/>
+          <a:p>
+            <a:r>
+              <a:rPr lang="en-US" dirty="0" smtClean="0"/>
+              <a:t>Re-estimate when you have new information that affects your previous estimates</a:t>
+            </a:r>
+          </a:p>
+          <a:p>
+            <a:r>
+              <a:rPr lang="en-US" dirty="0" smtClean="0"/>
+              <a:t>Review your upcoming story estimates before each iteration, do they still make sense?</a:t>
+            </a:r>
+          </a:p>
+          <a:p>
+            <a:r>
+              <a:rPr lang="en-US" dirty="0" smtClean="0"/>
+              <a:t>Re-estimate if you change a story</a:t>
+            </a:r>
+          </a:p>
+          <a:p>
+            <a:r>
+              <a:rPr lang="en-US" b="1" dirty="0" smtClean="0"/>
+              <a:t>NEVER </a:t>
+            </a:r>
+            <a:r>
+              <a:rPr lang="en-US" dirty="0" smtClean="0"/>
+              <a:t>change an estimate after a story has entered development!</a:t>
+            </a:r>
+          </a:p>
+        </p:txBody>
+      </p:sp>
+    </p:spTree>
+  </p:cSld>
+  <p:clrMapOvr>
+    <a:masterClrMapping/>
+  </p:clrMapOvr>
+  <p:transition>
+    <p:fade/>
+  </p:transition>
+  <p:timing>
+    <p:tnLst>
+      <p:par>
+        <p:cTn id="1" dur="indefinite" restart="never" nodeType="tmRoot"/>
+      </p:par>
+    </p:tnLst>
+  </p:timing>
+</p:sld>
+</file>
+
+<file path=ppt/slides/slide25.xml><?xml version="1.0" encoding="utf-8"?>
+<p:sld xmlns:a="http://schemas.openxmlformats.org/drawingml/2006/main" xmlns:r="http://schemas.openxmlformats.org/officeDocument/2006/relationships" xmlns:p="http://schemas.openxmlformats.org/presentationml/2006/main">
+  <p:cSld>
+    <p:spTree>
+      <p:nvGrpSpPr>
+        <p:cNvPr id="1" name=""/>
+        <p:cNvGrpSpPr/>
+        <p:nvPr/>
+      </p:nvGrpSpPr>
+      <p:grpSpPr>
+        <a:xfrm>
+          <a:off x="0" y="0"/>
+          <a:ext cx="0" cy="0"/>
+          <a:chOff x="0" y="0"/>
+          <a:chExt cx="0" cy="0"/>
+        </a:xfrm>
+      </p:grpSpPr>
+      <p:sp>
+        <p:nvSpPr>
+          <p:cNvPr id="2" name="Title 1"/>
+          <p:cNvSpPr>
+            <a:spLocks noGrp="1"/>
+          </p:cNvSpPr>
+          <p:nvPr>
+            <p:ph type="title"/>
+          </p:nvPr>
+        </p:nvSpPr>
+        <p:spPr/>
+        <p:txBody>
+          <a:bodyPr/>
+          <a:lstStyle/>
+          <a:p>
+            <a:r>
+              <a:rPr lang="en-US" dirty="0" smtClean="0"/>
               <a:t>Lab - Planning Poker</a:t>
             </a:r>
             <a:endParaRPr lang="en-US" dirty="0"/>
@@ -11163,7 +11359,15 @@
             </a:pPr>
             <a:r>
               <a:rPr lang="en-US" dirty="0" smtClean="0"/>
-              <a:t>In software engineering, estimation is the process of speculating the amount of effort required to complete a task or set of tasks.</a:t>
+              <a:t>In software engineering, estimation is the process of speculating the amount of </a:t>
+            </a:r>
+            <a:r>
+              <a:rPr lang="en-US" b="1" dirty="0" smtClean="0"/>
+              <a:t>effort </a:t>
+            </a:r>
+            <a:r>
+              <a:rPr lang="en-US" dirty="0" smtClean="0"/>
+              <a:t>required to complete a task or set of tasks.</a:t>
             </a:r>
           </a:p>
           <a:p>
